--- a/python1_2025.pptx
+++ b/python1_2025.pptx
@@ -9547,8 +9547,8 @@
         </p:nvSpPr>
         <p:spPr>
           <a:xfrm>
-            <a:off x="3060180" y="4150581"/>
-            <a:ext cx="5429700" cy="824839"/>
+            <a:off x="5159828" y="4150581"/>
+            <a:ext cx="3330051" cy="824839"/>
           </a:xfrm>
           <a:prstGeom prst="rect">
             <a:avLst/>
@@ -9690,6 +9690,75 @@
           </a:extLst>
         </p:spPr>
       </p:pic>
+      <p:sp>
+        <p:nvSpPr>
+          <p:cNvPr id="3" name="TextBox 2">
+            <a:extLst>
+              <a:ext uri="{FF2B5EF4-FFF2-40B4-BE49-F238E27FC236}">
+                <a16:creationId xmlns:a16="http://schemas.microsoft.com/office/drawing/2014/main" id="{4D2B50C0-777A-B3CF-EBA0-DE018E0F98C2}"/>
+              </a:ext>
+            </a:extLst>
+          </p:cNvPr>
+          <p:cNvSpPr txBox="1"/>
+          <p:nvPr/>
+        </p:nvSpPr>
+        <p:spPr>
+          <a:xfrm>
+            <a:off x="1558033" y="4452200"/>
+            <a:ext cx="3013967" cy="523220"/>
+          </a:xfrm>
+          <a:prstGeom prst="rect">
+            <a:avLst/>
+          </a:prstGeom>
+          <a:noFill/>
+        </p:spPr>
+        <p:txBody>
+          <a:bodyPr wrap="none" rtlCol="0">
+            <a:spAutoFit/>
+          </a:bodyPr>
+          <a:lstStyle/>
+          <a:p>
+            <a:r>
+              <a:rPr lang="en-US" dirty="0">
+                <a:solidFill>
+                  <a:schemeClr val="tx1"/>
+                </a:solidFill>
+                <a:latin typeface="Avenir Book" panose="02000503020000020003" pitchFamily="2" charset="0"/>
+              </a:rPr>
+              <a:t>Course Material:</a:t>
+            </a:r>
+          </a:p>
+          <a:p>
+            <a:r>
+              <a:rPr lang="en-US" dirty="0">
+                <a:solidFill>
+                  <a:schemeClr val="tx1"/>
+                </a:solidFill>
+                <a:latin typeface="Avenir Book" panose="02000503020000020003" pitchFamily="2" charset="0"/>
+              </a:rPr>
+              <a:t>https://</a:t>
+            </a:r>
+            <a:r>
+              <a:rPr lang="en-US" dirty="0" err="1">
+                <a:solidFill>
+                  <a:schemeClr val="tx1"/>
+                </a:solidFill>
+                <a:latin typeface="Avenir Book" panose="02000503020000020003" pitchFamily="2" charset="0"/>
+              </a:rPr>
+              <a:t>github.com</a:t>
+            </a:r>
+            <a:r>
+              <a:rPr lang="en-US" dirty="0">
+                <a:solidFill>
+                  <a:schemeClr val="tx1"/>
+                </a:solidFill>
+                <a:latin typeface="Avenir Book" panose="02000503020000020003" pitchFamily="2" charset="0"/>
+              </a:rPr>
+              <a:t>/CWML/Python1</a:t>
+            </a:r>
+          </a:p>
+        </p:txBody>
+      </p:sp>
     </p:spTree>
   </p:cSld>
   <p:clrMapOvr>

--- a/python1_2025.pptx
+++ b/python1_2025.pptx
@@ -5,7 +5,7 @@
     <p:sldMasterId id="2147483660" r:id="rId1"/>
   </p:sldMasterIdLst>
   <p:notesMasterIdLst>
-    <p:notesMasterId r:id="rId31"/>
+    <p:notesMasterId r:id="rId34"/>
   </p:notesMasterIdLst>
   <p:sldIdLst>
     <p:sldId id="256" r:id="rId2"/>
@@ -14,49 +14,52 @@
     <p:sldId id="303" r:id="rId5"/>
     <p:sldId id="299" r:id="rId6"/>
     <p:sldId id="258" r:id="rId7"/>
-    <p:sldId id="304" r:id="rId8"/>
-    <p:sldId id="300" r:id="rId9"/>
-    <p:sldId id="264" r:id="rId10"/>
-    <p:sldId id="265" r:id="rId11"/>
-    <p:sldId id="267" r:id="rId12"/>
-    <p:sldId id="268" r:id="rId13"/>
-    <p:sldId id="269" r:id="rId14"/>
-    <p:sldId id="270" r:id="rId15"/>
-    <p:sldId id="271" r:id="rId16"/>
-    <p:sldId id="301" r:id="rId17"/>
-    <p:sldId id="273" r:id="rId18"/>
-    <p:sldId id="305" r:id="rId19"/>
-    <p:sldId id="274" r:id="rId20"/>
-    <p:sldId id="275" r:id="rId21"/>
-    <p:sldId id="276" r:id="rId22"/>
-    <p:sldId id="277" r:id="rId23"/>
-    <p:sldId id="278" r:id="rId24"/>
-    <p:sldId id="285" r:id="rId25"/>
-    <p:sldId id="279" r:id="rId26"/>
-    <p:sldId id="306" r:id="rId27"/>
-    <p:sldId id="280" r:id="rId28"/>
-    <p:sldId id="281" r:id="rId29"/>
-    <p:sldId id="283" r:id="rId30"/>
+    <p:sldId id="307" r:id="rId8"/>
+    <p:sldId id="310" r:id="rId9"/>
+    <p:sldId id="309" r:id="rId10"/>
+    <p:sldId id="300" r:id="rId11"/>
+    <p:sldId id="264" r:id="rId12"/>
+    <p:sldId id="265" r:id="rId13"/>
+    <p:sldId id="304" r:id="rId14"/>
+    <p:sldId id="267" r:id="rId15"/>
+    <p:sldId id="268" r:id="rId16"/>
+    <p:sldId id="269" r:id="rId17"/>
+    <p:sldId id="270" r:id="rId18"/>
+    <p:sldId id="271" r:id="rId19"/>
+    <p:sldId id="301" r:id="rId20"/>
+    <p:sldId id="273" r:id="rId21"/>
+    <p:sldId id="305" r:id="rId22"/>
+    <p:sldId id="274" r:id="rId23"/>
+    <p:sldId id="275" r:id="rId24"/>
+    <p:sldId id="276" r:id="rId25"/>
+    <p:sldId id="277" r:id="rId26"/>
+    <p:sldId id="278" r:id="rId27"/>
+    <p:sldId id="285" r:id="rId28"/>
+    <p:sldId id="279" r:id="rId29"/>
+    <p:sldId id="306" r:id="rId30"/>
+    <p:sldId id="280" r:id="rId31"/>
+    <p:sldId id="281" r:id="rId32"/>
+    <p:sldId id="283" r:id="rId33"/>
   </p:sldIdLst>
   <p:sldSz cx="9144000" cy="5143500" type="screen16x9"/>
   <p:notesSz cx="6858000" cy="9144000"/>
   <p:embeddedFontLst>
     <p:embeddedFont>
       <p:font typeface="Avenir" panose="02000503020000020003" pitchFamily="2" charset="0"/>
-      <p:regular r:id="rId32"/>
-      <p:italic r:id="rId33"/>
+      <p:regular r:id="rId35"/>
+      <p:italic r:id="rId36"/>
     </p:embeddedFont>
     <p:embeddedFont>
       <p:font typeface="Avenir Book" panose="02000503020000020003" pitchFamily="2" charset="0"/>
-      <p:regular r:id="rId34"/>
-      <p:italic r:id="rId35"/>
+      <p:regular r:id="rId37"/>
+      <p:italic r:id="rId38"/>
     </p:embeddedFont>
     <p:embeddedFont>
       <p:font typeface="Montserrat" pitchFamily="2" charset="77"/>
-      <p:regular r:id="rId36"/>
-      <p:bold r:id="rId37"/>
-      <p:italic r:id="rId38"/>
-      <p:boldItalic r:id="rId39"/>
+      <p:regular r:id="rId39"/>
+      <p:bold r:id="rId40"/>
+      <p:italic r:id="rId41"/>
+      <p:boldItalic r:id="rId42"/>
     </p:embeddedFont>
   </p:embeddedFontLst>
   <p:defaultTextStyle>
@@ -857,7 +860,7 @@
   <p:cSld>
     <p:spTree>
       <p:nvGrpSpPr>
-        <p:cNvPr id="1" name="Shape 160"/>
+        <p:cNvPr id="1" name="Shape 153"/>
         <p:cNvGrpSpPr/>
         <p:nvPr/>
       </p:nvGrpSpPr>
@@ -871,7 +874,7 @@
       </p:grpSpPr>
       <p:sp>
         <p:nvSpPr>
-          <p:cNvPr id="161" name="Google Shape;161;g2a3ad0cb722_0_256:notes"/>
+          <p:cNvPr id="154" name="Google Shape;154;g2a3ad0cb722_0_250:notes"/>
           <p:cNvSpPr>
             <a:spLocks noGrp="1" noRot="1" noChangeAspect="1"/>
           </p:cNvSpPr>
@@ -912,7 +915,7 @@
       </p:sp>
       <p:sp>
         <p:nvSpPr>
-          <p:cNvPr id="162" name="Google Shape;162;g2a3ad0cb722_0_256:notes"/>
+          <p:cNvPr id="155" name="Google Shape;155;g2a3ad0cb722_0_250:notes"/>
           <p:cNvSpPr txBox="1">
             <a:spLocks noGrp="1"/>
           </p:cNvSpPr>
@@ -934,6 +937,65 @@
             <a:noAutofit/>
           </a:bodyPr>
           <a:lstStyle/>
+          <a:p>
+            <a:endParaRPr lang="en-US" dirty="0"/>
+          </a:p>
+          <a:p>
+            <a:r>
+              <a:rPr lang="en-US" dirty="0"/>
+              <a:t>In Python, a </a:t>
+            </a:r>
+            <a:r>
+              <a:rPr lang="en-US" b="1" dirty="0"/>
+              <a:t>function</a:t>
+            </a:r>
+            <a:r>
+              <a:rPr lang="en-US" dirty="0"/>
+              <a:t> is a block of reusable code that performs a specific task and can be called independently. Functions are not tied to any specific object and can be called using their name (e.g., print() or </a:t>
+            </a:r>
+            <a:r>
+              <a:rPr lang="en-US" dirty="0" err="1"/>
+              <a:t>len</a:t>
+            </a:r>
+            <a:r>
+              <a:rPr lang="en-US" dirty="0"/>
+              <a:t>()). Functions often take inputs (parameters) and may return outputs.</a:t>
+            </a:r>
+          </a:p>
+          <a:p>
+            <a:r>
+              <a:rPr lang="en-US" dirty="0"/>
+              <a:t>A </a:t>
+            </a:r>
+            <a:r>
+              <a:rPr lang="en-US" b="1" dirty="0"/>
+              <a:t>method</a:t>
+            </a:r>
+            <a:r>
+              <a:rPr lang="en-US" dirty="0"/>
+              <a:t>, on the other hand, is a function that is associated with an object and is called on that object. Methods are defined within a class and can access or modify the attributes of the object they belong to. The syntax for calling a method is </a:t>
+            </a:r>
+            <a:r>
+              <a:rPr lang="en-US" dirty="0" err="1"/>
+              <a:t>object.method</a:t>
+            </a:r>
+            <a:r>
+              <a:rPr lang="en-US" dirty="0"/>
+              <a:t>(), where the method may also take additional parameters.</a:t>
+            </a:r>
+          </a:p>
+          <a:p>
+            <a:pPr marL="0" lvl="0" indent="0" algn="l" rtl="0">
+              <a:spcBef>
+                <a:spcPts val="0"/>
+              </a:spcBef>
+              <a:spcAft>
+                <a:spcPts val="0"/>
+              </a:spcAft>
+              <a:buNone/>
+            </a:pPr>
+            <a:endParaRPr lang="en-US" dirty="0"/>
+          </a:p>
           <a:p>
             <a:pPr marL="0" lvl="0" indent="0" algn="l" rtl="0">
               <a:spcBef>
@@ -957,6 +1019,219 @@
 </file>
 
 <file path=ppt/notesSlides/notesSlide11.xml><?xml version="1.0" encoding="utf-8"?>
+<p:notes xmlns:a="http://schemas.openxmlformats.org/drawingml/2006/main" xmlns:r="http://schemas.openxmlformats.org/officeDocument/2006/relationships" xmlns:p="http://schemas.openxmlformats.org/presentationml/2006/main" showMasterSp="0" showMasterPhAnim="0">
+  <p:cSld>
+    <p:spTree>
+      <p:nvGrpSpPr>
+        <p:cNvPr id="1" name="Shape 160"/>
+        <p:cNvGrpSpPr/>
+        <p:nvPr/>
+      </p:nvGrpSpPr>
+      <p:grpSpPr>
+        <a:xfrm>
+          <a:off x="0" y="0"/>
+          <a:ext cx="0" cy="0"/>
+          <a:chOff x="0" y="0"/>
+          <a:chExt cx="0" cy="0"/>
+        </a:xfrm>
+      </p:grpSpPr>
+      <p:sp>
+        <p:nvSpPr>
+          <p:cNvPr id="161" name="Google Shape;161;g2a3ad0cb722_0_256:notes"/>
+          <p:cNvSpPr>
+            <a:spLocks noGrp="1" noRot="1" noChangeAspect="1"/>
+          </p:cNvSpPr>
+          <p:nvPr>
+            <p:ph type="sldImg" idx="2"/>
+          </p:nvPr>
+        </p:nvSpPr>
+        <p:spPr>
+          <a:xfrm>
+            <a:off x="381000" y="685800"/>
+            <a:ext cx="6096000" cy="3429000"/>
+          </a:xfrm>
+          <a:custGeom>
+            <a:avLst/>
+            <a:gdLst/>
+            <a:ahLst/>
+            <a:cxnLst/>
+            <a:rect l="l" t="t" r="r" b="b"/>
+            <a:pathLst>
+              <a:path w="120000" h="120000" extrusionOk="0">
+                <a:moveTo>
+                  <a:pt x="0" y="0"/>
+                </a:moveTo>
+                <a:lnTo>
+                  <a:pt x="120000" y="0"/>
+                </a:lnTo>
+                <a:lnTo>
+                  <a:pt x="120000" y="120000"/>
+                </a:lnTo>
+                <a:lnTo>
+                  <a:pt x="0" y="120000"/>
+                </a:lnTo>
+                <a:close/>
+              </a:path>
+            </a:pathLst>
+          </a:custGeom>
+        </p:spPr>
+      </p:sp>
+      <p:sp>
+        <p:nvSpPr>
+          <p:cNvPr id="162" name="Google Shape;162;g2a3ad0cb722_0_256:notes"/>
+          <p:cNvSpPr txBox="1">
+            <a:spLocks noGrp="1"/>
+          </p:cNvSpPr>
+          <p:nvPr>
+            <p:ph type="body" idx="1"/>
+          </p:nvPr>
+        </p:nvSpPr>
+        <p:spPr>
+          <a:xfrm>
+            <a:off x="685800" y="4343400"/>
+            <a:ext cx="5486400" cy="4114800"/>
+          </a:xfrm>
+          <a:prstGeom prst="rect">
+            <a:avLst/>
+          </a:prstGeom>
+        </p:spPr>
+        <p:txBody>
+          <a:bodyPr spcFirstLastPara="1" wrap="square" lIns="91425" tIns="91425" rIns="91425" bIns="91425" anchor="t" anchorCtr="0">
+            <a:noAutofit/>
+          </a:bodyPr>
+          <a:lstStyle/>
+          <a:p>
+            <a:pPr marL="0" lvl="0" indent="0" algn="l" rtl="0">
+              <a:spcBef>
+                <a:spcPts val="0"/>
+              </a:spcBef>
+              <a:spcAft>
+                <a:spcPts val="0"/>
+              </a:spcAft>
+              <a:buNone/>
+            </a:pPr>
+            <a:endParaRPr dirty="0"/>
+          </a:p>
+        </p:txBody>
+      </p:sp>
+    </p:spTree>
+  </p:cSld>
+  <p:clrMapOvr>
+    <a:masterClrMapping/>
+  </p:clrMapOvr>
+</p:notes>
+</file>
+
+<file path=ppt/notesSlides/notesSlide12.xml><?xml version="1.0" encoding="utf-8"?>
+<p:notes xmlns:a="http://schemas.openxmlformats.org/drawingml/2006/main" xmlns:r="http://schemas.openxmlformats.org/officeDocument/2006/relationships" xmlns:p="http://schemas.openxmlformats.org/presentationml/2006/main" showMasterSp="0" showMasterPhAnim="0">
+  <p:cSld>
+    <p:spTree>
+      <p:nvGrpSpPr>
+        <p:cNvPr id="1" name="Shape 160"/>
+        <p:cNvGrpSpPr/>
+        <p:nvPr/>
+      </p:nvGrpSpPr>
+      <p:grpSpPr>
+        <a:xfrm>
+          <a:off x="0" y="0"/>
+          <a:ext cx="0" cy="0"/>
+          <a:chOff x="0" y="0"/>
+          <a:chExt cx="0" cy="0"/>
+        </a:xfrm>
+      </p:grpSpPr>
+      <p:sp>
+        <p:nvSpPr>
+          <p:cNvPr id="161" name="Google Shape;161;g2a3ad0cb722_0_256:notes"/>
+          <p:cNvSpPr>
+            <a:spLocks noGrp="1" noRot="1" noChangeAspect="1"/>
+          </p:cNvSpPr>
+          <p:nvPr>
+            <p:ph type="sldImg" idx="2"/>
+          </p:nvPr>
+        </p:nvSpPr>
+        <p:spPr>
+          <a:xfrm>
+            <a:off x="381000" y="685800"/>
+            <a:ext cx="6096000" cy="3429000"/>
+          </a:xfrm>
+          <a:custGeom>
+            <a:avLst/>
+            <a:gdLst/>
+            <a:ahLst/>
+            <a:cxnLst/>
+            <a:rect l="l" t="t" r="r" b="b"/>
+            <a:pathLst>
+              <a:path w="120000" h="120000" extrusionOk="0">
+                <a:moveTo>
+                  <a:pt x="0" y="0"/>
+                </a:moveTo>
+                <a:lnTo>
+                  <a:pt x="120000" y="0"/>
+                </a:lnTo>
+                <a:lnTo>
+                  <a:pt x="120000" y="120000"/>
+                </a:lnTo>
+                <a:lnTo>
+                  <a:pt x="0" y="120000"/>
+                </a:lnTo>
+                <a:close/>
+              </a:path>
+            </a:pathLst>
+          </a:custGeom>
+        </p:spPr>
+      </p:sp>
+      <p:sp>
+        <p:nvSpPr>
+          <p:cNvPr id="162" name="Google Shape;162;g2a3ad0cb722_0_256:notes"/>
+          <p:cNvSpPr txBox="1">
+            <a:spLocks noGrp="1"/>
+          </p:cNvSpPr>
+          <p:nvPr>
+            <p:ph type="body" idx="1"/>
+          </p:nvPr>
+        </p:nvSpPr>
+        <p:spPr>
+          <a:xfrm>
+            <a:off x="685800" y="4343400"/>
+            <a:ext cx="5486400" cy="4114800"/>
+          </a:xfrm>
+          <a:prstGeom prst="rect">
+            <a:avLst/>
+          </a:prstGeom>
+        </p:spPr>
+        <p:txBody>
+          <a:bodyPr spcFirstLastPara="1" wrap="square" lIns="91425" tIns="91425" rIns="91425" bIns="91425" anchor="t" anchorCtr="0">
+            <a:noAutofit/>
+          </a:bodyPr>
+          <a:lstStyle/>
+          <a:p>
+            <a:pPr marL="0" lvl="0" indent="0" algn="l" rtl="0">
+              <a:spcBef>
+                <a:spcPts val="0"/>
+              </a:spcBef>
+              <a:spcAft>
+                <a:spcPts val="0"/>
+              </a:spcAft>
+              <a:buNone/>
+            </a:pPr>
+            <a:endParaRPr/>
+          </a:p>
+        </p:txBody>
+      </p:sp>
+    </p:spTree>
+    <p:extLst>
+      <p:ext uri="{BB962C8B-B14F-4D97-AF65-F5344CB8AC3E}">
+        <p14:creationId xmlns:p14="http://schemas.microsoft.com/office/powerpoint/2010/main" val="1135250319"/>
+      </p:ext>
+    </p:extLst>
+  </p:cSld>
+  <p:clrMapOvr>
+    <a:masterClrMapping/>
+  </p:clrMapOvr>
+</p:notes>
+</file>
+
+<file path=ppt/notesSlides/notesSlide13.xml><?xml version="1.0" encoding="utf-8"?>
 <p:notes xmlns:a="http://schemas.openxmlformats.org/drawingml/2006/main" xmlns:r="http://schemas.openxmlformats.org/officeDocument/2006/relationships" xmlns:p="http://schemas.openxmlformats.org/presentationml/2006/main" showMasterSp="0" showMasterPhAnim="0">
   <p:cSld>
     <p:spTree>
@@ -1113,7 +1388,7 @@
 </p:notes>
 </file>
 
-<file path=ppt/notesSlides/notesSlide12.xml><?xml version="1.0" encoding="utf-8"?>
+<file path=ppt/notesSlides/notesSlide14.xml><?xml version="1.0" encoding="utf-8"?>
 <p:notes xmlns:a="http://schemas.openxmlformats.org/drawingml/2006/main" xmlns:r="http://schemas.openxmlformats.org/officeDocument/2006/relationships" xmlns:p="http://schemas.openxmlformats.org/presentationml/2006/main" showMasterSp="0" showMasterPhAnim="0">
   <p:cSld>
     <p:spTree>
@@ -1299,7 +1574,7 @@
 </p:notes>
 </file>
 
-<file path=ppt/notesSlides/notesSlide13.xml><?xml version="1.0" encoding="utf-8"?>
+<file path=ppt/notesSlides/notesSlide15.xml><?xml version="1.0" encoding="utf-8"?>
 <p:notes xmlns:a="http://schemas.openxmlformats.org/drawingml/2006/main" xmlns:r="http://schemas.openxmlformats.org/officeDocument/2006/relationships" xmlns:p="http://schemas.openxmlformats.org/presentationml/2006/main" showMasterSp="0" showMasterPhAnim="0">
   <p:cSld>
     <p:spTree>
@@ -1593,7 +1868,7 @@
 </p:notes>
 </file>
 
-<file path=ppt/notesSlides/notesSlide14.xml><?xml version="1.0" encoding="utf-8"?>
+<file path=ppt/notesSlides/notesSlide16.xml><?xml version="1.0" encoding="utf-8"?>
 <p:notes xmlns:a="http://schemas.openxmlformats.org/drawingml/2006/main" xmlns:r="http://schemas.openxmlformats.org/officeDocument/2006/relationships" xmlns:p="http://schemas.openxmlformats.org/presentationml/2006/main" showMasterSp="0" showMasterPhAnim="0">
   <p:cSld>
     <p:spTree>
@@ -1697,7 +1972,7 @@
 </p:notes>
 </file>
 
-<file path=ppt/notesSlides/notesSlide15.xml><?xml version="1.0" encoding="utf-8"?>
+<file path=ppt/notesSlides/notesSlide17.xml><?xml version="1.0" encoding="utf-8"?>
 <p:notes xmlns:a="http://schemas.openxmlformats.org/drawingml/2006/main" xmlns:r="http://schemas.openxmlformats.org/officeDocument/2006/relationships" xmlns:p="http://schemas.openxmlformats.org/presentationml/2006/main" showMasterSp="0" showMasterPhAnim="0">
   <p:cSld>
     <p:spTree>
@@ -1801,7 +2076,7 @@
 </p:notes>
 </file>
 
-<file path=ppt/notesSlides/notesSlide16.xml><?xml version="1.0" encoding="utf-8"?>
+<file path=ppt/notesSlides/notesSlide18.xml><?xml version="1.0" encoding="utf-8"?>
 <p:notes xmlns:a="http://schemas.openxmlformats.org/drawingml/2006/main" xmlns:r="http://schemas.openxmlformats.org/officeDocument/2006/relationships" xmlns:p="http://schemas.openxmlformats.org/presentationml/2006/main">
   <p:cSld>
     <p:spTree>
@@ -1867,7 +2142,7 @@
 </p:notes>
 </file>
 
-<file path=ppt/notesSlides/notesSlide17.xml><?xml version="1.0" encoding="utf-8"?>
+<file path=ppt/notesSlides/notesSlide19.xml><?xml version="1.0" encoding="utf-8"?>
 <p:notes xmlns:a="http://schemas.openxmlformats.org/drawingml/2006/main" xmlns:r="http://schemas.openxmlformats.org/officeDocument/2006/relationships" xmlns:p="http://schemas.openxmlformats.org/presentationml/2006/main" showMasterSp="0" showMasterPhAnim="0">
   <p:cSld>
     <p:spTree>
@@ -1960,219 +2235,6 @@
               <a:buNone/>
             </a:pPr>
             <a:endParaRPr dirty="0"/>
-          </a:p>
-        </p:txBody>
-      </p:sp>
-    </p:spTree>
-  </p:cSld>
-  <p:clrMapOvr>
-    <a:masterClrMapping/>
-  </p:clrMapOvr>
-</p:notes>
-</file>
-
-<file path=ppt/notesSlides/notesSlide18.xml><?xml version="1.0" encoding="utf-8"?>
-<p:notes xmlns:a="http://schemas.openxmlformats.org/drawingml/2006/main" xmlns:r="http://schemas.openxmlformats.org/officeDocument/2006/relationships" xmlns:p="http://schemas.openxmlformats.org/presentationml/2006/main" showMasterSp="0" showMasterPhAnim="0">
-  <p:cSld>
-    <p:spTree>
-      <p:nvGrpSpPr>
-        <p:cNvPr id="1" name="Shape 172"/>
-        <p:cNvGrpSpPr/>
-        <p:nvPr/>
-      </p:nvGrpSpPr>
-      <p:grpSpPr>
-        <a:xfrm>
-          <a:off x="0" y="0"/>
-          <a:ext cx="0" cy="0"/>
-          <a:chOff x="0" y="0"/>
-          <a:chExt cx="0" cy="0"/>
-        </a:xfrm>
-      </p:grpSpPr>
-      <p:sp>
-        <p:nvSpPr>
-          <p:cNvPr id="173" name="Google Shape;173;g2a3ad0cb722_0_230:notes"/>
-          <p:cNvSpPr>
-            <a:spLocks noGrp="1" noRot="1" noChangeAspect="1"/>
-          </p:cNvSpPr>
-          <p:nvPr>
-            <p:ph type="sldImg" idx="2"/>
-          </p:nvPr>
-        </p:nvSpPr>
-        <p:spPr>
-          <a:xfrm>
-            <a:off x="381000" y="685800"/>
-            <a:ext cx="6096000" cy="3429000"/>
-          </a:xfrm>
-          <a:custGeom>
-            <a:avLst/>
-            <a:gdLst/>
-            <a:ahLst/>
-            <a:cxnLst/>
-            <a:rect l="l" t="t" r="r" b="b"/>
-            <a:pathLst>
-              <a:path w="120000" h="120000" extrusionOk="0">
-                <a:moveTo>
-                  <a:pt x="0" y="0"/>
-                </a:moveTo>
-                <a:lnTo>
-                  <a:pt x="120000" y="0"/>
-                </a:lnTo>
-                <a:lnTo>
-                  <a:pt x="120000" y="120000"/>
-                </a:lnTo>
-                <a:lnTo>
-                  <a:pt x="0" y="120000"/>
-                </a:lnTo>
-                <a:close/>
-              </a:path>
-            </a:pathLst>
-          </a:custGeom>
-        </p:spPr>
-      </p:sp>
-      <p:sp>
-        <p:nvSpPr>
-          <p:cNvPr id="174" name="Google Shape;174;g2a3ad0cb722_0_230:notes"/>
-          <p:cNvSpPr txBox="1">
-            <a:spLocks noGrp="1"/>
-          </p:cNvSpPr>
-          <p:nvPr>
-            <p:ph type="body" idx="1"/>
-          </p:nvPr>
-        </p:nvSpPr>
-        <p:spPr>
-          <a:xfrm>
-            <a:off x="685800" y="4343400"/>
-            <a:ext cx="5486400" cy="4114800"/>
-          </a:xfrm>
-          <a:prstGeom prst="rect">
-            <a:avLst/>
-          </a:prstGeom>
-        </p:spPr>
-        <p:txBody>
-          <a:bodyPr spcFirstLastPara="1" wrap="square" lIns="91425" tIns="91425" rIns="91425" bIns="91425" anchor="t" anchorCtr="0">
-            <a:noAutofit/>
-          </a:bodyPr>
-          <a:lstStyle/>
-          <a:p>
-            <a:pPr marL="0" lvl="0" indent="0" algn="l" rtl="0">
-              <a:spcBef>
-                <a:spcPts val="0"/>
-              </a:spcBef>
-              <a:spcAft>
-                <a:spcPts val="0"/>
-              </a:spcAft>
-              <a:buNone/>
-            </a:pPr>
-            <a:endParaRPr dirty="0"/>
-          </a:p>
-        </p:txBody>
-      </p:sp>
-    </p:spTree>
-    <p:extLst>
-      <p:ext uri="{BB962C8B-B14F-4D97-AF65-F5344CB8AC3E}">
-        <p14:creationId xmlns:p14="http://schemas.microsoft.com/office/powerpoint/2010/main" val="1500425932"/>
-      </p:ext>
-    </p:extLst>
-  </p:cSld>
-  <p:clrMapOvr>
-    <a:masterClrMapping/>
-  </p:clrMapOvr>
-</p:notes>
-</file>
-
-<file path=ppt/notesSlides/notesSlide19.xml><?xml version="1.0" encoding="utf-8"?>
-<p:notes xmlns:a="http://schemas.openxmlformats.org/drawingml/2006/main" xmlns:r="http://schemas.openxmlformats.org/officeDocument/2006/relationships" xmlns:p="http://schemas.openxmlformats.org/presentationml/2006/main" showMasterSp="0" showMasterPhAnim="0">
-  <p:cSld>
-    <p:spTree>
-      <p:nvGrpSpPr>
-        <p:cNvPr id="1" name="Shape 239"/>
-        <p:cNvGrpSpPr/>
-        <p:nvPr/>
-      </p:nvGrpSpPr>
-      <p:grpSpPr>
-        <a:xfrm>
-          <a:off x="0" y="0"/>
-          <a:ext cx="0" cy="0"/>
-          <a:chOff x="0" y="0"/>
-          <a:chExt cx="0" cy="0"/>
-        </a:xfrm>
-      </p:grpSpPr>
-      <p:sp>
-        <p:nvSpPr>
-          <p:cNvPr id="240" name="Google Shape;240;g2a3ad0cb722_0_368:notes"/>
-          <p:cNvSpPr>
-            <a:spLocks noGrp="1" noRot="1" noChangeAspect="1"/>
-          </p:cNvSpPr>
-          <p:nvPr>
-            <p:ph type="sldImg" idx="2"/>
-          </p:nvPr>
-        </p:nvSpPr>
-        <p:spPr>
-          <a:xfrm>
-            <a:off x="381000" y="685800"/>
-            <a:ext cx="6096000" cy="3429000"/>
-          </a:xfrm>
-          <a:custGeom>
-            <a:avLst/>
-            <a:gdLst/>
-            <a:ahLst/>
-            <a:cxnLst/>
-            <a:rect l="l" t="t" r="r" b="b"/>
-            <a:pathLst>
-              <a:path w="120000" h="120000" extrusionOk="0">
-                <a:moveTo>
-                  <a:pt x="0" y="0"/>
-                </a:moveTo>
-                <a:lnTo>
-                  <a:pt x="120000" y="0"/>
-                </a:lnTo>
-                <a:lnTo>
-                  <a:pt x="120000" y="120000"/>
-                </a:lnTo>
-                <a:lnTo>
-                  <a:pt x="0" y="120000"/>
-                </a:lnTo>
-                <a:close/>
-              </a:path>
-            </a:pathLst>
-          </a:custGeom>
-        </p:spPr>
-      </p:sp>
-      <p:sp>
-        <p:nvSpPr>
-          <p:cNvPr id="241" name="Google Shape;241;g2a3ad0cb722_0_368:notes"/>
-          <p:cNvSpPr txBox="1">
-            <a:spLocks noGrp="1"/>
-          </p:cNvSpPr>
-          <p:nvPr>
-            <p:ph type="body" idx="1"/>
-          </p:nvPr>
-        </p:nvSpPr>
-        <p:spPr>
-          <a:xfrm>
-            <a:off x="685800" y="4343400"/>
-            <a:ext cx="5486400" cy="4114800"/>
-          </a:xfrm>
-          <a:prstGeom prst="rect">
-            <a:avLst/>
-          </a:prstGeom>
-        </p:spPr>
-        <p:txBody>
-          <a:bodyPr spcFirstLastPara="1" wrap="square" lIns="91425" tIns="91425" rIns="91425" bIns="91425" anchor="t" anchorCtr="0">
-            <a:noAutofit/>
-          </a:bodyPr>
-          <a:lstStyle/>
-          <a:p>
-            <a:pPr marL="0" lvl="0" indent="0" algn="l" rtl="0">
-              <a:spcBef>
-                <a:spcPts val="0"/>
-              </a:spcBef>
-              <a:spcAft>
-                <a:spcPts val="0"/>
-              </a:spcAft>
-              <a:buNone/>
-            </a:pPr>
-            <a:endParaRPr/>
           </a:p>
         </p:txBody>
       </p:sp>
@@ -2298,7 +2360,7 @@
   <p:cSld>
     <p:spTree>
       <p:nvGrpSpPr>
-        <p:cNvPr id="1" name="Shape 244"/>
+        <p:cNvPr id="1" name="Shape 172"/>
         <p:cNvGrpSpPr/>
         <p:nvPr/>
       </p:nvGrpSpPr>
@@ -2312,7 +2374,7 @@
       </p:grpSpPr>
       <p:sp>
         <p:nvSpPr>
-          <p:cNvPr id="245" name="Google Shape;245;g2a3ad0cb722_0_373:notes"/>
+          <p:cNvPr id="173" name="Google Shape;173;g2a3ad0cb722_0_230:notes"/>
           <p:cNvSpPr>
             <a:spLocks noGrp="1" noRot="1" noChangeAspect="1"/>
           </p:cNvSpPr>
@@ -2353,7 +2415,7 @@
       </p:sp>
       <p:sp>
         <p:nvSpPr>
-          <p:cNvPr id="246" name="Google Shape;246;g2a3ad0cb722_0_373:notes"/>
+          <p:cNvPr id="174" name="Google Shape;174;g2a3ad0cb722_0_230:notes"/>
           <p:cNvSpPr txBox="1">
             <a:spLocks noGrp="1"/>
           </p:cNvSpPr>
@@ -2376,94 +2438,6 @@
           </a:bodyPr>
           <a:lstStyle/>
           <a:p>
-            <a:r>
-              <a:rPr lang="en-US" dirty="0"/>
-              <a:t>• </a:t>
-            </a:r>
-            <a:r>
-              <a:rPr lang="en-US" b="1" dirty="0"/>
-              <a:t>“In NumPy, data is stored in arrays, which can be accessed using indexing.”</a:t>
-            </a:r>
-            <a:endParaRPr lang="en-US" dirty="0"/>
-          </a:p>
-          <a:p>
-            <a:r>
-              <a:rPr lang="en-US" dirty="0"/>
-              <a:t>• </a:t>
-            </a:r>
-            <a:r>
-              <a:rPr lang="en-US" b="1" dirty="0"/>
-              <a:t>“This example shows a 3x3 NumPy array, where rows and columns are indexed starting from 0.”</a:t>
-            </a:r>
-            <a:endParaRPr lang="en-US" dirty="0"/>
-          </a:p>
-          <a:p>
-            <a:r>
-              <a:rPr lang="en-US" dirty="0"/>
-              <a:t>• </a:t>
-            </a:r>
-            <a:r>
-              <a:rPr lang="en-US" b="1" dirty="0"/>
-              <a:t>“Each row is labeled with its index along the left: 0, 1, 2. Each column is labeled at the top: 0, 1, 2.”</a:t>
-            </a:r>
-            <a:endParaRPr lang="en-US" dirty="0"/>
-          </a:p>
-          <a:p>
-            <a:r>
-              <a:rPr lang="en-US" dirty="0"/>
-              <a:t>• </a:t>
-            </a:r>
-            <a:r>
-              <a:rPr lang="en-US" b="1" dirty="0"/>
-              <a:t>“To access a specific element, we use the format data[row, column].”</a:t>
-            </a:r>
-            <a:endParaRPr lang="en-US" dirty="0"/>
-          </a:p>
-          <a:p>
-            <a:r>
-              <a:rPr lang="en-US" dirty="0"/>
-              <a:t>• </a:t>
-            </a:r>
-            <a:r>
-              <a:rPr lang="en-US" b="1" dirty="0"/>
-              <a:t>“For example, data[0, 0] retrieves the first element, which is ‘A’.”</a:t>
-            </a:r>
-            <a:endParaRPr lang="en-US" dirty="0"/>
-          </a:p>
-          <a:p>
-            <a:r>
-              <a:rPr lang="en-US" dirty="0"/>
-              <a:t>• </a:t>
-            </a:r>
-            <a:r>
-              <a:rPr lang="en-US" b="1" dirty="0"/>
-              <a:t>“Similarly, data[1, 2] retrieves the element at row 1, column 2, which is ‘F’.”</a:t>
-            </a:r>
-            <a:endParaRPr lang="en-US" dirty="0"/>
-          </a:p>
-          <a:p>
-            <a:r>
-              <a:rPr lang="en-US" dirty="0"/>
-              <a:t>• </a:t>
-            </a:r>
-            <a:r>
-              <a:rPr lang="en-US" b="1" dirty="0"/>
-              <a:t>“This type of indexing allows precise access to elements within a NumPy array, making data manipulation efficient.”</a:t>
-            </a:r>
-            <a:endParaRPr lang="en-US" dirty="0"/>
-          </a:p>
-          <a:p>
-            <a:r>
-              <a:rPr lang="en-US" dirty="0"/>
-              <a:t>• </a:t>
-            </a:r>
-            <a:r>
-              <a:rPr lang="en-US" b="1" dirty="0"/>
-              <a:t>“NumPy also supports slicing and advanced indexing, which we’ll explore later.”</a:t>
-            </a:r>
-            <a:endParaRPr lang="en-US" dirty="0"/>
-          </a:p>
-          <a:p>
             <a:pPr marL="0" lvl="0" indent="0" algn="l" rtl="0">
               <a:spcBef>
                 <a:spcPts val="0"/>
@@ -2474,6 +2448,115 @@
               <a:buNone/>
             </a:pPr>
             <a:endParaRPr dirty="0"/>
+          </a:p>
+        </p:txBody>
+      </p:sp>
+    </p:spTree>
+    <p:extLst>
+      <p:ext uri="{BB962C8B-B14F-4D97-AF65-F5344CB8AC3E}">
+        <p14:creationId xmlns:p14="http://schemas.microsoft.com/office/powerpoint/2010/main" val="1500425932"/>
+      </p:ext>
+    </p:extLst>
+  </p:cSld>
+  <p:clrMapOvr>
+    <a:masterClrMapping/>
+  </p:clrMapOvr>
+</p:notes>
+</file>
+
+<file path=ppt/notesSlides/notesSlide21.xml><?xml version="1.0" encoding="utf-8"?>
+<p:notes xmlns:a="http://schemas.openxmlformats.org/drawingml/2006/main" xmlns:r="http://schemas.openxmlformats.org/officeDocument/2006/relationships" xmlns:p="http://schemas.openxmlformats.org/presentationml/2006/main" showMasterSp="0" showMasterPhAnim="0">
+  <p:cSld>
+    <p:spTree>
+      <p:nvGrpSpPr>
+        <p:cNvPr id="1" name="Shape 239"/>
+        <p:cNvGrpSpPr/>
+        <p:nvPr/>
+      </p:nvGrpSpPr>
+      <p:grpSpPr>
+        <a:xfrm>
+          <a:off x="0" y="0"/>
+          <a:ext cx="0" cy="0"/>
+          <a:chOff x="0" y="0"/>
+          <a:chExt cx="0" cy="0"/>
+        </a:xfrm>
+      </p:grpSpPr>
+      <p:sp>
+        <p:nvSpPr>
+          <p:cNvPr id="240" name="Google Shape;240;g2a3ad0cb722_0_368:notes"/>
+          <p:cNvSpPr>
+            <a:spLocks noGrp="1" noRot="1" noChangeAspect="1"/>
+          </p:cNvSpPr>
+          <p:nvPr>
+            <p:ph type="sldImg" idx="2"/>
+          </p:nvPr>
+        </p:nvSpPr>
+        <p:spPr>
+          <a:xfrm>
+            <a:off x="381000" y="685800"/>
+            <a:ext cx="6096000" cy="3429000"/>
+          </a:xfrm>
+          <a:custGeom>
+            <a:avLst/>
+            <a:gdLst/>
+            <a:ahLst/>
+            <a:cxnLst/>
+            <a:rect l="l" t="t" r="r" b="b"/>
+            <a:pathLst>
+              <a:path w="120000" h="120000" extrusionOk="0">
+                <a:moveTo>
+                  <a:pt x="0" y="0"/>
+                </a:moveTo>
+                <a:lnTo>
+                  <a:pt x="120000" y="0"/>
+                </a:lnTo>
+                <a:lnTo>
+                  <a:pt x="120000" y="120000"/>
+                </a:lnTo>
+                <a:lnTo>
+                  <a:pt x="0" y="120000"/>
+                </a:lnTo>
+                <a:close/>
+              </a:path>
+            </a:pathLst>
+          </a:custGeom>
+        </p:spPr>
+      </p:sp>
+      <p:sp>
+        <p:nvSpPr>
+          <p:cNvPr id="241" name="Google Shape;241;g2a3ad0cb722_0_368:notes"/>
+          <p:cNvSpPr txBox="1">
+            <a:spLocks noGrp="1"/>
+          </p:cNvSpPr>
+          <p:nvPr>
+            <p:ph type="body" idx="1"/>
+          </p:nvPr>
+        </p:nvSpPr>
+        <p:spPr>
+          <a:xfrm>
+            <a:off x="685800" y="4343400"/>
+            <a:ext cx="5486400" cy="4114800"/>
+          </a:xfrm>
+          <a:prstGeom prst="rect">
+            <a:avLst/>
+          </a:prstGeom>
+        </p:spPr>
+        <p:txBody>
+          <a:bodyPr spcFirstLastPara="1" wrap="square" lIns="91425" tIns="91425" rIns="91425" bIns="91425" anchor="t" anchorCtr="0">
+            <a:noAutofit/>
+          </a:bodyPr>
+          <a:lstStyle/>
+          <a:p>
+            <a:pPr marL="0" lvl="0" indent="0" algn="l" rtl="0">
+              <a:spcBef>
+                <a:spcPts val="0"/>
+              </a:spcBef>
+              <a:spcAft>
+                <a:spcPts val="0"/>
+              </a:spcAft>
+              <a:buNone/>
+            </a:pPr>
+            <a:endParaRPr/>
           </a:p>
         </p:txBody>
       </p:sp>
@@ -2485,7 +2568,199 @@
 </p:notes>
 </file>
 
-<file path=ppt/notesSlides/notesSlide21.xml><?xml version="1.0" encoding="utf-8"?>
+<file path=ppt/notesSlides/notesSlide22.xml><?xml version="1.0" encoding="utf-8"?>
+<p:notes xmlns:a="http://schemas.openxmlformats.org/drawingml/2006/main" xmlns:r="http://schemas.openxmlformats.org/officeDocument/2006/relationships" xmlns:p="http://schemas.openxmlformats.org/presentationml/2006/main" showMasterSp="0" showMasterPhAnim="0">
+  <p:cSld>
+    <p:spTree>
+      <p:nvGrpSpPr>
+        <p:cNvPr id="1" name="Shape 244"/>
+        <p:cNvGrpSpPr/>
+        <p:nvPr/>
+      </p:nvGrpSpPr>
+      <p:grpSpPr>
+        <a:xfrm>
+          <a:off x="0" y="0"/>
+          <a:ext cx="0" cy="0"/>
+          <a:chOff x="0" y="0"/>
+          <a:chExt cx="0" cy="0"/>
+        </a:xfrm>
+      </p:grpSpPr>
+      <p:sp>
+        <p:nvSpPr>
+          <p:cNvPr id="245" name="Google Shape;245;g2a3ad0cb722_0_373:notes"/>
+          <p:cNvSpPr>
+            <a:spLocks noGrp="1" noRot="1" noChangeAspect="1"/>
+          </p:cNvSpPr>
+          <p:nvPr>
+            <p:ph type="sldImg" idx="2"/>
+          </p:nvPr>
+        </p:nvSpPr>
+        <p:spPr>
+          <a:xfrm>
+            <a:off x="381000" y="685800"/>
+            <a:ext cx="6096000" cy="3429000"/>
+          </a:xfrm>
+          <a:custGeom>
+            <a:avLst/>
+            <a:gdLst/>
+            <a:ahLst/>
+            <a:cxnLst/>
+            <a:rect l="l" t="t" r="r" b="b"/>
+            <a:pathLst>
+              <a:path w="120000" h="120000" extrusionOk="0">
+                <a:moveTo>
+                  <a:pt x="0" y="0"/>
+                </a:moveTo>
+                <a:lnTo>
+                  <a:pt x="120000" y="0"/>
+                </a:lnTo>
+                <a:lnTo>
+                  <a:pt x="120000" y="120000"/>
+                </a:lnTo>
+                <a:lnTo>
+                  <a:pt x="0" y="120000"/>
+                </a:lnTo>
+                <a:close/>
+              </a:path>
+            </a:pathLst>
+          </a:custGeom>
+        </p:spPr>
+      </p:sp>
+      <p:sp>
+        <p:nvSpPr>
+          <p:cNvPr id="246" name="Google Shape;246;g2a3ad0cb722_0_373:notes"/>
+          <p:cNvSpPr txBox="1">
+            <a:spLocks noGrp="1"/>
+          </p:cNvSpPr>
+          <p:nvPr>
+            <p:ph type="body" idx="1"/>
+          </p:nvPr>
+        </p:nvSpPr>
+        <p:spPr>
+          <a:xfrm>
+            <a:off x="685800" y="4343400"/>
+            <a:ext cx="5486400" cy="4114800"/>
+          </a:xfrm>
+          <a:prstGeom prst="rect">
+            <a:avLst/>
+          </a:prstGeom>
+        </p:spPr>
+        <p:txBody>
+          <a:bodyPr spcFirstLastPara="1" wrap="square" lIns="91425" tIns="91425" rIns="91425" bIns="91425" anchor="t" anchorCtr="0">
+            <a:noAutofit/>
+          </a:bodyPr>
+          <a:lstStyle/>
+          <a:p>
+            <a:r>
+              <a:rPr lang="en-US" dirty="0"/>
+              <a:t>• </a:t>
+            </a:r>
+            <a:r>
+              <a:rPr lang="en-US" b="1" dirty="0"/>
+              <a:t>“In NumPy, data is stored in arrays, which can be accessed using indexing.”</a:t>
+            </a:r>
+            <a:endParaRPr lang="en-US" dirty="0"/>
+          </a:p>
+          <a:p>
+            <a:r>
+              <a:rPr lang="en-US" dirty="0"/>
+              <a:t>• </a:t>
+            </a:r>
+            <a:r>
+              <a:rPr lang="en-US" b="1" dirty="0"/>
+              <a:t>“This example shows a 3x3 NumPy array, where rows and columns are indexed starting from 0.”</a:t>
+            </a:r>
+            <a:endParaRPr lang="en-US" dirty="0"/>
+          </a:p>
+          <a:p>
+            <a:r>
+              <a:rPr lang="en-US" dirty="0"/>
+              <a:t>• </a:t>
+            </a:r>
+            <a:r>
+              <a:rPr lang="en-US" b="1" dirty="0"/>
+              <a:t>“Each row is labeled with its index along the left: 0, 1, 2. Each column is labeled at the top: 0, 1, 2.”</a:t>
+            </a:r>
+            <a:endParaRPr lang="en-US" dirty="0"/>
+          </a:p>
+          <a:p>
+            <a:r>
+              <a:rPr lang="en-US" dirty="0"/>
+              <a:t>• </a:t>
+            </a:r>
+            <a:r>
+              <a:rPr lang="en-US" b="1" dirty="0"/>
+              <a:t>“To access a specific element, we use the format data[row, column].”</a:t>
+            </a:r>
+            <a:endParaRPr lang="en-US" dirty="0"/>
+          </a:p>
+          <a:p>
+            <a:r>
+              <a:rPr lang="en-US" dirty="0"/>
+              <a:t>• </a:t>
+            </a:r>
+            <a:r>
+              <a:rPr lang="en-US" b="1" dirty="0"/>
+              <a:t>“For example, data[0, 0] retrieves the first element, which is ‘A’.”</a:t>
+            </a:r>
+            <a:endParaRPr lang="en-US" dirty="0"/>
+          </a:p>
+          <a:p>
+            <a:r>
+              <a:rPr lang="en-US" dirty="0"/>
+              <a:t>• </a:t>
+            </a:r>
+            <a:r>
+              <a:rPr lang="en-US" b="1" dirty="0"/>
+              <a:t>“Similarly, data[1, 2] retrieves the element at row 1, column 2, which is ‘F’.”</a:t>
+            </a:r>
+            <a:endParaRPr lang="en-US" dirty="0"/>
+          </a:p>
+          <a:p>
+            <a:r>
+              <a:rPr lang="en-US" dirty="0"/>
+              <a:t>• </a:t>
+            </a:r>
+            <a:r>
+              <a:rPr lang="en-US" b="1" dirty="0"/>
+              <a:t>“This type of indexing allows precise access to elements within a NumPy array, making data manipulation efficient.”</a:t>
+            </a:r>
+            <a:endParaRPr lang="en-US" dirty="0"/>
+          </a:p>
+          <a:p>
+            <a:r>
+              <a:rPr lang="en-US" dirty="0"/>
+              <a:t>• </a:t>
+            </a:r>
+            <a:r>
+              <a:rPr lang="en-US" b="1" dirty="0"/>
+              <a:t>“NumPy also supports slicing and advanced indexing, which we’ll explore later.”</a:t>
+            </a:r>
+            <a:endParaRPr lang="en-US" dirty="0"/>
+          </a:p>
+          <a:p>
+            <a:pPr marL="0" lvl="0" indent="0" algn="l" rtl="0">
+              <a:spcBef>
+                <a:spcPts val="0"/>
+              </a:spcBef>
+              <a:spcAft>
+                <a:spcPts val="0"/>
+              </a:spcAft>
+              <a:buNone/>
+            </a:pPr>
+            <a:endParaRPr dirty="0"/>
+          </a:p>
+        </p:txBody>
+      </p:sp>
+    </p:spTree>
+  </p:cSld>
+  <p:clrMapOvr>
+    <a:masterClrMapping/>
+  </p:clrMapOvr>
+</p:notes>
+</file>
+
+<file path=ppt/notesSlides/notesSlide23.xml><?xml version="1.0" encoding="utf-8"?>
 <p:notes xmlns:a="http://schemas.openxmlformats.org/drawingml/2006/main" xmlns:r="http://schemas.openxmlformats.org/officeDocument/2006/relationships" xmlns:p="http://schemas.openxmlformats.org/presentationml/2006/main" showMasterSp="0" showMasterPhAnim="0">
   <p:cSld>
     <p:spTree>
@@ -2738,7 +3013,7 @@
 </p:notes>
 </file>
 
-<file path=ppt/notesSlides/notesSlide22.xml><?xml version="1.0" encoding="utf-8"?>
+<file path=ppt/notesSlides/notesSlide24.xml><?xml version="1.0" encoding="utf-8"?>
 <p:notes xmlns:a="http://schemas.openxmlformats.org/drawingml/2006/main" xmlns:r="http://schemas.openxmlformats.org/officeDocument/2006/relationships" xmlns:p="http://schemas.openxmlformats.org/presentationml/2006/main" showMasterSp="0" showMasterPhAnim="0">
   <p:cSld>
     <p:spTree>
@@ -2842,7 +3117,7 @@
 </p:notes>
 </file>
 
-<file path=ppt/notesSlides/notesSlide23.xml><?xml version="1.0" encoding="utf-8"?>
+<file path=ppt/notesSlides/notesSlide25.xml><?xml version="1.0" encoding="utf-8"?>
 <p:notes xmlns:a="http://schemas.openxmlformats.org/drawingml/2006/main" xmlns:r="http://schemas.openxmlformats.org/officeDocument/2006/relationships" xmlns:p="http://schemas.openxmlformats.org/presentationml/2006/main" showMasterSp="0" showMasterPhAnim="0">
   <p:cSld>
     <p:spTree>
@@ -2946,7 +3221,7 @@
 </p:notes>
 </file>
 
-<file path=ppt/notesSlides/notesSlide24.xml><?xml version="1.0" encoding="utf-8"?>
+<file path=ppt/notesSlides/notesSlide26.xml><?xml version="1.0" encoding="utf-8"?>
 <p:notes xmlns:a="http://schemas.openxmlformats.org/drawingml/2006/main" xmlns:r="http://schemas.openxmlformats.org/officeDocument/2006/relationships" xmlns:p="http://schemas.openxmlformats.org/presentationml/2006/main" showMasterSp="0" showMasterPhAnim="0">
   <p:cSld>
     <p:spTree>
@@ -3055,7 +3330,7 @@
 </p:notes>
 </file>
 
-<file path=ppt/notesSlides/notesSlide25.xml><?xml version="1.0" encoding="utf-8"?>
+<file path=ppt/notesSlides/notesSlide27.xml><?xml version="1.0" encoding="utf-8"?>
 <p:notes xmlns:a="http://schemas.openxmlformats.org/drawingml/2006/main" xmlns:r="http://schemas.openxmlformats.org/officeDocument/2006/relationships" xmlns:p="http://schemas.openxmlformats.org/presentationml/2006/main" showMasterSp="0" showMasterPhAnim="0">
   <p:cSld>
     <p:spTree>
@@ -3159,7 +3434,7 @@
 </p:notes>
 </file>
 
-<file path=ppt/notesSlides/notesSlide26.xml><?xml version="1.0" encoding="utf-8"?>
+<file path=ppt/notesSlides/notesSlide28.xml><?xml version="1.0" encoding="utf-8"?>
 <p:notes xmlns:a="http://schemas.openxmlformats.org/drawingml/2006/main" xmlns:r="http://schemas.openxmlformats.org/officeDocument/2006/relationships" xmlns:p="http://schemas.openxmlformats.org/presentationml/2006/main">
   <p:cSld>
     <p:spTree>
@@ -3220,7 +3495,7 @@
 </p:notes>
 </file>
 
-<file path=ppt/notesSlides/notesSlide27.xml><?xml version="1.0" encoding="utf-8"?>
+<file path=ppt/notesSlides/notesSlide29.xml><?xml version="1.0" encoding="utf-8"?>
 <p:notes xmlns:a="http://schemas.openxmlformats.org/drawingml/2006/main" xmlns:r="http://schemas.openxmlformats.org/officeDocument/2006/relationships" xmlns:p="http://schemas.openxmlformats.org/presentationml/2006/main" showMasterSp="0" showMasterPhAnim="0">
   <p:cSld>
     <p:spTree>
@@ -3281,214 +3556,6 @@
       <p:sp>
         <p:nvSpPr>
           <p:cNvPr id="280" name="Google Shape;280;g2a3ad0cb722_0_468:notes"/>
-          <p:cNvSpPr txBox="1">
-            <a:spLocks noGrp="1"/>
-          </p:cNvSpPr>
-          <p:nvPr>
-            <p:ph type="body" idx="1"/>
-          </p:nvPr>
-        </p:nvSpPr>
-        <p:spPr>
-          <a:xfrm>
-            <a:off x="685800" y="4343400"/>
-            <a:ext cx="5486400" cy="4114800"/>
-          </a:xfrm>
-          <a:prstGeom prst="rect">
-            <a:avLst/>
-          </a:prstGeom>
-        </p:spPr>
-        <p:txBody>
-          <a:bodyPr spcFirstLastPara="1" wrap="square" lIns="91425" tIns="91425" rIns="91425" bIns="91425" anchor="t" anchorCtr="0">
-            <a:noAutofit/>
-          </a:bodyPr>
-          <a:lstStyle/>
-          <a:p>
-            <a:pPr marL="0" lvl="0" indent="0" algn="l" rtl="0">
-              <a:spcBef>
-                <a:spcPts val="0"/>
-              </a:spcBef>
-              <a:spcAft>
-                <a:spcPts val="0"/>
-              </a:spcAft>
-              <a:buNone/>
-            </a:pPr>
-            <a:endParaRPr/>
-          </a:p>
-        </p:txBody>
-      </p:sp>
-    </p:spTree>
-  </p:cSld>
-  <p:clrMapOvr>
-    <a:masterClrMapping/>
-  </p:clrMapOvr>
-</p:notes>
-</file>
-
-<file path=ppt/notesSlides/notesSlide28.xml><?xml version="1.0" encoding="utf-8"?>
-<p:notes xmlns:a="http://schemas.openxmlformats.org/drawingml/2006/main" xmlns:r="http://schemas.openxmlformats.org/officeDocument/2006/relationships" xmlns:p="http://schemas.openxmlformats.org/presentationml/2006/main" showMasterSp="0" showMasterPhAnim="0">
-  <p:cSld>
-    <p:spTree>
-      <p:nvGrpSpPr>
-        <p:cNvPr id="1" name="Shape 284"/>
-        <p:cNvGrpSpPr/>
-        <p:nvPr/>
-      </p:nvGrpSpPr>
-      <p:grpSpPr>
-        <a:xfrm>
-          <a:off x="0" y="0"/>
-          <a:ext cx="0" cy="0"/>
-          <a:chOff x="0" y="0"/>
-          <a:chExt cx="0" cy="0"/>
-        </a:xfrm>
-      </p:grpSpPr>
-      <p:sp>
-        <p:nvSpPr>
-          <p:cNvPr id="285" name="Google Shape;285;g29cad555e5c_0_0:notes"/>
-          <p:cNvSpPr>
-            <a:spLocks noGrp="1" noRot="1" noChangeAspect="1"/>
-          </p:cNvSpPr>
-          <p:nvPr>
-            <p:ph type="sldImg" idx="2"/>
-          </p:nvPr>
-        </p:nvSpPr>
-        <p:spPr>
-          <a:xfrm>
-            <a:off x="381000" y="685800"/>
-            <a:ext cx="6096000" cy="3429000"/>
-          </a:xfrm>
-          <a:custGeom>
-            <a:avLst/>
-            <a:gdLst/>
-            <a:ahLst/>
-            <a:cxnLst/>
-            <a:rect l="l" t="t" r="r" b="b"/>
-            <a:pathLst>
-              <a:path w="120000" h="120000" extrusionOk="0">
-                <a:moveTo>
-                  <a:pt x="0" y="0"/>
-                </a:moveTo>
-                <a:lnTo>
-                  <a:pt x="120000" y="0"/>
-                </a:lnTo>
-                <a:lnTo>
-                  <a:pt x="120000" y="120000"/>
-                </a:lnTo>
-                <a:lnTo>
-                  <a:pt x="0" y="120000"/>
-                </a:lnTo>
-                <a:close/>
-              </a:path>
-            </a:pathLst>
-          </a:custGeom>
-        </p:spPr>
-      </p:sp>
-      <p:sp>
-        <p:nvSpPr>
-          <p:cNvPr id="286" name="Google Shape;286;g29cad555e5c_0_0:notes"/>
-          <p:cNvSpPr txBox="1">
-            <a:spLocks noGrp="1"/>
-          </p:cNvSpPr>
-          <p:nvPr>
-            <p:ph type="body" idx="1"/>
-          </p:nvPr>
-        </p:nvSpPr>
-        <p:spPr>
-          <a:xfrm>
-            <a:off x="685800" y="4343400"/>
-            <a:ext cx="5486400" cy="4114800"/>
-          </a:xfrm>
-          <a:prstGeom prst="rect">
-            <a:avLst/>
-          </a:prstGeom>
-        </p:spPr>
-        <p:txBody>
-          <a:bodyPr spcFirstLastPara="1" wrap="square" lIns="91425" tIns="91425" rIns="91425" bIns="91425" anchor="t" anchorCtr="0">
-            <a:noAutofit/>
-          </a:bodyPr>
-          <a:lstStyle/>
-          <a:p>
-            <a:pPr marL="0" lvl="0" indent="0" algn="l" rtl="0">
-              <a:spcBef>
-                <a:spcPts val="0"/>
-              </a:spcBef>
-              <a:spcAft>
-                <a:spcPts val="0"/>
-              </a:spcAft>
-              <a:buNone/>
-            </a:pPr>
-            <a:endParaRPr/>
-          </a:p>
-        </p:txBody>
-      </p:sp>
-    </p:spTree>
-  </p:cSld>
-  <p:clrMapOvr>
-    <a:masterClrMapping/>
-  </p:clrMapOvr>
-</p:notes>
-</file>
-
-<file path=ppt/notesSlides/notesSlide29.xml><?xml version="1.0" encoding="utf-8"?>
-<p:notes xmlns:a="http://schemas.openxmlformats.org/drawingml/2006/main" xmlns:r="http://schemas.openxmlformats.org/officeDocument/2006/relationships" xmlns:p="http://schemas.openxmlformats.org/presentationml/2006/main" showMasterSp="0" showMasterPhAnim="0">
-  <p:cSld>
-    <p:spTree>
-      <p:nvGrpSpPr>
-        <p:cNvPr id="1" name="Shape 296"/>
-        <p:cNvGrpSpPr/>
-        <p:nvPr/>
-      </p:nvGrpSpPr>
-      <p:grpSpPr>
-        <a:xfrm>
-          <a:off x="0" y="0"/>
-          <a:ext cx="0" cy="0"/>
-          <a:chOff x="0" y="0"/>
-          <a:chExt cx="0" cy="0"/>
-        </a:xfrm>
-      </p:grpSpPr>
-      <p:sp>
-        <p:nvSpPr>
-          <p:cNvPr id="297" name="Google Shape;297;g2a3ad0cb722_0_568:notes"/>
-          <p:cNvSpPr>
-            <a:spLocks noGrp="1" noRot="1" noChangeAspect="1"/>
-          </p:cNvSpPr>
-          <p:nvPr>
-            <p:ph type="sldImg" idx="2"/>
-          </p:nvPr>
-        </p:nvSpPr>
-        <p:spPr>
-          <a:xfrm>
-            <a:off x="381000" y="685800"/>
-            <a:ext cx="6096000" cy="3429000"/>
-          </a:xfrm>
-          <a:custGeom>
-            <a:avLst/>
-            <a:gdLst/>
-            <a:ahLst/>
-            <a:cxnLst/>
-            <a:rect l="l" t="t" r="r" b="b"/>
-            <a:pathLst>
-              <a:path w="120000" h="120000" extrusionOk="0">
-                <a:moveTo>
-                  <a:pt x="0" y="0"/>
-                </a:moveTo>
-                <a:lnTo>
-                  <a:pt x="120000" y="0"/>
-                </a:lnTo>
-                <a:lnTo>
-                  <a:pt x="120000" y="120000"/>
-                </a:lnTo>
-                <a:lnTo>
-                  <a:pt x="0" y="120000"/>
-                </a:lnTo>
-                <a:close/>
-              </a:path>
-            </a:pathLst>
-          </a:custGeom>
-        </p:spPr>
-      </p:sp>
-      <p:sp>
-        <p:nvSpPr>
-          <p:cNvPr id="298" name="Google Shape;298;g2a3ad0cb722_0_568:notes"/>
           <p:cNvSpPr txBox="1">
             <a:spLocks noGrp="1"/>
           </p:cNvSpPr>
@@ -3625,6 +3692,214 @@
               <a:buNone/>
             </a:pPr>
             <a:endParaRPr dirty="0"/>
+          </a:p>
+        </p:txBody>
+      </p:sp>
+    </p:spTree>
+  </p:cSld>
+  <p:clrMapOvr>
+    <a:masterClrMapping/>
+  </p:clrMapOvr>
+</p:notes>
+</file>
+
+<file path=ppt/notesSlides/notesSlide30.xml><?xml version="1.0" encoding="utf-8"?>
+<p:notes xmlns:a="http://schemas.openxmlformats.org/drawingml/2006/main" xmlns:r="http://schemas.openxmlformats.org/officeDocument/2006/relationships" xmlns:p="http://schemas.openxmlformats.org/presentationml/2006/main" showMasterSp="0" showMasterPhAnim="0">
+  <p:cSld>
+    <p:spTree>
+      <p:nvGrpSpPr>
+        <p:cNvPr id="1" name="Shape 284"/>
+        <p:cNvGrpSpPr/>
+        <p:nvPr/>
+      </p:nvGrpSpPr>
+      <p:grpSpPr>
+        <a:xfrm>
+          <a:off x="0" y="0"/>
+          <a:ext cx="0" cy="0"/>
+          <a:chOff x="0" y="0"/>
+          <a:chExt cx="0" cy="0"/>
+        </a:xfrm>
+      </p:grpSpPr>
+      <p:sp>
+        <p:nvSpPr>
+          <p:cNvPr id="285" name="Google Shape;285;g29cad555e5c_0_0:notes"/>
+          <p:cNvSpPr>
+            <a:spLocks noGrp="1" noRot="1" noChangeAspect="1"/>
+          </p:cNvSpPr>
+          <p:nvPr>
+            <p:ph type="sldImg" idx="2"/>
+          </p:nvPr>
+        </p:nvSpPr>
+        <p:spPr>
+          <a:xfrm>
+            <a:off x="381000" y="685800"/>
+            <a:ext cx="6096000" cy="3429000"/>
+          </a:xfrm>
+          <a:custGeom>
+            <a:avLst/>
+            <a:gdLst/>
+            <a:ahLst/>
+            <a:cxnLst/>
+            <a:rect l="l" t="t" r="r" b="b"/>
+            <a:pathLst>
+              <a:path w="120000" h="120000" extrusionOk="0">
+                <a:moveTo>
+                  <a:pt x="0" y="0"/>
+                </a:moveTo>
+                <a:lnTo>
+                  <a:pt x="120000" y="0"/>
+                </a:lnTo>
+                <a:lnTo>
+                  <a:pt x="120000" y="120000"/>
+                </a:lnTo>
+                <a:lnTo>
+                  <a:pt x="0" y="120000"/>
+                </a:lnTo>
+                <a:close/>
+              </a:path>
+            </a:pathLst>
+          </a:custGeom>
+        </p:spPr>
+      </p:sp>
+      <p:sp>
+        <p:nvSpPr>
+          <p:cNvPr id="286" name="Google Shape;286;g29cad555e5c_0_0:notes"/>
+          <p:cNvSpPr txBox="1">
+            <a:spLocks noGrp="1"/>
+          </p:cNvSpPr>
+          <p:nvPr>
+            <p:ph type="body" idx="1"/>
+          </p:nvPr>
+        </p:nvSpPr>
+        <p:spPr>
+          <a:xfrm>
+            <a:off x="685800" y="4343400"/>
+            <a:ext cx="5486400" cy="4114800"/>
+          </a:xfrm>
+          <a:prstGeom prst="rect">
+            <a:avLst/>
+          </a:prstGeom>
+        </p:spPr>
+        <p:txBody>
+          <a:bodyPr spcFirstLastPara="1" wrap="square" lIns="91425" tIns="91425" rIns="91425" bIns="91425" anchor="t" anchorCtr="0">
+            <a:noAutofit/>
+          </a:bodyPr>
+          <a:lstStyle/>
+          <a:p>
+            <a:pPr marL="0" lvl="0" indent="0" algn="l" rtl="0">
+              <a:spcBef>
+                <a:spcPts val="0"/>
+              </a:spcBef>
+              <a:spcAft>
+                <a:spcPts val="0"/>
+              </a:spcAft>
+              <a:buNone/>
+            </a:pPr>
+            <a:endParaRPr/>
+          </a:p>
+        </p:txBody>
+      </p:sp>
+    </p:spTree>
+  </p:cSld>
+  <p:clrMapOvr>
+    <a:masterClrMapping/>
+  </p:clrMapOvr>
+</p:notes>
+</file>
+
+<file path=ppt/notesSlides/notesSlide31.xml><?xml version="1.0" encoding="utf-8"?>
+<p:notes xmlns:a="http://schemas.openxmlformats.org/drawingml/2006/main" xmlns:r="http://schemas.openxmlformats.org/officeDocument/2006/relationships" xmlns:p="http://schemas.openxmlformats.org/presentationml/2006/main" showMasterSp="0" showMasterPhAnim="0">
+  <p:cSld>
+    <p:spTree>
+      <p:nvGrpSpPr>
+        <p:cNvPr id="1" name="Shape 296"/>
+        <p:cNvGrpSpPr/>
+        <p:nvPr/>
+      </p:nvGrpSpPr>
+      <p:grpSpPr>
+        <a:xfrm>
+          <a:off x="0" y="0"/>
+          <a:ext cx="0" cy="0"/>
+          <a:chOff x="0" y="0"/>
+          <a:chExt cx="0" cy="0"/>
+        </a:xfrm>
+      </p:grpSpPr>
+      <p:sp>
+        <p:nvSpPr>
+          <p:cNvPr id="297" name="Google Shape;297;g2a3ad0cb722_0_568:notes"/>
+          <p:cNvSpPr>
+            <a:spLocks noGrp="1" noRot="1" noChangeAspect="1"/>
+          </p:cNvSpPr>
+          <p:nvPr>
+            <p:ph type="sldImg" idx="2"/>
+          </p:nvPr>
+        </p:nvSpPr>
+        <p:spPr>
+          <a:xfrm>
+            <a:off x="381000" y="685800"/>
+            <a:ext cx="6096000" cy="3429000"/>
+          </a:xfrm>
+          <a:custGeom>
+            <a:avLst/>
+            <a:gdLst/>
+            <a:ahLst/>
+            <a:cxnLst/>
+            <a:rect l="l" t="t" r="r" b="b"/>
+            <a:pathLst>
+              <a:path w="120000" h="120000" extrusionOk="0">
+                <a:moveTo>
+                  <a:pt x="0" y="0"/>
+                </a:moveTo>
+                <a:lnTo>
+                  <a:pt x="120000" y="0"/>
+                </a:lnTo>
+                <a:lnTo>
+                  <a:pt x="120000" y="120000"/>
+                </a:lnTo>
+                <a:lnTo>
+                  <a:pt x="0" y="120000"/>
+                </a:lnTo>
+                <a:close/>
+              </a:path>
+            </a:pathLst>
+          </a:custGeom>
+        </p:spPr>
+      </p:sp>
+      <p:sp>
+        <p:nvSpPr>
+          <p:cNvPr id="298" name="Google Shape;298;g2a3ad0cb722_0_568:notes"/>
+          <p:cNvSpPr txBox="1">
+            <a:spLocks noGrp="1"/>
+          </p:cNvSpPr>
+          <p:nvPr>
+            <p:ph type="body" idx="1"/>
+          </p:nvPr>
+        </p:nvSpPr>
+        <p:spPr>
+          <a:xfrm>
+            <a:off x="685800" y="4343400"/>
+            <a:ext cx="5486400" cy="4114800"/>
+          </a:xfrm>
+          <a:prstGeom prst="rect">
+            <a:avLst/>
+          </a:prstGeom>
+        </p:spPr>
+        <p:txBody>
+          <a:bodyPr spcFirstLastPara="1" wrap="square" lIns="91425" tIns="91425" rIns="91425" bIns="91425" anchor="t" anchorCtr="0">
+            <a:noAutofit/>
+          </a:bodyPr>
+          <a:lstStyle/>
+          <a:p>
+            <a:pPr marL="0" lvl="0" indent="0" algn="l" rtl="0">
+              <a:spcBef>
+                <a:spcPts val="0"/>
+              </a:spcBef>
+              <a:spcAft>
+                <a:spcPts val="0"/>
+              </a:spcAft>
+              <a:buNone/>
+            </a:pPr>
+            <a:endParaRPr/>
           </a:p>
         </p:txBody>
       </p:sp>
@@ -4447,7 +4722,7 @@
                 <a:ea typeface="+mn-ea"/>
                 <a:cs typeface="+mn-cs"/>
               </a:rPr>
-              <a:t>A form of problem-solving. If you like Wordle, puzzles, Rubik’s cubes, video games, crosswords, Sudoku, or really any kind of problem-solving (like diagnosing a patient, running experiments, or helping students learn something new) … you might discover coding is just another way to problem-solve, and might even be fun sometimes.</a:t>
+              <a:t>A form of problem-solving. </a:t>
             </a:r>
           </a:p>
           <a:p>
@@ -4615,11 +4890,11 @@
 </file>
 
 <file path=ppt/notesSlides/notesSlide7.xml><?xml version="1.0" encoding="utf-8"?>
-<p:notes xmlns:a="http://schemas.openxmlformats.org/drawingml/2006/main" xmlns:r="http://schemas.openxmlformats.org/officeDocument/2006/relationships" xmlns:p="http://schemas.openxmlformats.org/presentationml/2006/main" showMasterSp="0" showMasterPhAnim="0">
+<p:notes xmlns:a="http://schemas.openxmlformats.org/drawingml/2006/main" xmlns:r="http://schemas.openxmlformats.org/officeDocument/2006/relationships" xmlns:p="http://schemas.openxmlformats.org/presentationml/2006/main">
   <p:cSld>
     <p:spTree>
       <p:nvGrpSpPr>
-        <p:cNvPr id="1" name="Shape 160"/>
+        <p:cNvPr id="1" name=""/>
         <p:cNvGrpSpPr/>
         <p:nvPr/>
       </p:nvGrpSpPr>
@@ -4633,12 +4908,12 @@
       </p:grpSpPr>
       <p:sp>
         <p:nvSpPr>
-          <p:cNvPr id="161" name="Google Shape;161;g2a3ad0cb722_0_256:notes"/>
+          <p:cNvPr id="2" name="Slide Image Placeholder 1"/>
           <p:cNvSpPr>
             <a:spLocks noGrp="1" noRot="1" noChangeAspect="1"/>
           </p:cNvSpPr>
           <p:nvPr>
-            <p:ph type="sldImg" idx="2"/>
+            <p:ph type="sldImg"/>
           </p:nvPr>
         </p:nvSpPr>
         <p:spPr>
@@ -4646,74 +4921,68 @@
             <a:off x="381000" y="685800"/>
             <a:ext cx="6096000" cy="3429000"/>
           </a:xfrm>
-          <a:custGeom>
-            <a:avLst/>
-            <a:gdLst/>
-            <a:ahLst/>
-            <a:cxnLst/>
-            <a:rect l="l" t="t" r="r" b="b"/>
-            <a:pathLst>
-              <a:path w="120000" h="120000" extrusionOk="0">
-                <a:moveTo>
-                  <a:pt x="0" y="0"/>
-                </a:moveTo>
-                <a:lnTo>
-                  <a:pt x="120000" y="0"/>
-                </a:lnTo>
-                <a:lnTo>
-                  <a:pt x="120000" y="120000"/>
-                </a:lnTo>
-                <a:lnTo>
-                  <a:pt x="0" y="120000"/>
-                </a:lnTo>
-                <a:close/>
-              </a:path>
-            </a:pathLst>
-          </a:custGeom>
         </p:spPr>
       </p:sp>
       <p:sp>
         <p:nvSpPr>
-          <p:cNvPr id="162" name="Google Shape;162;g2a3ad0cb722_0_256:notes"/>
-          <p:cNvSpPr txBox="1">
+          <p:cNvPr id="3" name="Notes Placeholder 2"/>
+          <p:cNvSpPr>
             <a:spLocks noGrp="1"/>
           </p:cNvSpPr>
           <p:nvPr>
             <p:ph type="body" idx="1"/>
           </p:nvPr>
         </p:nvSpPr>
-        <p:spPr>
-          <a:xfrm>
-            <a:off x="685800" y="4343400"/>
-            <a:ext cx="5486400" cy="4114800"/>
-          </a:xfrm>
-          <a:prstGeom prst="rect">
-            <a:avLst/>
-          </a:prstGeom>
-        </p:spPr>
+        <p:spPr/>
         <p:txBody>
-          <a:bodyPr spcFirstLastPara="1" wrap="square" lIns="91425" tIns="91425" rIns="91425" bIns="91425" anchor="t" anchorCtr="0">
-            <a:noAutofit/>
-          </a:bodyPr>
+          <a:bodyPr/>
           <a:lstStyle/>
           <a:p>
-            <a:pPr marL="0" lvl="0" indent="0" algn="l" rtl="0">
-              <a:spcBef>
-                <a:spcPts val="0"/>
-              </a:spcBef>
-              <a:spcAft>
-                <a:spcPts val="0"/>
-              </a:spcAft>
-              <a:buNone/>
-            </a:pPr>
-            <a:endParaRPr/>
+            <a:pPr marL="457200" marR="0" lvl="0" indent="-298450" algn="l" defTabSz="914400" rtl="0" eaLnBrk="1" fontAlgn="auto" latinLnBrk="0" hangingPunct="1">
+              <a:lnSpc>
+                <a:spcPct val="100000"/>
+              </a:lnSpc>
+              <a:spcBef>
+                <a:spcPts val="0"/>
+              </a:spcBef>
+              <a:spcAft>
+                <a:spcPts val="0"/>
+              </a:spcAft>
+              <a:buClr>
+                <a:srgbClr val="000000"/>
+              </a:buClr>
+              <a:buSzPts val="1100"/>
+              <a:buFont typeface="Arial"/>
+              <a:buChar char="●"/>
+              <a:tabLst/>
+              <a:defRPr/>
+            </a:pPr>
+            <a:r>
+              <a:rPr lang="en-US" b="1" dirty="0">
+                <a:highlight>
+                  <a:srgbClr val="B8DF72"/>
+                </a:highlight>
+              </a:rPr>
+              <a:t>Integrated development environment (IDE) </a:t>
+            </a:r>
+            <a:r>
+              <a:rPr lang="en-US" b="1" dirty="0"/>
+              <a:t>— </a:t>
+            </a:r>
+            <a:r>
+              <a:rPr lang="en-US" dirty="0"/>
+              <a:t>software designed specifically for coding, often in a particular language, which has features meant to improve your coding experience</a:t>
+            </a:r>
+          </a:p>
+          <a:p>
+            <a:endParaRPr lang="en-US" dirty="0"/>
           </a:p>
         </p:txBody>
       </p:sp>
     </p:spTree>
     <p:extLst>
       <p:ext uri="{BB962C8B-B14F-4D97-AF65-F5344CB8AC3E}">
-        <p14:creationId xmlns:p14="http://schemas.microsoft.com/office/powerpoint/2010/main" val="1135250319"/>
+        <p14:creationId xmlns:p14="http://schemas.microsoft.com/office/powerpoint/2010/main" val="656883431"/>
       </p:ext>
     </p:extLst>
   </p:cSld>
@@ -4724,6 +4993,72 @@
 </file>
 
 <file path=ppt/notesSlides/notesSlide8.xml><?xml version="1.0" encoding="utf-8"?>
+<p:notes xmlns:a="http://schemas.openxmlformats.org/drawingml/2006/main" xmlns:r="http://schemas.openxmlformats.org/officeDocument/2006/relationships" xmlns:p="http://schemas.openxmlformats.org/presentationml/2006/main">
+  <p:cSld>
+    <p:spTree>
+      <p:nvGrpSpPr>
+        <p:cNvPr id="1" name=""/>
+        <p:cNvGrpSpPr/>
+        <p:nvPr/>
+      </p:nvGrpSpPr>
+      <p:grpSpPr>
+        <a:xfrm>
+          <a:off x="0" y="0"/>
+          <a:ext cx="0" cy="0"/>
+          <a:chOff x="0" y="0"/>
+          <a:chExt cx="0" cy="0"/>
+        </a:xfrm>
+      </p:grpSpPr>
+      <p:sp>
+        <p:nvSpPr>
+          <p:cNvPr id="2" name="Slide Image Placeholder 1"/>
+          <p:cNvSpPr>
+            <a:spLocks noGrp="1" noRot="1" noChangeAspect="1"/>
+          </p:cNvSpPr>
+          <p:nvPr>
+            <p:ph type="sldImg"/>
+          </p:nvPr>
+        </p:nvSpPr>
+        <p:spPr>
+          <a:xfrm>
+            <a:off x="381000" y="685800"/>
+            <a:ext cx="6096000" cy="3429000"/>
+          </a:xfrm>
+        </p:spPr>
+      </p:sp>
+      <p:sp>
+        <p:nvSpPr>
+          <p:cNvPr id="3" name="Notes Placeholder 2"/>
+          <p:cNvSpPr>
+            <a:spLocks noGrp="1"/>
+          </p:cNvSpPr>
+          <p:nvPr>
+            <p:ph type="body" idx="1"/>
+          </p:nvPr>
+        </p:nvSpPr>
+        <p:spPr/>
+        <p:txBody>
+          <a:bodyPr/>
+          <a:lstStyle/>
+          <a:p>
+            <a:endParaRPr lang="en-US" dirty="0"/>
+          </a:p>
+        </p:txBody>
+      </p:sp>
+    </p:spTree>
+    <p:extLst>
+      <p:ext uri="{BB962C8B-B14F-4D97-AF65-F5344CB8AC3E}">
+        <p14:creationId xmlns:p14="http://schemas.microsoft.com/office/powerpoint/2010/main" val="2932397576"/>
+      </p:ext>
+    </p:extLst>
+  </p:cSld>
+  <p:clrMapOvr>
+    <a:masterClrMapping/>
+  </p:clrMapOvr>
+</p:notes>
+</file>
+
+<file path=ppt/notesSlides/notesSlide9.xml><?xml version="1.0" encoding="utf-8"?>
 <p:notes xmlns:a="http://schemas.openxmlformats.org/drawingml/2006/main" xmlns:r="http://schemas.openxmlformats.org/officeDocument/2006/relationships" xmlns:p="http://schemas.openxmlformats.org/presentationml/2006/main" showMasterSp="0" showMasterPhAnim="0">
   <p:cSld>
     <p:spTree>
@@ -4825,217 +5160,6 @@
         <p14:creationId xmlns:p14="http://schemas.microsoft.com/office/powerpoint/2010/main" val="2824989288"/>
       </p:ext>
     </p:extLst>
-  </p:cSld>
-  <p:clrMapOvr>
-    <a:masterClrMapping/>
-  </p:clrMapOvr>
-</p:notes>
-</file>
-
-<file path=ppt/notesSlides/notesSlide9.xml><?xml version="1.0" encoding="utf-8"?>
-<p:notes xmlns:a="http://schemas.openxmlformats.org/drawingml/2006/main" xmlns:r="http://schemas.openxmlformats.org/officeDocument/2006/relationships" xmlns:p="http://schemas.openxmlformats.org/presentationml/2006/main" showMasterSp="0" showMasterPhAnim="0">
-  <p:cSld>
-    <p:spTree>
-      <p:nvGrpSpPr>
-        <p:cNvPr id="1" name="Shape 153"/>
-        <p:cNvGrpSpPr/>
-        <p:nvPr/>
-      </p:nvGrpSpPr>
-      <p:grpSpPr>
-        <a:xfrm>
-          <a:off x="0" y="0"/>
-          <a:ext cx="0" cy="0"/>
-          <a:chOff x="0" y="0"/>
-          <a:chExt cx="0" cy="0"/>
-        </a:xfrm>
-      </p:grpSpPr>
-      <p:sp>
-        <p:nvSpPr>
-          <p:cNvPr id="154" name="Google Shape;154;g2a3ad0cb722_0_250:notes"/>
-          <p:cNvSpPr>
-            <a:spLocks noGrp="1" noRot="1" noChangeAspect="1"/>
-          </p:cNvSpPr>
-          <p:nvPr>
-            <p:ph type="sldImg" idx="2"/>
-          </p:nvPr>
-        </p:nvSpPr>
-        <p:spPr>
-          <a:xfrm>
-            <a:off x="381000" y="685800"/>
-            <a:ext cx="6096000" cy="3429000"/>
-          </a:xfrm>
-          <a:custGeom>
-            <a:avLst/>
-            <a:gdLst/>
-            <a:ahLst/>
-            <a:cxnLst/>
-            <a:rect l="l" t="t" r="r" b="b"/>
-            <a:pathLst>
-              <a:path w="120000" h="120000" extrusionOk="0">
-                <a:moveTo>
-                  <a:pt x="0" y="0"/>
-                </a:moveTo>
-                <a:lnTo>
-                  <a:pt x="120000" y="0"/>
-                </a:lnTo>
-                <a:lnTo>
-                  <a:pt x="120000" y="120000"/>
-                </a:lnTo>
-                <a:lnTo>
-                  <a:pt x="0" y="120000"/>
-                </a:lnTo>
-                <a:close/>
-              </a:path>
-            </a:pathLst>
-          </a:custGeom>
-        </p:spPr>
-      </p:sp>
-      <p:sp>
-        <p:nvSpPr>
-          <p:cNvPr id="155" name="Google Shape;155;g2a3ad0cb722_0_250:notes"/>
-          <p:cNvSpPr txBox="1">
-            <a:spLocks noGrp="1"/>
-          </p:cNvSpPr>
-          <p:nvPr>
-            <p:ph type="body" idx="1"/>
-          </p:nvPr>
-        </p:nvSpPr>
-        <p:spPr>
-          <a:xfrm>
-            <a:off x="685800" y="4343400"/>
-            <a:ext cx="5486400" cy="4114800"/>
-          </a:xfrm>
-          <a:prstGeom prst="rect">
-            <a:avLst/>
-          </a:prstGeom>
-        </p:spPr>
-        <p:txBody>
-          <a:bodyPr spcFirstLastPara="1" wrap="square" lIns="91425" tIns="91425" rIns="91425" bIns="91425" anchor="t" anchorCtr="0">
-            <a:noAutofit/>
-          </a:bodyPr>
-          <a:lstStyle/>
-          <a:p>
-            <a:endParaRPr lang="en-US" dirty="0"/>
-          </a:p>
-          <a:p>
-            <a:r>
-              <a:rPr lang="en-US" dirty="0"/>
-              <a:t>In Python, a </a:t>
-            </a:r>
-            <a:r>
-              <a:rPr lang="en-US" b="1" dirty="0"/>
-              <a:t>function</a:t>
-            </a:r>
-            <a:r>
-              <a:rPr lang="en-US" dirty="0"/>
-              <a:t> is a block of reusable code that performs a specific task and can be called independently. Functions are not tied to any specific object and can be called using their name (e.g., print() or </a:t>
-            </a:r>
-            <a:r>
-              <a:rPr lang="en-US" dirty="0" err="1"/>
-              <a:t>len</a:t>
-            </a:r>
-            <a:r>
-              <a:rPr lang="en-US" dirty="0"/>
-              <a:t>()). Functions often take inputs (parameters) and may return outputs.</a:t>
-            </a:r>
-          </a:p>
-          <a:p>
-            <a:r>
-              <a:rPr lang="en-US" dirty="0"/>
-              <a:t>A </a:t>
-            </a:r>
-            <a:r>
-              <a:rPr lang="en-US" b="1" dirty="0"/>
-              <a:t>method</a:t>
-            </a:r>
-            <a:r>
-              <a:rPr lang="en-US" dirty="0"/>
-              <a:t>, on the other hand, is a function that is associated with an object and is called on that object. Methods are defined within a class and can access or modify the attributes of the object they belong to. The syntax for calling a method is </a:t>
-            </a:r>
-            <a:r>
-              <a:rPr lang="en-US" dirty="0" err="1"/>
-              <a:t>object.method</a:t>
-            </a:r>
-            <a:r>
-              <a:rPr lang="en-US" dirty="0"/>
-              <a:t>(), where the method may also take additional parameters.</a:t>
-            </a:r>
-          </a:p>
-          <a:p>
-            <a:r>
-              <a:rPr lang="en-US" b="1" dirty="0"/>
-              <a:t>Example:</a:t>
-            </a:r>
-          </a:p>
-          <a:p>
-            <a:pPr>
-              <a:buFont typeface="Arial" panose="020B0604020202020204" pitchFamily="34" charset="0"/>
-              <a:buChar char="•"/>
-            </a:pPr>
-            <a:r>
-              <a:rPr lang="en-US" b="1" dirty="0"/>
-              <a:t>Function</a:t>
-            </a:r>
-            <a:r>
-              <a:rPr lang="en-US" dirty="0"/>
-              <a:t>: </a:t>
-            </a:r>
-            <a:r>
-              <a:rPr lang="en-US" dirty="0" err="1"/>
-              <a:t>len</a:t>
-            </a:r>
-            <a:r>
-              <a:rPr lang="en-US" dirty="0"/>
-              <a:t>([1, 2, 3]) computes the length of a list, independent of any object.</a:t>
-            </a:r>
-          </a:p>
-          <a:p>
-            <a:pPr>
-              <a:buFont typeface="Arial" panose="020B0604020202020204" pitchFamily="34" charset="0"/>
-              <a:buChar char="•"/>
-            </a:pPr>
-            <a:r>
-              <a:rPr lang="en-US" b="1" dirty="0"/>
-              <a:t>Method</a:t>
-            </a:r>
-            <a:r>
-              <a:rPr lang="en-US" dirty="0"/>
-              <a:t>: [1, 2, 3].append(4) adds an element to a specific list object using the append() method.</a:t>
-            </a:r>
-          </a:p>
-          <a:p>
-            <a:r>
-              <a:rPr lang="en-US" dirty="0"/>
-              <a:t>In short, functions are standalone, while methods are tied to objects and often operate on the object's data.</a:t>
-            </a:r>
-          </a:p>
-          <a:p>
-            <a:pPr marL="0" lvl="0" indent="0" algn="l" rtl="0">
-              <a:spcBef>
-                <a:spcPts val="0"/>
-              </a:spcBef>
-              <a:spcAft>
-                <a:spcPts val="0"/>
-              </a:spcAft>
-              <a:buNone/>
-            </a:pPr>
-            <a:endParaRPr lang="en-US" dirty="0"/>
-          </a:p>
-          <a:p>
-            <a:pPr marL="0" lvl="0" indent="0" algn="l" rtl="0">
-              <a:spcBef>
-                <a:spcPts val="0"/>
-              </a:spcBef>
-              <a:spcAft>
-                <a:spcPts val="0"/>
-              </a:spcAft>
-              <a:buNone/>
-            </a:pPr>
-            <a:endParaRPr dirty="0"/>
-          </a:p>
-        </p:txBody>
-      </p:sp>
-    </p:spTree>
   </p:cSld>
   <p:clrMapOvr>
     <a:masterClrMapping/>
@@ -9772,6 +9896,396 @@
   <p:cSld>
     <p:spTree>
       <p:nvGrpSpPr>
+        <p:cNvPr id="1" name="Shape 175"/>
+        <p:cNvGrpSpPr/>
+        <p:nvPr/>
+      </p:nvGrpSpPr>
+      <p:grpSpPr>
+        <a:xfrm>
+          <a:off x="0" y="0"/>
+          <a:ext cx="0" cy="0"/>
+          <a:chOff x="0" y="0"/>
+          <a:chExt cx="0" cy="0"/>
+        </a:xfrm>
+      </p:grpSpPr>
+      <p:sp>
+        <p:nvSpPr>
+          <p:cNvPr id="176" name="Google Shape;176;p25"/>
+          <p:cNvSpPr txBox="1">
+            <a:spLocks noGrp="1"/>
+          </p:cNvSpPr>
+          <p:nvPr>
+            <p:ph type="ctrTitle"/>
+          </p:nvPr>
+        </p:nvSpPr>
+        <p:spPr>
+          <a:xfrm>
+            <a:off x="685800" y="2897794"/>
+            <a:ext cx="4505400" cy="1432800"/>
+          </a:xfrm>
+          <a:prstGeom prst="rect">
+            <a:avLst/>
+          </a:prstGeom>
+        </p:spPr>
+        <p:txBody>
+          <a:bodyPr spcFirstLastPara="1" wrap="square" lIns="91425" tIns="91425" rIns="91425" bIns="91425" anchor="b" anchorCtr="0">
+            <a:noAutofit/>
+          </a:bodyPr>
+          <a:lstStyle/>
+          <a:p>
+            <a:pPr marL="0" lvl="0" indent="0" algn="r" rtl="0">
+              <a:spcBef>
+                <a:spcPts val="0"/>
+              </a:spcBef>
+              <a:spcAft>
+                <a:spcPts val="0"/>
+              </a:spcAft>
+              <a:buNone/>
+            </a:pPr>
+            <a:r>
+              <a:rPr lang="en" dirty="0"/>
+              <a:t>Python basics</a:t>
+            </a:r>
+            <a:endParaRPr dirty="0"/>
+          </a:p>
+        </p:txBody>
+      </p:sp>
+      <p:sp>
+        <p:nvSpPr>
+          <p:cNvPr id="177" name="Google Shape;177;p25"/>
+          <p:cNvSpPr txBox="1"/>
+          <p:nvPr/>
+        </p:nvSpPr>
+        <p:spPr>
+          <a:xfrm>
+            <a:off x="6671163" y="3188100"/>
+            <a:ext cx="1257900" cy="284400"/>
+          </a:xfrm>
+          <a:prstGeom prst="rect">
+            <a:avLst/>
+          </a:prstGeom>
+          <a:noFill/>
+          <a:ln>
+            <a:noFill/>
+          </a:ln>
+        </p:spPr>
+        <p:txBody>
+          <a:bodyPr spcFirstLastPara="1" wrap="square" lIns="91425" tIns="91425" rIns="91425" bIns="91425" anchor="t" anchorCtr="0">
+            <a:noAutofit/>
+          </a:bodyPr>
+          <a:lstStyle/>
+          <a:p>
+            <a:pPr marL="0" lvl="0" indent="0" algn="ctr" rtl="0">
+              <a:spcBef>
+                <a:spcPts val="0"/>
+              </a:spcBef>
+              <a:spcAft>
+                <a:spcPts val="0"/>
+              </a:spcAft>
+              <a:buNone/>
+            </a:pPr>
+            <a:r>
+              <a:rPr lang="en" sz="2000">
+                <a:solidFill>
+                  <a:schemeClr val="lt1"/>
+                </a:solidFill>
+                <a:latin typeface="Avenir"/>
+                <a:ea typeface="Avenir"/>
+                <a:cs typeface="Avenir"/>
+                <a:sym typeface="Avenir"/>
+              </a:rPr>
+              <a:t>x = 75</a:t>
+            </a:r>
+            <a:endParaRPr sz="2000">
+              <a:solidFill>
+                <a:schemeClr val="lt1"/>
+              </a:solidFill>
+              <a:latin typeface="Avenir"/>
+              <a:ea typeface="Avenir"/>
+              <a:cs typeface="Avenir"/>
+              <a:sym typeface="Avenir"/>
+            </a:endParaRPr>
+          </a:p>
+        </p:txBody>
+      </p:sp>
+      <p:pic>
+        <p:nvPicPr>
+          <p:cNvPr id="3" name="Graphic 2" descr="Basic Shapes outline">
+            <a:extLst>
+              <a:ext uri="{FF2B5EF4-FFF2-40B4-BE49-F238E27FC236}">
+                <a16:creationId xmlns:a16="http://schemas.microsoft.com/office/drawing/2014/main" id="{9CD8A54C-7104-ED7D-92FE-23E3DE7C6164}"/>
+              </a:ext>
+            </a:extLst>
+          </p:cNvPr>
+          <p:cNvPicPr>
+            <a:picLocks noChangeAspect="1"/>
+          </p:cNvPicPr>
+          <p:nvPr/>
+        </p:nvPicPr>
+        <p:blipFill>
+          <a:blip r:embed="rId3">
+            <a:extLst>
+              <a:ext uri="{96DAC541-7B7A-43D3-8B79-37D633B846F1}">
+                <asvg:svgBlip xmlns:asvg="http://schemas.microsoft.com/office/drawing/2016/SVG/main" r:embed="rId4"/>
+              </a:ext>
+            </a:extLst>
+          </a:blip>
+          <a:stretch>
+            <a:fillRect/>
+          </a:stretch>
+        </p:blipFill>
+        <p:spPr>
+          <a:xfrm>
+            <a:off x="6671163" y="2897794"/>
+            <a:ext cx="1504223" cy="1504223"/>
+          </a:xfrm>
+          <a:prstGeom prst="rect">
+            <a:avLst/>
+          </a:prstGeom>
+        </p:spPr>
+      </p:pic>
+    </p:spTree>
+    <p:extLst>
+      <p:ext uri="{BB962C8B-B14F-4D97-AF65-F5344CB8AC3E}">
+        <p14:creationId xmlns:p14="http://schemas.microsoft.com/office/powerpoint/2010/main" val="2637503310"/>
+      </p:ext>
+    </p:extLst>
+  </p:cSld>
+  <p:clrMapOvr>
+    <a:masterClrMapping/>
+  </p:clrMapOvr>
+</p:sld>
+</file>
+
+<file path=ppt/slides/slide11.xml><?xml version="1.0" encoding="utf-8"?>
+<p:sld xmlns:a="http://schemas.openxmlformats.org/drawingml/2006/main" xmlns:r="http://schemas.openxmlformats.org/officeDocument/2006/relationships" xmlns:p="http://schemas.openxmlformats.org/presentationml/2006/main">
+  <p:cSld>
+    <p:spTree>
+      <p:nvGrpSpPr>
+        <p:cNvPr id="1" name="Shape 156"/>
+        <p:cNvGrpSpPr/>
+        <p:nvPr/>
+      </p:nvGrpSpPr>
+      <p:grpSpPr>
+        <a:xfrm>
+          <a:off x="0" y="0"/>
+          <a:ext cx="0" cy="0"/>
+          <a:chOff x="0" y="0"/>
+          <a:chExt cx="0" cy="0"/>
+        </a:xfrm>
+      </p:grpSpPr>
+      <p:sp>
+        <p:nvSpPr>
+          <p:cNvPr id="157" name="Google Shape;157;p22"/>
+          <p:cNvSpPr txBox="1">
+            <a:spLocks noGrp="1"/>
+          </p:cNvSpPr>
+          <p:nvPr>
+            <p:ph type="title"/>
+          </p:nvPr>
+        </p:nvSpPr>
+        <p:spPr>
+          <a:xfrm>
+            <a:off x="691200" y="152400"/>
+            <a:ext cx="7761600" cy="969000"/>
+          </a:xfrm>
+          <a:prstGeom prst="rect">
+            <a:avLst/>
+          </a:prstGeom>
+        </p:spPr>
+        <p:txBody>
+          <a:bodyPr spcFirstLastPara="1" wrap="square" lIns="91425" tIns="91425" rIns="91425" bIns="91425" anchor="b" anchorCtr="0">
+            <a:noAutofit/>
+          </a:bodyPr>
+          <a:lstStyle/>
+          <a:p>
+            <a:pPr marL="0" lvl="0" indent="0" algn="l" rtl="0">
+              <a:spcBef>
+                <a:spcPts val="0"/>
+              </a:spcBef>
+              <a:spcAft>
+                <a:spcPts val="0"/>
+              </a:spcAft>
+              <a:buNone/>
+            </a:pPr>
+            <a:r>
+              <a:rPr lang="en"/>
+              <a:t>General terms and concepts</a:t>
+            </a:r>
+            <a:endParaRPr/>
+          </a:p>
+        </p:txBody>
+      </p:sp>
+      <p:sp>
+        <p:nvSpPr>
+          <p:cNvPr id="158" name="Google Shape;158;p22"/>
+          <p:cNvSpPr txBox="1">
+            <a:spLocks noGrp="1"/>
+          </p:cNvSpPr>
+          <p:nvPr>
+            <p:ph type="body" idx="1"/>
+          </p:nvPr>
+        </p:nvSpPr>
+        <p:spPr>
+          <a:xfrm>
+            <a:off x="691200" y="1343775"/>
+            <a:ext cx="7761600" cy="2868900"/>
+          </a:xfrm>
+          <a:prstGeom prst="rect">
+            <a:avLst/>
+          </a:prstGeom>
+        </p:spPr>
+        <p:txBody>
+          <a:bodyPr spcFirstLastPara="1" wrap="square" lIns="91425" tIns="91425" rIns="91425" bIns="91425" anchor="t" anchorCtr="0">
+            <a:noAutofit/>
+          </a:bodyPr>
+          <a:lstStyle/>
+          <a:p>
+            <a:pPr marL="457200" lvl="0" indent="-355600" algn="l" rtl="0">
+              <a:spcBef>
+                <a:spcPts val="600"/>
+              </a:spcBef>
+              <a:spcAft>
+                <a:spcPts val="0"/>
+              </a:spcAft>
+              <a:buSzPts val="2000"/>
+              <a:buChar char="●"/>
+            </a:pPr>
+            <a:r>
+              <a:rPr lang="en" b="1" dirty="0">
+                <a:highlight>
+                  <a:srgbClr val="B8DF72"/>
+                </a:highlight>
+              </a:rPr>
+              <a:t>Syntax</a:t>
+            </a:r>
+            <a:r>
+              <a:rPr lang="en" b="1" dirty="0"/>
+              <a:t> </a:t>
+            </a:r>
+            <a:r>
+              <a:rPr lang="en" dirty="0"/>
+              <a:t>— set of rules in a programming language; works similarly to syntax in spoken languages</a:t>
+            </a:r>
+            <a:endParaRPr dirty="0"/>
+          </a:p>
+          <a:p>
+            <a:pPr marL="457200" lvl="0" indent="-355600" algn="l" rtl="0">
+              <a:spcBef>
+                <a:spcPts val="0"/>
+              </a:spcBef>
+              <a:spcAft>
+                <a:spcPts val="0"/>
+              </a:spcAft>
+              <a:buSzPts val="2000"/>
+              <a:buChar char="●"/>
+            </a:pPr>
+            <a:r>
+              <a:rPr lang="en" b="1" dirty="0">
+                <a:highlight>
+                  <a:srgbClr val="B8DF72"/>
+                </a:highlight>
+              </a:rPr>
+              <a:t>Program</a:t>
+            </a:r>
+            <a:r>
+              <a:rPr lang="en" dirty="0"/>
+              <a:t>, or </a:t>
+            </a:r>
+            <a:r>
+              <a:rPr lang="en" b="1" dirty="0">
+                <a:highlight>
+                  <a:srgbClr val="B8DF72"/>
+                </a:highlight>
+              </a:rPr>
+              <a:t>script</a:t>
+            </a:r>
+            <a:r>
+              <a:rPr lang="en" b="1" dirty="0"/>
+              <a:t> — </a:t>
+            </a:r>
+            <a:r>
+              <a:rPr lang="en" dirty="0"/>
+              <a:t>one or more lines of code, usually meant to do something, such as a task, transformation, visualization</a:t>
+            </a:r>
+            <a:endParaRPr dirty="0"/>
+          </a:p>
+          <a:p>
+            <a:pPr marL="457200" lvl="0" indent="-355600" algn="l" rtl="0">
+              <a:spcBef>
+                <a:spcPts val="0"/>
+              </a:spcBef>
+              <a:spcAft>
+                <a:spcPts val="0"/>
+              </a:spcAft>
+              <a:buSzPts val="2000"/>
+              <a:buChar char="●"/>
+            </a:pPr>
+            <a:r>
+              <a:rPr lang="en" b="1" dirty="0">
+                <a:highlight>
+                  <a:srgbClr val="B8DF72"/>
+                </a:highlight>
+              </a:rPr>
+              <a:t>Function</a:t>
+            </a:r>
+            <a:r>
+              <a:rPr lang="en" b="1" dirty="0"/>
+              <a:t> — </a:t>
+            </a:r>
+            <a:r>
+              <a:rPr lang="en" dirty="0"/>
+              <a:t>a block of reusable code that performs a specific task; these can come standard in a language, be custom-written, or utilized via add-on modules</a:t>
+            </a:r>
+          </a:p>
+          <a:p>
+            <a:pPr marL="457200" lvl="0" indent="-355600" algn="l" rtl="0">
+              <a:spcBef>
+                <a:spcPts val="0"/>
+              </a:spcBef>
+              <a:spcAft>
+                <a:spcPts val="0"/>
+              </a:spcAft>
+              <a:buSzPts val="2000"/>
+              <a:buChar char="●"/>
+            </a:pPr>
+            <a:r>
+              <a:rPr lang="en" b="1" dirty="0">
+                <a:highlight>
+                  <a:srgbClr val="B8DF72"/>
+                </a:highlight>
+              </a:rPr>
+              <a:t>Method</a:t>
+            </a:r>
+            <a:r>
+              <a:rPr lang="en" b="1" dirty="0"/>
+              <a:t> —</a:t>
+            </a:r>
+            <a:r>
+              <a:rPr lang="en" dirty="0"/>
+              <a:t> </a:t>
+            </a:r>
+            <a:r>
+              <a:rPr lang="en-US" dirty="0"/>
+              <a:t>is a function that is associated with an object and is called on that object. Methods are defined within a class and can access or modify the attributes of the object they belong to. </a:t>
+            </a:r>
+            <a:endParaRPr dirty="0"/>
+          </a:p>
+        </p:txBody>
+      </p:sp>
+    </p:spTree>
+  </p:cSld>
+  <p:clrMapOvr>
+    <a:masterClrMapping/>
+  </p:clrMapOvr>
+</p:sld>
+</file>
+
+<file path=ppt/slides/slide12.xml><?xml version="1.0" encoding="utf-8"?>
+<p:sld xmlns:a="http://schemas.openxmlformats.org/drawingml/2006/main" xmlns:r="http://schemas.openxmlformats.org/officeDocument/2006/relationships" xmlns:p="http://schemas.openxmlformats.org/presentationml/2006/main">
+  <p:cSld>
+    <p:spTree>
+      <p:nvGrpSpPr>
         <p:cNvPr id="1" name="Shape 163"/>
         <p:cNvGrpSpPr/>
         <p:nvPr/>
@@ -10102,7 +10616,244 @@
 </p:sld>
 </file>
 
-<file path=ppt/slides/slide11.xml><?xml version="1.0" encoding="utf-8"?>
+<file path=ppt/slides/slide13.xml><?xml version="1.0" encoding="utf-8"?>
+<p:sld xmlns:a="http://schemas.openxmlformats.org/drawingml/2006/main" xmlns:r="http://schemas.openxmlformats.org/officeDocument/2006/relationships" xmlns:p="http://schemas.openxmlformats.org/presentationml/2006/main">
+  <p:cSld>
+    <p:spTree>
+      <p:nvGrpSpPr>
+        <p:cNvPr id="1" name="Shape 163"/>
+        <p:cNvGrpSpPr/>
+        <p:nvPr/>
+      </p:nvGrpSpPr>
+      <p:grpSpPr>
+        <a:xfrm>
+          <a:off x="0" y="0"/>
+          <a:ext cx="0" cy="0"/>
+          <a:chOff x="0" y="0"/>
+          <a:chExt cx="0" cy="0"/>
+        </a:xfrm>
+      </p:grpSpPr>
+      <p:sp>
+        <p:nvSpPr>
+          <p:cNvPr id="164" name="Google Shape;164;p23"/>
+          <p:cNvSpPr txBox="1">
+            <a:spLocks noGrp="1"/>
+          </p:cNvSpPr>
+          <p:nvPr>
+            <p:ph type="title"/>
+          </p:nvPr>
+        </p:nvSpPr>
+        <p:spPr>
+          <a:xfrm>
+            <a:off x="691200" y="152400"/>
+            <a:ext cx="7761600" cy="969000"/>
+          </a:xfrm>
+          <a:prstGeom prst="rect">
+            <a:avLst/>
+          </a:prstGeom>
+        </p:spPr>
+        <p:txBody>
+          <a:bodyPr spcFirstLastPara="1" wrap="square" lIns="91425" tIns="91425" rIns="91425" bIns="91425" anchor="b" anchorCtr="0">
+            <a:noAutofit/>
+          </a:bodyPr>
+          <a:lstStyle/>
+          <a:p>
+            <a:pPr marL="0" lvl="0" indent="0" algn="l" rtl="0">
+              <a:spcBef>
+                <a:spcPts val="0"/>
+              </a:spcBef>
+              <a:spcAft>
+                <a:spcPts val="0"/>
+              </a:spcAft>
+              <a:buNone/>
+            </a:pPr>
+            <a:r>
+              <a:rPr lang="en" dirty="0"/>
+              <a:t>One more thing…</a:t>
+            </a:r>
+            <a:endParaRPr dirty="0"/>
+          </a:p>
+        </p:txBody>
+      </p:sp>
+      <p:sp>
+        <p:nvSpPr>
+          <p:cNvPr id="165" name="Google Shape;165;p23"/>
+          <p:cNvSpPr txBox="1">
+            <a:spLocks noGrp="1"/>
+          </p:cNvSpPr>
+          <p:nvPr>
+            <p:ph type="body" idx="1"/>
+          </p:nvPr>
+        </p:nvSpPr>
+        <p:spPr>
+          <a:xfrm>
+            <a:off x="691200" y="1343775"/>
+            <a:ext cx="4329374" cy="2868900"/>
+          </a:xfrm>
+          <a:prstGeom prst="rect">
+            <a:avLst/>
+          </a:prstGeom>
+        </p:spPr>
+        <p:txBody>
+          <a:bodyPr spcFirstLastPara="1" wrap="square" lIns="91425" tIns="91425" rIns="91425" bIns="91425" anchor="t" anchorCtr="0">
+            <a:noAutofit/>
+          </a:bodyPr>
+          <a:lstStyle/>
+          <a:p>
+            <a:pPr marL="457200" lvl="0" indent="-355600" algn="l" rtl="0">
+              <a:spcBef>
+                <a:spcPts val="600"/>
+              </a:spcBef>
+              <a:spcAft>
+                <a:spcPts val="0"/>
+              </a:spcAft>
+              <a:buSzPts val="2000"/>
+              <a:buChar char="●"/>
+            </a:pPr>
+            <a:r>
+              <a:rPr lang="en-US" dirty="0"/>
+              <a:t>It’s okay to make mistakes!</a:t>
+            </a:r>
+          </a:p>
+          <a:p>
+            <a:pPr marL="457200" lvl="0" indent="-355600" algn="l" rtl="0">
+              <a:spcBef>
+                <a:spcPts val="600"/>
+              </a:spcBef>
+              <a:spcAft>
+                <a:spcPts val="0"/>
+              </a:spcAft>
+              <a:buSzPts val="2000"/>
+              <a:buChar char="●"/>
+            </a:pPr>
+            <a:endParaRPr lang="en-US" dirty="0"/>
+          </a:p>
+          <a:p>
+            <a:pPr marL="457200" lvl="0" indent="-355600" algn="l" rtl="0">
+              <a:spcBef>
+                <a:spcPts val="600"/>
+              </a:spcBef>
+              <a:spcAft>
+                <a:spcPts val="0"/>
+              </a:spcAft>
+              <a:buSzPts val="2000"/>
+              <a:buChar char="●"/>
+            </a:pPr>
+            <a:r>
+              <a:rPr lang="en-US" dirty="0"/>
+              <a:t>Troubleshooting (i.e., debugging) is part of everyone’s day-to-day experience with coding, even for experts.</a:t>
+            </a:r>
+            <a:endParaRPr dirty="0"/>
+          </a:p>
+        </p:txBody>
+      </p:sp>
+      <p:pic>
+        <p:nvPicPr>
+          <p:cNvPr id="1026" name="Picture 2" descr="He doesn't. : r/ProgrammerHumor">
+            <a:extLst>
+              <a:ext uri="{FF2B5EF4-FFF2-40B4-BE49-F238E27FC236}">
+                <a16:creationId xmlns:a16="http://schemas.microsoft.com/office/drawing/2014/main" id="{7DBB0833-FD75-1CF3-D1A5-C03ECFED2311}"/>
+              </a:ext>
+            </a:extLst>
+          </p:cNvPr>
+          <p:cNvPicPr>
+            <a:picLocks noChangeAspect="1" noChangeArrowheads="1"/>
+          </p:cNvPicPr>
+          <p:nvPr/>
+        </p:nvPicPr>
+        <p:blipFill>
+          <a:blip r:embed="rId3">
+            <a:extLst>
+              <a:ext uri="{28A0092B-C50C-407E-A947-70E740481C1C}">
+                <a14:useLocalDpi xmlns:a14="http://schemas.microsoft.com/office/drawing/2010/main" val="0"/>
+              </a:ext>
+            </a:extLst>
+          </a:blip>
+          <a:srcRect/>
+          <a:stretch>
+            <a:fillRect/>
+          </a:stretch>
+        </p:blipFill>
+        <p:spPr bwMode="auto">
+          <a:xfrm>
+            <a:off x="5109893" y="1065209"/>
+            <a:ext cx="3067949" cy="3013081"/>
+          </a:xfrm>
+          <a:prstGeom prst="rect">
+            <a:avLst/>
+          </a:prstGeom>
+          <a:noFill/>
+          <a:extLst>
+            <a:ext uri="{909E8E84-426E-40DD-AFC4-6F175D3DCCD1}">
+              <a14:hiddenFill xmlns:a14="http://schemas.microsoft.com/office/drawing/2010/main">
+                <a:solidFill>
+                  <a:srgbClr val="FFFFFF"/>
+                </a:solidFill>
+              </a14:hiddenFill>
+            </a:ext>
+          </a:extLst>
+        </p:spPr>
+      </p:pic>
+      <p:sp>
+        <p:nvSpPr>
+          <p:cNvPr id="3" name="TextBox 2">
+            <a:extLst>
+              <a:ext uri="{FF2B5EF4-FFF2-40B4-BE49-F238E27FC236}">
+                <a16:creationId xmlns:a16="http://schemas.microsoft.com/office/drawing/2014/main" id="{EAE415AE-3F93-E0BD-95AF-AB930891F661}"/>
+              </a:ext>
+            </a:extLst>
+          </p:cNvPr>
+          <p:cNvSpPr txBox="1"/>
+          <p:nvPr/>
+        </p:nvSpPr>
+        <p:spPr>
+          <a:xfrm>
+            <a:off x="5526746" y="4212675"/>
+            <a:ext cx="2234242" cy="523220"/>
+          </a:xfrm>
+          <a:prstGeom prst="rect">
+            <a:avLst/>
+          </a:prstGeom>
+          <a:noFill/>
+        </p:spPr>
+        <p:txBody>
+          <a:bodyPr wrap="square" rtlCol="0">
+            <a:spAutoFit/>
+          </a:bodyPr>
+          <a:lstStyle/>
+          <a:p>
+            <a:r>
+              <a:rPr lang="en-US" dirty="0">
+                <a:latin typeface="Avenir Book" panose="02000503020000020003" pitchFamily="2" charset="0"/>
+              </a:rPr>
+              <a:t>Via the Reddit community r/</a:t>
+            </a:r>
+            <a:r>
+              <a:rPr lang="en-US" dirty="0" err="1">
+                <a:latin typeface="Avenir Book" panose="02000503020000020003" pitchFamily="2" charset="0"/>
+              </a:rPr>
+              <a:t>ProgrammerHumor</a:t>
+            </a:r>
+            <a:endParaRPr lang="en-US" dirty="0">
+              <a:latin typeface="Avenir Book" panose="02000503020000020003" pitchFamily="2" charset="0"/>
+            </a:endParaRPr>
+          </a:p>
+        </p:txBody>
+      </p:sp>
+    </p:spTree>
+    <p:extLst>
+      <p:ext uri="{BB962C8B-B14F-4D97-AF65-F5344CB8AC3E}">
+        <p14:creationId xmlns:p14="http://schemas.microsoft.com/office/powerpoint/2010/main" val="3848548198"/>
+      </p:ext>
+    </p:extLst>
+  </p:cSld>
+  <p:clrMapOvr>
+    <a:masterClrMapping/>
+  </p:clrMapOvr>
+</p:sld>
+</file>
+
+<file path=ppt/slides/slide14.xml><?xml version="1.0" encoding="utf-8"?>
 <p:sld xmlns:a="http://schemas.openxmlformats.org/drawingml/2006/main" xmlns:r="http://schemas.openxmlformats.org/officeDocument/2006/relationships" xmlns:p="http://schemas.openxmlformats.org/presentationml/2006/main">
   <p:cSld>
     <p:spTree>
@@ -10263,7 +11014,7 @@
 </p:sld>
 </file>
 
-<file path=ppt/slides/slide12.xml><?xml version="1.0" encoding="utf-8"?>
+<file path=ppt/slides/slide15.xml><?xml version="1.0" encoding="utf-8"?>
 <p:sld xmlns:a="http://schemas.openxmlformats.org/drawingml/2006/main" xmlns:r="http://schemas.openxmlformats.org/officeDocument/2006/relationships" xmlns:p="http://schemas.openxmlformats.org/presentationml/2006/main">
   <p:cSld>
     <p:spTree>
@@ -11291,7 +12042,7 @@
 </p:sld>
 </file>
 
-<file path=ppt/slides/slide13.xml><?xml version="1.0" encoding="utf-8"?>
+<file path=ppt/slides/slide16.xml><?xml version="1.0" encoding="utf-8"?>
 <p:sld xmlns:a="http://schemas.openxmlformats.org/drawingml/2006/main" xmlns:r="http://schemas.openxmlformats.org/officeDocument/2006/relationships" xmlns:p="http://schemas.openxmlformats.org/presentationml/2006/main">
   <p:cSld>
     <p:spTree>
@@ -11747,7 +12498,7 @@
 </p:sld>
 </file>
 
-<file path=ppt/slides/slide14.xml><?xml version="1.0" encoding="utf-8"?>
+<file path=ppt/slides/slide17.xml><?xml version="1.0" encoding="utf-8"?>
 <p:sld xmlns:a="http://schemas.openxmlformats.org/drawingml/2006/main" xmlns:r="http://schemas.openxmlformats.org/officeDocument/2006/relationships" xmlns:p="http://schemas.openxmlformats.org/presentationml/2006/main">
   <p:cSld>
     <p:spTree>
@@ -12301,7 +13052,7 @@
 </p:sld>
 </file>
 
-<file path=ppt/slides/slide15.xml><?xml version="1.0" encoding="utf-8"?>
+<file path=ppt/slides/slide18.xml><?xml version="1.0" encoding="utf-8"?>
 <p:sld xmlns:a="http://schemas.openxmlformats.org/drawingml/2006/main" xmlns:r="http://schemas.openxmlformats.org/officeDocument/2006/relationships" xmlns:p="http://schemas.openxmlformats.org/presentationml/2006/main">
   <p:cSld>
     <p:spTree>
@@ -12545,7 +13296,7 @@
 </p:sld>
 </file>
 
-<file path=ppt/slides/slide16.xml><?xml version="1.0" encoding="utf-8"?>
+<file path=ppt/slides/slide19.xml><?xml version="1.0" encoding="utf-8"?>
 <p:sld xmlns:a="http://schemas.openxmlformats.org/drawingml/2006/main" xmlns:r="http://schemas.openxmlformats.org/officeDocument/2006/relationships" xmlns:p="http://schemas.openxmlformats.org/presentationml/2006/main">
   <p:cSld>
     <p:spTree>
@@ -13107,7 +13858,216 @@
 </p:sld>
 </file>
 
-<file path=ppt/slides/slide17.xml><?xml version="1.0" encoding="utf-8"?>
+<file path=ppt/slides/slide2.xml><?xml version="1.0" encoding="utf-8"?>
+<p:sld xmlns:a="http://schemas.openxmlformats.org/drawingml/2006/main" xmlns:r="http://schemas.openxmlformats.org/officeDocument/2006/relationships" xmlns:p="http://schemas.openxmlformats.org/presentationml/2006/main">
+  <p:cSld>
+    <p:spTree>
+      <p:nvGrpSpPr>
+        <p:cNvPr id="1" name="Shape 82"/>
+        <p:cNvGrpSpPr/>
+        <p:nvPr/>
+      </p:nvGrpSpPr>
+      <p:grpSpPr>
+        <a:xfrm>
+          <a:off x="0" y="0"/>
+          <a:ext cx="0" cy="0"/>
+          <a:chOff x="0" y="0"/>
+          <a:chExt cx="0" cy="0"/>
+        </a:xfrm>
+      </p:grpSpPr>
+      <p:sp>
+        <p:nvSpPr>
+          <p:cNvPr id="83" name="Google Shape;83;p15"/>
+          <p:cNvSpPr txBox="1">
+            <a:spLocks noGrp="1"/>
+          </p:cNvSpPr>
+          <p:nvPr>
+            <p:ph type="title"/>
+          </p:nvPr>
+        </p:nvSpPr>
+        <p:spPr>
+          <a:xfrm>
+            <a:off x="691200" y="152400"/>
+            <a:ext cx="7761600" cy="969000"/>
+          </a:xfrm>
+          <a:prstGeom prst="rect">
+            <a:avLst/>
+          </a:prstGeom>
+        </p:spPr>
+        <p:txBody>
+          <a:bodyPr spcFirstLastPara="1" wrap="square" lIns="91425" tIns="91425" rIns="91425" bIns="91425" anchor="b" anchorCtr="0">
+            <a:noAutofit/>
+          </a:bodyPr>
+          <a:lstStyle/>
+          <a:p>
+            <a:pPr marL="0" lvl="0" indent="0" algn="l" rtl="0">
+              <a:spcBef>
+                <a:spcPts val="0"/>
+              </a:spcBef>
+              <a:spcAft>
+                <a:spcPts val="0"/>
+              </a:spcAft>
+              <a:buNone/>
+            </a:pPr>
+            <a:r>
+              <a:rPr lang="en" dirty="0"/>
+              <a:t>Before We Begin</a:t>
+            </a:r>
+            <a:endParaRPr dirty="0"/>
+          </a:p>
+        </p:txBody>
+      </p:sp>
+      <p:sp>
+        <p:nvSpPr>
+          <p:cNvPr id="84" name="Google Shape;84;p15"/>
+          <p:cNvSpPr txBox="1">
+            <a:spLocks noGrp="1"/>
+          </p:cNvSpPr>
+          <p:nvPr>
+            <p:ph type="body" idx="1"/>
+          </p:nvPr>
+        </p:nvSpPr>
+        <p:spPr>
+          <a:xfrm>
+            <a:off x="691200" y="1343775"/>
+            <a:ext cx="5252400" cy="2868900"/>
+          </a:xfrm>
+          <a:prstGeom prst="rect">
+            <a:avLst/>
+          </a:prstGeom>
+        </p:spPr>
+        <p:txBody>
+          <a:bodyPr spcFirstLastPara="1" wrap="square" lIns="91425" tIns="91425" rIns="91425" bIns="91425" anchor="t" anchorCtr="0">
+            <a:noAutofit/>
+          </a:bodyPr>
+          <a:lstStyle/>
+          <a:p>
+            <a:pPr marL="457200" lvl="0" indent="-355600" algn="l" rtl="0">
+              <a:spcBef>
+                <a:spcPts val="600"/>
+              </a:spcBef>
+              <a:spcAft>
+                <a:spcPts val="0"/>
+              </a:spcAft>
+              <a:buSzPts val="2000"/>
+              <a:buChar char="●"/>
+            </a:pPr>
+            <a:r>
+              <a:rPr lang="en-US" dirty="0"/>
+              <a:t>Welcome! </a:t>
+            </a:r>
+          </a:p>
+          <a:p>
+            <a:pPr marL="457200" lvl="0" indent="-355600" algn="l" rtl="0">
+              <a:spcBef>
+                <a:spcPts val="600"/>
+              </a:spcBef>
+              <a:spcAft>
+                <a:spcPts val="0"/>
+              </a:spcAft>
+              <a:buSzPts val="2000"/>
+              <a:buChar char="●"/>
+            </a:pPr>
+            <a:r>
+              <a:rPr lang="en-US" dirty="0"/>
+              <a:t>Interrupt if you have questions – especially when we start coding. (If you have a question, others probably do, too!)</a:t>
+            </a:r>
+          </a:p>
+          <a:p>
+            <a:r>
+              <a:rPr lang="en-US" dirty="0"/>
+              <a:t>You will get these slides, code, and more after this session ends.</a:t>
+            </a:r>
+            <a:endParaRPr dirty="0"/>
+          </a:p>
+        </p:txBody>
+      </p:sp>
+      <p:pic>
+        <p:nvPicPr>
+          <p:cNvPr id="5" name="Graphic 4" descr="Wave Gesture outline">
+            <a:extLst>
+              <a:ext uri="{FF2B5EF4-FFF2-40B4-BE49-F238E27FC236}">
+                <a16:creationId xmlns:a16="http://schemas.microsoft.com/office/drawing/2014/main" id="{084BEC08-5CDD-CA8A-A67A-4F0ED9128D2D}"/>
+              </a:ext>
+            </a:extLst>
+          </p:cNvPr>
+          <p:cNvPicPr>
+            <a:picLocks noChangeAspect="1"/>
+          </p:cNvPicPr>
+          <p:nvPr/>
+        </p:nvPicPr>
+        <p:blipFill>
+          <a:blip r:embed="rId3">
+            <a:extLst>
+              <a:ext uri="{96DAC541-7B7A-43D3-8B79-37D633B846F1}">
+                <asvg:svgBlip xmlns:asvg="http://schemas.microsoft.com/office/drawing/2016/SVG/main" r:embed="rId4"/>
+              </a:ext>
+            </a:extLst>
+          </a:blip>
+          <a:stretch>
+            <a:fillRect/>
+          </a:stretch>
+        </p:blipFill>
+        <p:spPr>
+          <a:xfrm>
+            <a:off x="6996023" y="1241888"/>
+            <a:ext cx="914400" cy="914400"/>
+          </a:xfrm>
+          <a:prstGeom prst="rect">
+            <a:avLst/>
+          </a:prstGeom>
+        </p:spPr>
+      </p:pic>
+      <p:pic>
+        <p:nvPicPr>
+          <p:cNvPr id="7" name="Graphic 6" descr="Projector screen outline">
+            <a:extLst>
+              <a:ext uri="{FF2B5EF4-FFF2-40B4-BE49-F238E27FC236}">
+                <a16:creationId xmlns:a16="http://schemas.microsoft.com/office/drawing/2014/main" id="{E2526B02-CAF4-E9DA-521D-420749BFC34D}"/>
+              </a:ext>
+            </a:extLst>
+          </p:cNvPr>
+          <p:cNvPicPr>
+            <a:picLocks noChangeAspect="1"/>
+          </p:cNvPicPr>
+          <p:nvPr/>
+        </p:nvPicPr>
+        <p:blipFill>
+          <a:blip r:embed="rId5">
+            <a:extLst>
+              <a:ext uri="{96DAC541-7B7A-43D3-8B79-37D633B846F1}">
+                <asvg:svgBlip xmlns:asvg="http://schemas.microsoft.com/office/drawing/2016/SVG/main" r:embed="rId6"/>
+              </a:ext>
+            </a:extLst>
+          </a:blip>
+          <a:stretch>
+            <a:fillRect/>
+          </a:stretch>
+        </p:blipFill>
+        <p:spPr>
+          <a:xfrm>
+            <a:off x="6996023" y="2987213"/>
+            <a:ext cx="914400" cy="914400"/>
+          </a:xfrm>
+          <a:prstGeom prst="rect">
+            <a:avLst/>
+          </a:prstGeom>
+        </p:spPr>
+      </p:pic>
+    </p:spTree>
+    <p:extLst>
+      <p:ext uri="{BB962C8B-B14F-4D97-AF65-F5344CB8AC3E}">
+        <p14:creationId xmlns:p14="http://schemas.microsoft.com/office/powerpoint/2010/main" val="3240152967"/>
+      </p:ext>
+    </p:extLst>
+  </p:cSld>
+  <p:clrMapOvr>
+    <a:masterClrMapping/>
+  </p:clrMapOvr>
+</p:sld>
+</file>
+
+<file path=ppt/slides/slide20.xml><?xml version="1.0" encoding="utf-8"?>
 <p:sld xmlns:a="http://schemas.openxmlformats.org/drawingml/2006/main" xmlns:r="http://schemas.openxmlformats.org/officeDocument/2006/relationships" xmlns:p="http://schemas.openxmlformats.org/presentationml/2006/main">
   <p:cSld>
     <p:spTree>
@@ -13506,7 +14466,7 @@
 </p:sld>
 </file>
 
-<file path=ppt/slides/slide18.xml><?xml version="1.0" encoding="utf-8"?>
+<file path=ppt/slides/slide21.xml><?xml version="1.0" encoding="utf-8"?>
 <p:sld xmlns:a="http://schemas.openxmlformats.org/drawingml/2006/main" xmlns:r="http://schemas.openxmlformats.org/officeDocument/2006/relationships" xmlns:p="http://schemas.openxmlformats.org/presentationml/2006/main">
   <p:cSld>
     <p:spTree>
@@ -13672,7 +14632,7 @@
 </p:sld>
 </file>
 
-<file path=ppt/slides/slide19.xml><?xml version="1.0" encoding="utf-8"?>
+<file path=ppt/slides/slide22.xml><?xml version="1.0" encoding="utf-8"?>
 <p:sld xmlns:a="http://schemas.openxmlformats.org/drawingml/2006/main" xmlns:r="http://schemas.openxmlformats.org/officeDocument/2006/relationships" xmlns:p="http://schemas.openxmlformats.org/presentationml/2006/main">
   <p:cSld>
     <p:spTree>
@@ -13775,216 +14735,7 @@
 </p:sld>
 </file>
 
-<file path=ppt/slides/slide2.xml><?xml version="1.0" encoding="utf-8"?>
-<p:sld xmlns:a="http://schemas.openxmlformats.org/drawingml/2006/main" xmlns:r="http://schemas.openxmlformats.org/officeDocument/2006/relationships" xmlns:p="http://schemas.openxmlformats.org/presentationml/2006/main">
-  <p:cSld>
-    <p:spTree>
-      <p:nvGrpSpPr>
-        <p:cNvPr id="1" name="Shape 82"/>
-        <p:cNvGrpSpPr/>
-        <p:nvPr/>
-      </p:nvGrpSpPr>
-      <p:grpSpPr>
-        <a:xfrm>
-          <a:off x="0" y="0"/>
-          <a:ext cx="0" cy="0"/>
-          <a:chOff x="0" y="0"/>
-          <a:chExt cx="0" cy="0"/>
-        </a:xfrm>
-      </p:grpSpPr>
-      <p:sp>
-        <p:nvSpPr>
-          <p:cNvPr id="83" name="Google Shape;83;p15"/>
-          <p:cNvSpPr txBox="1">
-            <a:spLocks noGrp="1"/>
-          </p:cNvSpPr>
-          <p:nvPr>
-            <p:ph type="title"/>
-          </p:nvPr>
-        </p:nvSpPr>
-        <p:spPr>
-          <a:xfrm>
-            <a:off x="691200" y="152400"/>
-            <a:ext cx="7761600" cy="969000"/>
-          </a:xfrm>
-          <a:prstGeom prst="rect">
-            <a:avLst/>
-          </a:prstGeom>
-        </p:spPr>
-        <p:txBody>
-          <a:bodyPr spcFirstLastPara="1" wrap="square" lIns="91425" tIns="91425" rIns="91425" bIns="91425" anchor="b" anchorCtr="0">
-            <a:noAutofit/>
-          </a:bodyPr>
-          <a:lstStyle/>
-          <a:p>
-            <a:pPr marL="0" lvl="0" indent="0" algn="l" rtl="0">
-              <a:spcBef>
-                <a:spcPts val="0"/>
-              </a:spcBef>
-              <a:spcAft>
-                <a:spcPts val="0"/>
-              </a:spcAft>
-              <a:buNone/>
-            </a:pPr>
-            <a:r>
-              <a:rPr lang="en" dirty="0"/>
-              <a:t>Before We Begin</a:t>
-            </a:r>
-            <a:endParaRPr dirty="0"/>
-          </a:p>
-        </p:txBody>
-      </p:sp>
-      <p:sp>
-        <p:nvSpPr>
-          <p:cNvPr id="84" name="Google Shape;84;p15"/>
-          <p:cNvSpPr txBox="1">
-            <a:spLocks noGrp="1"/>
-          </p:cNvSpPr>
-          <p:nvPr>
-            <p:ph type="body" idx="1"/>
-          </p:nvPr>
-        </p:nvSpPr>
-        <p:spPr>
-          <a:xfrm>
-            <a:off x="691200" y="1343775"/>
-            <a:ext cx="5252400" cy="2868900"/>
-          </a:xfrm>
-          <a:prstGeom prst="rect">
-            <a:avLst/>
-          </a:prstGeom>
-        </p:spPr>
-        <p:txBody>
-          <a:bodyPr spcFirstLastPara="1" wrap="square" lIns="91425" tIns="91425" rIns="91425" bIns="91425" anchor="t" anchorCtr="0">
-            <a:noAutofit/>
-          </a:bodyPr>
-          <a:lstStyle/>
-          <a:p>
-            <a:pPr marL="457200" lvl="0" indent="-355600" algn="l" rtl="0">
-              <a:spcBef>
-                <a:spcPts val="600"/>
-              </a:spcBef>
-              <a:spcAft>
-                <a:spcPts val="0"/>
-              </a:spcAft>
-              <a:buSzPts val="2000"/>
-              <a:buChar char="●"/>
-            </a:pPr>
-            <a:r>
-              <a:rPr lang="en-US" dirty="0"/>
-              <a:t>Welcome! </a:t>
-            </a:r>
-          </a:p>
-          <a:p>
-            <a:pPr marL="457200" lvl="0" indent="-355600" algn="l" rtl="0">
-              <a:spcBef>
-                <a:spcPts val="600"/>
-              </a:spcBef>
-              <a:spcAft>
-                <a:spcPts val="0"/>
-              </a:spcAft>
-              <a:buSzPts val="2000"/>
-              <a:buChar char="●"/>
-            </a:pPr>
-            <a:r>
-              <a:rPr lang="en-US" dirty="0"/>
-              <a:t>Interrupt if you have questions – especially when we start coding. (If you have a question, others probably do, too!)</a:t>
-            </a:r>
-          </a:p>
-          <a:p>
-            <a:r>
-              <a:rPr lang="en-US" dirty="0"/>
-              <a:t>You will get these slides, code, and more after this session ends.</a:t>
-            </a:r>
-            <a:endParaRPr dirty="0"/>
-          </a:p>
-        </p:txBody>
-      </p:sp>
-      <p:pic>
-        <p:nvPicPr>
-          <p:cNvPr id="5" name="Graphic 4" descr="Wave Gesture outline">
-            <a:extLst>
-              <a:ext uri="{FF2B5EF4-FFF2-40B4-BE49-F238E27FC236}">
-                <a16:creationId xmlns:a16="http://schemas.microsoft.com/office/drawing/2014/main" id="{084BEC08-5CDD-CA8A-A67A-4F0ED9128D2D}"/>
-              </a:ext>
-            </a:extLst>
-          </p:cNvPr>
-          <p:cNvPicPr>
-            <a:picLocks noChangeAspect="1"/>
-          </p:cNvPicPr>
-          <p:nvPr/>
-        </p:nvPicPr>
-        <p:blipFill>
-          <a:blip r:embed="rId3">
-            <a:extLst>
-              <a:ext uri="{96DAC541-7B7A-43D3-8B79-37D633B846F1}">
-                <asvg:svgBlip xmlns:asvg="http://schemas.microsoft.com/office/drawing/2016/SVG/main" r:embed="rId4"/>
-              </a:ext>
-            </a:extLst>
-          </a:blip>
-          <a:stretch>
-            <a:fillRect/>
-          </a:stretch>
-        </p:blipFill>
-        <p:spPr>
-          <a:xfrm>
-            <a:off x="6996023" y="1241888"/>
-            <a:ext cx="914400" cy="914400"/>
-          </a:xfrm>
-          <a:prstGeom prst="rect">
-            <a:avLst/>
-          </a:prstGeom>
-        </p:spPr>
-      </p:pic>
-      <p:pic>
-        <p:nvPicPr>
-          <p:cNvPr id="7" name="Graphic 6" descr="Projector screen outline">
-            <a:extLst>
-              <a:ext uri="{FF2B5EF4-FFF2-40B4-BE49-F238E27FC236}">
-                <a16:creationId xmlns:a16="http://schemas.microsoft.com/office/drawing/2014/main" id="{E2526B02-CAF4-E9DA-521D-420749BFC34D}"/>
-              </a:ext>
-            </a:extLst>
-          </p:cNvPr>
-          <p:cNvPicPr>
-            <a:picLocks noChangeAspect="1"/>
-          </p:cNvPicPr>
-          <p:nvPr/>
-        </p:nvPicPr>
-        <p:blipFill>
-          <a:blip r:embed="rId5">
-            <a:extLst>
-              <a:ext uri="{96DAC541-7B7A-43D3-8B79-37D633B846F1}">
-                <asvg:svgBlip xmlns:asvg="http://schemas.microsoft.com/office/drawing/2016/SVG/main" r:embed="rId6"/>
-              </a:ext>
-            </a:extLst>
-          </a:blip>
-          <a:stretch>
-            <a:fillRect/>
-          </a:stretch>
-        </p:blipFill>
-        <p:spPr>
-          <a:xfrm>
-            <a:off x="6996023" y="2987213"/>
-            <a:ext cx="914400" cy="914400"/>
-          </a:xfrm>
-          <a:prstGeom prst="rect">
-            <a:avLst/>
-          </a:prstGeom>
-        </p:spPr>
-      </p:pic>
-    </p:spTree>
-    <p:extLst>
-      <p:ext uri="{BB962C8B-B14F-4D97-AF65-F5344CB8AC3E}">
-        <p14:creationId xmlns:p14="http://schemas.microsoft.com/office/powerpoint/2010/main" val="3240152967"/>
-      </p:ext>
-    </p:extLst>
-  </p:cSld>
-  <p:clrMapOvr>
-    <a:masterClrMapping/>
-  </p:clrMapOvr>
-</p:sld>
-</file>
-
-<file path=ppt/slides/slide20.xml><?xml version="1.0" encoding="utf-8"?>
+<file path=ppt/slides/slide23.xml><?xml version="1.0" encoding="utf-8"?>
 <p:sld xmlns:a="http://schemas.openxmlformats.org/drawingml/2006/main" xmlns:r="http://schemas.openxmlformats.org/officeDocument/2006/relationships" xmlns:p="http://schemas.openxmlformats.org/presentationml/2006/main">
   <p:cSld>
     <p:spTree>
@@ -14180,7 +14931,7 @@
 </p:sld>
 </file>
 
-<file path=ppt/slides/slide21.xml><?xml version="1.0" encoding="utf-8"?>
+<file path=ppt/slides/slide24.xml><?xml version="1.0" encoding="utf-8"?>
 <p:sld xmlns:a="http://schemas.openxmlformats.org/drawingml/2006/main" xmlns:r="http://schemas.openxmlformats.org/officeDocument/2006/relationships" xmlns:p="http://schemas.openxmlformats.org/presentationml/2006/main">
   <p:cSld>
     <p:spTree>
@@ -14364,7 +15115,7 @@
 </p:sld>
 </file>
 
-<file path=ppt/slides/slide22.xml><?xml version="1.0" encoding="utf-8"?>
+<file path=ppt/slides/slide25.xml><?xml version="1.0" encoding="utf-8"?>
 <p:sld xmlns:a="http://schemas.openxmlformats.org/drawingml/2006/main" xmlns:r="http://schemas.openxmlformats.org/officeDocument/2006/relationships" xmlns:p="http://schemas.openxmlformats.org/presentationml/2006/main">
   <p:cSld>
     <p:spTree>
@@ -14525,7 +15276,7 @@
 </p:sld>
 </file>
 
-<file path=ppt/slides/slide23.xml><?xml version="1.0" encoding="utf-8"?>
+<file path=ppt/slides/slide26.xml><?xml version="1.0" encoding="utf-8"?>
 <p:sld xmlns:a="http://schemas.openxmlformats.org/drawingml/2006/main" xmlns:r="http://schemas.openxmlformats.org/officeDocument/2006/relationships" xmlns:p="http://schemas.openxmlformats.org/presentationml/2006/main">
   <p:cSld>
     <p:spTree>
@@ -14963,7 +15714,7 @@
 </p:sld>
 </file>
 
-<file path=ppt/slides/slide24.xml><?xml version="1.0" encoding="utf-8"?>
+<file path=ppt/slides/slide27.xml><?xml version="1.0" encoding="utf-8"?>
 <p:sld xmlns:a="http://schemas.openxmlformats.org/drawingml/2006/main" xmlns:r="http://schemas.openxmlformats.org/officeDocument/2006/relationships" xmlns:p="http://schemas.openxmlformats.org/presentationml/2006/main">
   <p:cSld>
     <p:spTree>
@@ -15174,7 +15925,7 @@
 </p:sld>
 </file>
 
-<file path=ppt/slides/slide25.xml><?xml version="1.0" encoding="utf-8"?>
+<file path=ppt/slides/slide28.xml><?xml version="1.0" encoding="utf-8"?>
 <p:sld xmlns:a="http://schemas.openxmlformats.org/drawingml/2006/main" xmlns:r="http://schemas.openxmlformats.org/officeDocument/2006/relationships" xmlns:p="http://schemas.openxmlformats.org/presentationml/2006/main">
   <p:cSld>
     <p:spTree>
@@ -15392,7 +16143,7 @@
 </p:sld>
 </file>
 
-<file path=ppt/slides/slide26.xml><?xml version="1.0" encoding="utf-8"?>
+<file path=ppt/slides/slide29.xml><?xml version="1.0" encoding="utf-8"?>
 <p:sld xmlns:a="http://schemas.openxmlformats.org/drawingml/2006/main" xmlns:r="http://schemas.openxmlformats.org/officeDocument/2006/relationships" xmlns:p="http://schemas.openxmlformats.org/presentationml/2006/main">
   <p:cSld>
     <p:spTree>
@@ -15531,855 +16282,6 @@
 </p:sld>
 </file>
 
-<file path=ppt/slides/slide27.xml><?xml version="1.0" encoding="utf-8"?>
-<p:sld xmlns:a="http://schemas.openxmlformats.org/drawingml/2006/main" xmlns:r="http://schemas.openxmlformats.org/officeDocument/2006/relationships" xmlns:p="http://schemas.openxmlformats.org/presentationml/2006/main">
-  <p:cSld>
-    <p:spTree>
-      <p:nvGrpSpPr>
-        <p:cNvPr id="1" name="Shape 281"/>
-        <p:cNvGrpSpPr/>
-        <p:nvPr/>
-      </p:nvGrpSpPr>
-      <p:grpSpPr>
-        <a:xfrm>
-          <a:off x="0" y="0"/>
-          <a:ext cx="0" cy="0"/>
-          <a:chOff x="0" y="0"/>
-          <a:chExt cx="0" cy="0"/>
-        </a:xfrm>
-      </p:grpSpPr>
-      <p:sp>
-        <p:nvSpPr>
-          <p:cNvPr id="282" name="Google Shape;282;p38"/>
-          <p:cNvSpPr txBox="1">
-            <a:spLocks noGrp="1"/>
-          </p:cNvSpPr>
-          <p:nvPr>
-            <p:ph type="title"/>
-          </p:nvPr>
-        </p:nvSpPr>
-        <p:spPr>
-          <a:xfrm>
-            <a:off x="691200" y="152400"/>
-            <a:ext cx="7761600" cy="969000"/>
-          </a:xfrm>
-          <a:prstGeom prst="rect">
-            <a:avLst/>
-          </a:prstGeom>
-        </p:spPr>
-        <p:txBody>
-          <a:bodyPr spcFirstLastPara="1" wrap="square" lIns="91425" tIns="91425" rIns="91425" bIns="91425" anchor="b" anchorCtr="0">
-            <a:noAutofit/>
-          </a:bodyPr>
-          <a:lstStyle/>
-          <a:p>
-            <a:pPr marL="0" lvl="0" indent="0" algn="l" rtl="0">
-              <a:spcBef>
-                <a:spcPts val="0"/>
-              </a:spcBef>
-              <a:spcAft>
-                <a:spcPts val="0"/>
-              </a:spcAft>
-              <a:buNone/>
-            </a:pPr>
-            <a:r>
-              <a:rPr lang="en"/>
-              <a:t>Acknowledgements</a:t>
-            </a:r>
-            <a:endParaRPr/>
-          </a:p>
-        </p:txBody>
-      </p:sp>
-      <p:sp>
-        <p:nvSpPr>
-          <p:cNvPr id="283" name="Google Shape;283;p38"/>
-          <p:cNvSpPr txBox="1">
-            <a:spLocks noGrp="1"/>
-          </p:cNvSpPr>
-          <p:nvPr>
-            <p:ph type="body" idx="1"/>
-          </p:nvPr>
-        </p:nvSpPr>
-        <p:spPr>
-          <a:xfrm>
-            <a:off x="691200" y="1343775"/>
-            <a:ext cx="7761600" cy="2868900"/>
-          </a:xfrm>
-          <a:prstGeom prst="rect">
-            <a:avLst/>
-          </a:prstGeom>
-        </p:spPr>
-        <p:txBody>
-          <a:bodyPr spcFirstLastPara="1" wrap="square" lIns="91425" tIns="91425" rIns="91425" bIns="91425" anchor="t" anchorCtr="0">
-            <a:noAutofit/>
-          </a:bodyPr>
-          <a:lstStyle/>
-          <a:p>
-            <a:pPr marL="0" lvl="0" indent="0" algn="l" rtl="0">
-              <a:spcBef>
-                <a:spcPts val="600"/>
-              </a:spcBef>
-              <a:spcAft>
-                <a:spcPts val="0"/>
-              </a:spcAft>
-              <a:buNone/>
-            </a:pPr>
-            <a:r>
-              <a:rPr lang="en" dirty="0"/>
-              <a:t>Some of this material, including the inflammation data, is adapted from the Carpentries, using a </a:t>
-            </a:r>
-            <a:r>
-              <a:rPr lang="en" u="sng" dirty="0">
-                <a:solidFill>
-                  <a:schemeClr val="hlink"/>
-                </a:solidFill>
-                <a:hlinkClick r:id="rId3"/>
-              </a:rPr>
-              <a:t>CC-BY-4.0 license</a:t>
-            </a:r>
-            <a:r>
-              <a:rPr lang="en" dirty="0"/>
-              <a:t>.</a:t>
-            </a:r>
-            <a:endParaRPr dirty="0"/>
-          </a:p>
-        </p:txBody>
-      </p:sp>
-    </p:spTree>
-  </p:cSld>
-  <p:clrMapOvr>
-    <a:masterClrMapping/>
-  </p:clrMapOvr>
-</p:sld>
-</file>
-
-<file path=ppt/slides/slide28.xml><?xml version="1.0" encoding="utf-8"?>
-<p:sld xmlns:a="http://schemas.openxmlformats.org/drawingml/2006/main" xmlns:r="http://schemas.openxmlformats.org/officeDocument/2006/relationships" xmlns:p="http://schemas.openxmlformats.org/presentationml/2006/main">
-  <p:cSld>
-    <p:spTree>
-      <p:nvGrpSpPr>
-        <p:cNvPr id="1" name="Shape 287"/>
-        <p:cNvGrpSpPr/>
-        <p:nvPr/>
-      </p:nvGrpSpPr>
-      <p:grpSpPr>
-        <a:xfrm>
-          <a:off x="0" y="0"/>
-          <a:ext cx="0" cy="0"/>
-          <a:chOff x="0" y="0"/>
-          <a:chExt cx="0" cy="0"/>
-        </a:xfrm>
-      </p:grpSpPr>
-      <p:sp>
-        <p:nvSpPr>
-          <p:cNvPr id="288" name="Google Shape;288;p39"/>
-          <p:cNvSpPr txBox="1">
-            <a:spLocks noGrp="1"/>
-          </p:cNvSpPr>
-          <p:nvPr>
-            <p:ph type="title"/>
-          </p:nvPr>
-        </p:nvSpPr>
-        <p:spPr>
-          <a:xfrm>
-            <a:off x="691200" y="152400"/>
-            <a:ext cx="7761600" cy="969000"/>
-          </a:xfrm>
-          <a:prstGeom prst="rect">
-            <a:avLst/>
-          </a:prstGeom>
-        </p:spPr>
-        <p:txBody>
-          <a:bodyPr spcFirstLastPara="1" wrap="square" lIns="91425" tIns="91425" rIns="91425" bIns="91425" anchor="b" anchorCtr="0">
-            <a:noAutofit/>
-          </a:bodyPr>
-          <a:lstStyle/>
-          <a:p>
-            <a:pPr marL="0" lvl="0" indent="0" algn="l" rtl="0">
-              <a:spcBef>
-                <a:spcPts val="0"/>
-              </a:spcBef>
-              <a:spcAft>
-                <a:spcPts val="0"/>
-              </a:spcAft>
-              <a:buNone/>
-            </a:pPr>
-            <a:r>
-              <a:rPr lang="en" dirty="0"/>
-              <a:t>General Python Documentation</a:t>
-            </a:r>
-            <a:endParaRPr dirty="0"/>
-          </a:p>
-        </p:txBody>
-      </p:sp>
-      <p:sp>
-        <p:nvSpPr>
-          <p:cNvPr id="289" name="Google Shape;289;p39"/>
-          <p:cNvSpPr txBox="1">
-            <a:spLocks noGrp="1"/>
-          </p:cNvSpPr>
-          <p:nvPr>
-            <p:ph type="body" idx="1"/>
-          </p:nvPr>
-        </p:nvSpPr>
-        <p:spPr>
-          <a:xfrm>
-            <a:off x="691200" y="1343775"/>
-            <a:ext cx="7761600" cy="2868900"/>
-          </a:xfrm>
-          <a:prstGeom prst="rect">
-            <a:avLst/>
-          </a:prstGeom>
-        </p:spPr>
-        <p:txBody>
-          <a:bodyPr spcFirstLastPara="1" wrap="square" lIns="91425" tIns="91425" rIns="91425" bIns="91425" anchor="t" anchorCtr="0">
-            <a:noAutofit/>
-          </a:bodyPr>
-          <a:lstStyle/>
-          <a:p>
-            <a:pPr marL="457200" lvl="0" indent="-342900" algn="l" rtl="0">
-              <a:spcBef>
-                <a:spcPts val="600"/>
-              </a:spcBef>
-              <a:spcAft>
-                <a:spcPts val="0"/>
-              </a:spcAft>
-              <a:buClr>
-                <a:srgbClr val="000000"/>
-              </a:buClr>
-              <a:buSzPts val="1800"/>
-              <a:buChar char="●"/>
-            </a:pPr>
-            <a:r>
-              <a:rPr lang="en" sz="1800" dirty="0">
-                <a:solidFill>
-                  <a:srgbClr val="000000"/>
-                </a:solidFill>
-              </a:rPr>
-              <a:t>Official Python docs: </a:t>
-            </a:r>
-            <a:r>
-              <a:rPr lang="en" sz="1800" u="sng" dirty="0">
-                <a:solidFill>
-                  <a:schemeClr val="hlink"/>
-                </a:solidFill>
-                <a:hlinkClick r:id="rId3"/>
-              </a:rPr>
-              <a:t>https://python.org</a:t>
-            </a:r>
-            <a:r>
-              <a:rPr lang="en" sz="1800" dirty="0">
-                <a:solidFill>
-                  <a:srgbClr val="000000"/>
-                </a:solidFill>
-              </a:rPr>
-              <a:t> </a:t>
-            </a:r>
-            <a:endParaRPr sz="1800" dirty="0">
-              <a:solidFill>
-                <a:srgbClr val="000000"/>
-              </a:solidFill>
-            </a:endParaRPr>
-          </a:p>
-          <a:p>
-            <a:pPr marL="914400" lvl="1" indent="-342900" algn="l" rtl="0">
-              <a:spcBef>
-                <a:spcPts val="0"/>
-              </a:spcBef>
-              <a:spcAft>
-                <a:spcPts val="0"/>
-              </a:spcAft>
-              <a:buClr>
-                <a:srgbClr val="000000"/>
-              </a:buClr>
-              <a:buSzPts val="1800"/>
-              <a:buChar char="○"/>
-            </a:pPr>
-            <a:r>
-              <a:rPr lang="en" sz="1800" dirty="0">
-                <a:solidFill>
-                  <a:srgbClr val="000000"/>
-                </a:solidFill>
-              </a:rPr>
-              <a:t>Beginner guide:</a:t>
-            </a:r>
-            <a:r>
-              <a:rPr lang="en" dirty="0">
-                <a:solidFill>
-                  <a:srgbClr val="000000"/>
-                </a:solidFill>
-              </a:rPr>
-              <a:t> </a:t>
-            </a:r>
-            <a:r>
-              <a:rPr lang="en" u="sng" dirty="0">
-                <a:solidFill>
-                  <a:schemeClr val="hlink"/>
-                </a:solidFill>
-                <a:hlinkClick r:id="rId4"/>
-              </a:rPr>
-              <a:t>https://wiki.python.org/moin/BeginnersGuide</a:t>
-            </a:r>
-            <a:r>
-              <a:rPr lang="en" dirty="0">
-                <a:solidFill>
-                  <a:srgbClr val="000000"/>
-                </a:solidFill>
-              </a:rPr>
-              <a:t> </a:t>
-            </a:r>
-            <a:endParaRPr dirty="0">
-              <a:solidFill>
-                <a:srgbClr val="000000"/>
-              </a:solidFill>
-            </a:endParaRPr>
-          </a:p>
-          <a:p>
-            <a:pPr marL="457200" lvl="0" indent="-342900" algn="l" rtl="0">
-              <a:spcBef>
-                <a:spcPts val="0"/>
-              </a:spcBef>
-              <a:spcAft>
-                <a:spcPts val="0"/>
-              </a:spcAft>
-              <a:buClr>
-                <a:srgbClr val="000000"/>
-              </a:buClr>
-              <a:buSzPts val="1800"/>
-              <a:buChar char="●"/>
-            </a:pPr>
-            <a:r>
-              <a:rPr lang="en" sz="1800" dirty="0" err="1">
-                <a:solidFill>
-                  <a:srgbClr val="000000"/>
-                </a:solidFill>
-              </a:rPr>
-              <a:t>Cheatsheets</a:t>
-            </a:r>
-            <a:r>
-              <a:rPr lang="en" sz="1800" dirty="0">
-                <a:solidFill>
-                  <a:srgbClr val="000000"/>
-                </a:solidFill>
-              </a:rPr>
-              <a:t>:</a:t>
-            </a:r>
-            <a:endParaRPr sz="1800" dirty="0">
-              <a:solidFill>
-                <a:srgbClr val="000000"/>
-              </a:solidFill>
-            </a:endParaRPr>
-          </a:p>
-          <a:p>
-            <a:pPr marL="914400" lvl="1" indent="-342900" algn="l" rtl="0">
-              <a:spcBef>
-                <a:spcPts val="0"/>
-              </a:spcBef>
-              <a:spcAft>
-                <a:spcPts val="0"/>
-              </a:spcAft>
-              <a:buClr>
-                <a:srgbClr val="000000"/>
-              </a:buClr>
-              <a:buSzPts val="1800"/>
-              <a:buChar char="○"/>
-            </a:pPr>
-            <a:r>
-              <a:rPr lang="en" dirty="0">
-                <a:solidFill>
-                  <a:srgbClr val="000000"/>
-                </a:solidFill>
-              </a:rPr>
-              <a:t>Python: </a:t>
-            </a:r>
-            <a:r>
-              <a:rPr lang="en" u="sng" dirty="0">
-                <a:solidFill>
-                  <a:schemeClr val="hlink"/>
-                </a:solidFill>
-                <a:hlinkClick r:id="rId5"/>
-              </a:rPr>
-              <a:t>https://www.pythoncheatsheet.org/</a:t>
-            </a:r>
-            <a:r>
-              <a:rPr lang="en" dirty="0">
-                <a:solidFill>
-                  <a:srgbClr val="000000"/>
-                </a:solidFill>
-              </a:rPr>
-              <a:t> + </a:t>
-            </a:r>
-            <a:r>
-              <a:rPr lang="en" u="sng" dirty="0">
-                <a:solidFill>
-                  <a:schemeClr val="hlink"/>
-                </a:solidFill>
-                <a:hlinkClick r:id="rId6"/>
-              </a:rPr>
-              <a:t>https://www.datacamp.com/cheat-sheet/getting-started-with-python-cheat-sheet</a:t>
-            </a:r>
-            <a:r>
-              <a:rPr lang="en" dirty="0">
-                <a:solidFill>
-                  <a:srgbClr val="000000"/>
-                </a:solidFill>
-              </a:rPr>
-              <a:t> </a:t>
-            </a:r>
-            <a:endParaRPr dirty="0">
-              <a:solidFill>
-                <a:srgbClr val="000000"/>
-              </a:solidFill>
-            </a:endParaRPr>
-          </a:p>
-          <a:p>
-            <a:pPr marL="457200" lvl="0" indent="-342900" algn="l" rtl="0">
-              <a:spcBef>
-                <a:spcPts val="0"/>
-              </a:spcBef>
-              <a:spcAft>
-                <a:spcPts val="0"/>
-              </a:spcAft>
-              <a:buClr>
-                <a:srgbClr val="000000"/>
-              </a:buClr>
-              <a:buSzPts val="1800"/>
-              <a:buChar char="●"/>
-            </a:pPr>
-            <a:r>
-              <a:rPr lang="en" sz="1800" dirty="0">
-                <a:solidFill>
-                  <a:srgbClr val="000000"/>
-                </a:solidFill>
-              </a:rPr>
-              <a:t>See more helpful learning resources (under Python)</a:t>
-            </a:r>
-            <a:r>
-              <a:rPr lang="en" dirty="0">
-                <a:solidFill>
-                  <a:srgbClr val="000000"/>
-                </a:solidFill>
-              </a:rPr>
-              <a:t>: </a:t>
-            </a:r>
-            <a:r>
-              <a:rPr lang="en" sz="1800" u="sng" dirty="0">
-                <a:solidFill>
-                  <a:schemeClr val="hlink"/>
-                </a:solidFill>
-                <a:hlinkClick r:id="rId7"/>
-              </a:rPr>
-              <a:t>https://library.medicine.yale.edu/research-data/learn-work-data</a:t>
-            </a:r>
-            <a:r>
-              <a:rPr lang="en" sz="1800" dirty="0">
-                <a:solidFill>
-                  <a:srgbClr val="000000"/>
-                </a:solidFill>
-              </a:rPr>
-              <a:t> </a:t>
-            </a:r>
-            <a:endParaRPr sz="1800" dirty="0">
-              <a:solidFill>
-                <a:srgbClr val="000000"/>
-              </a:solidFill>
-            </a:endParaRPr>
-          </a:p>
-        </p:txBody>
-      </p:sp>
-    </p:spTree>
-  </p:cSld>
-  <p:clrMapOvr>
-    <a:masterClrMapping/>
-  </p:clrMapOvr>
-</p:sld>
-</file>
-
-<file path=ppt/slides/slide29.xml><?xml version="1.0" encoding="utf-8"?>
-<p:sld xmlns:a="http://schemas.openxmlformats.org/drawingml/2006/main" xmlns:r="http://schemas.openxmlformats.org/officeDocument/2006/relationships" xmlns:p="http://schemas.openxmlformats.org/presentationml/2006/main">
-  <p:cSld>
-    <p:spTree>
-      <p:nvGrpSpPr>
-        <p:cNvPr id="1" name="Shape 299"/>
-        <p:cNvGrpSpPr/>
-        <p:nvPr/>
-      </p:nvGrpSpPr>
-      <p:grpSpPr>
-        <a:xfrm>
-          <a:off x="0" y="0"/>
-          <a:ext cx="0" cy="0"/>
-          <a:chOff x="0" y="0"/>
-          <a:chExt cx="0" cy="0"/>
-        </a:xfrm>
-      </p:grpSpPr>
-      <p:sp>
-        <p:nvSpPr>
-          <p:cNvPr id="300" name="Google Shape;300;p41"/>
-          <p:cNvSpPr txBox="1">
-            <a:spLocks noGrp="1"/>
-          </p:cNvSpPr>
-          <p:nvPr>
-            <p:ph type="title"/>
-          </p:nvPr>
-        </p:nvSpPr>
-        <p:spPr>
-          <a:xfrm>
-            <a:off x="691200" y="152400"/>
-            <a:ext cx="7761600" cy="969000"/>
-          </a:xfrm>
-          <a:prstGeom prst="rect">
-            <a:avLst/>
-          </a:prstGeom>
-        </p:spPr>
-        <p:txBody>
-          <a:bodyPr spcFirstLastPara="1" wrap="square" lIns="91425" tIns="91425" rIns="91425" bIns="91425" anchor="b" anchorCtr="0">
-            <a:noAutofit/>
-          </a:bodyPr>
-          <a:lstStyle/>
-          <a:p>
-            <a:pPr marL="0" lvl="0" indent="0" algn="l" rtl="0">
-              <a:spcBef>
-                <a:spcPts val="0"/>
-              </a:spcBef>
-              <a:spcAft>
-                <a:spcPts val="0"/>
-              </a:spcAft>
-              <a:buNone/>
-            </a:pPr>
-            <a:r>
-              <a:rPr lang="en" b="1" dirty="0"/>
-              <a:t>Python Library Documentation</a:t>
-            </a:r>
-            <a:endParaRPr b="1" dirty="0"/>
-          </a:p>
-        </p:txBody>
-      </p:sp>
-      <p:sp>
-        <p:nvSpPr>
-          <p:cNvPr id="301" name="Google Shape;301;p41"/>
-          <p:cNvSpPr txBox="1">
-            <a:spLocks noGrp="1"/>
-          </p:cNvSpPr>
-          <p:nvPr>
-            <p:ph type="body" idx="1"/>
-          </p:nvPr>
-        </p:nvSpPr>
-        <p:spPr>
-          <a:xfrm>
-            <a:off x="691200" y="1343775"/>
-            <a:ext cx="7761600" cy="2868900"/>
-          </a:xfrm>
-          <a:prstGeom prst="rect">
-            <a:avLst/>
-          </a:prstGeom>
-        </p:spPr>
-        <p:txBody>
-          <a:bodyPr spcFirstLastPara="1" wrap="square" lIns="91425" tIns="91425" rIns="91425" bIns="91425" anchor="t" anchorCtr="0">
-            <a:noAutofit/>
-          </a:bodyPr>
-          <a:lstStyle/>
-          <a:p>
-            <a:pPr marL="0" lvl="0" indent="0" algn="l" rtl="0">
-              <a:lnSpc>
-                <a:spcPct val="100000"/>
-              </a:lnSpc>
-              <a:spcBef>
-                <a:spcPts val="0"/>
-              </a:spcBef>
-              <a:spcAft>
-                <a:spcPts val="0"/>
-              </a:spcAft>
-              <a:buNone/>
-            </a:pPr>
-            <a:r>
-              <a:rPr lang="en" dirty="0"/>
-              <a:t>Each library we used today has its own documentation, for further reading. </a:t>
-            </a:r>
-            <a:endParaRPr dirty="0"/>
-          </a:p>
-          <a:p>
-            <a:pPr marL="457200" lvl="0" indent="-355600" algn="l" rtl="0">
-              <a:lnSpc>
-                <a:spcPct val="100000"/>
-              </a:lnSpc>
-              <a:spcBef>
-                <a:spcPts val="0"/>
-              </a:spcBef>
-              <a:spcAft>
-                <a:spcPts val="0"/>
-              </a:spcAft>
-              <a:buSzPts val="2000"/>
-              <a:buChar char="●"/>
-            </a:pPr>
-            <a:r>
-              <a:rPr lang="en" dirty="0" err="1"/>
-              <a:t>numpy</a:t>
-            </a:r>
-            <a:r>
-              <a:rPr lang="en" dirty="0"/>
-              <a:t> — </a:t>
-            </a:r>
-            <a:r>
-              <a:rPr lang="en" u="sng" dirty="0">
-                <a:solidFill>
-                  <a:schemeClr val="hlink"/>
-                </a:solidFill>
-                <a:hlinkClick r:id="rId3"/>
-              </a:rPr>
-              <a:t>docs</a:t>
-            </a:r>
-            <a:r>
-              <a:rPr lang="en" dirty="0"/>
-              <a:t> | </a:t>
-            </a:r>
-            <a:r>
-              <a:rPr lang="en" u="sng" dirty="0">
-                <a:solidFill>
-                  <a:schemeClr val="hlink"/>
-                </a:solidFill>
-                <a:hlinkClick r:id="rId4"/>
-              </a:rPr>
-              <a:t>user guide</a:t>
-            </a:r>
-            <a:endParaRPr dirty="0"/>
-          </a:p>
-          <a:p>
-            <a:pPr marL="457200" lvl="0" indent="-355600" algn="l" rtl="0">
-              <a:lnSpc>
-                <a:spcPct val="100000"/>
-              </a:lnSpc>
-              <a:spcBef>
-                <a:spcPts val="0"/>
-              </a:spcBef>
-              <a:spcAft>
-                <a:spcPts val="0"/>
-              </a:spcAft>
-              <a:buSzPts val="2000"/>
-              <a:buChar char="●"/>
-            </a:pPr>
-            <a:r>
-              <a:rPr lang="en" dirty="0"/>
-              <a:t>matplotlib — </a:t>
-            </a:r>
-            <a:r>
-              <a:rPr lang="en" u="sng" dirty="0">
-                <a:solidFill>
-                  <a:schemeClr val="hlink"/>
-                </a:solidFill>
-                <a:hlinkClick r:id="rId5"/>
-              </a:rPr>
-              <a:t>docs</a:t>
-            </a:r>
-            <a:r>
-              <a:rPr lang="en" dirty="0"/>
-              <a:t> | </a:t>
-            </a:r>
-            <a:r>
-              <a:rPr lang="en" u="sng" dirty="0">
-                <a:solidFill>
-                  <a:schemeClr val="hlink"/>
-                </a:solidFill>
-                <a:hlinkClick r:id="rId6"/>
-              </a:rPr>
-              <a:t>user guide</a:t>
-            </a:r>
-            <a:r>
-              <a:rPr lang="en" dirty="0"/>
-              <a:t> | </a:t>
-            </a:r>
-            <a:r>
-              <a:rPr lang="en" u="sng" dirty="0">
-                <a:solidFill>
-                  <a:schemeClr val="hlink"/>
-                </a:solidFill>
-                <a:hlinkClick r:id="rId7"/>
-              </a:rPr>
-              <a:t>cheatsheets</a:t>
-            </a:r>
-            <a:endParaRPr dirty="0"/>
-          </a:p>
-          <a:p>
-            <a:pPr marL="457200" lvl="0" indent="-355600" algn="l" rtl="0">
-              <a:lnSpc>
-                <a:spcPct val="100000"/>
-              </a:lnSpc>
-              <a:spcBef>
-                <a:spcPts val="0"/>
-              </a:spcBef>
-              <a:spcAft>
-                <a:spcPts val="0"/>
-              </a:spcAft>
-              <a:buSzPts val="2000"/>
-              <a:buChar char="●"/>
-            </a:pPr>
-            <a:r>
-              <a:rPr lang="en" dirty="0"/>
-              <a:t>glob — </a:t>
-            </a:r>
-            <a:r>
-              <a:rPr lang="en" u="sng" dirty="0">
-                <a:solidFill>
-                  <a:schemeClr val="hlink"/>
-                </a:solidFill>
-                <a:hlinkClick r:id="rId8"/>
-              </a:rPr>
-              <a:t>docs</a:t>
-            </a:r>
-            <a:endParaRPr lang="en" u="sng" dirty="0">
-              <a:solidFill>
-                <a:schemeClr val="hlink"/>
-              </a:solidFill>
-            </a:endParaRPr>
-          </a:p>
-          <a:p>
-            <a:pPr marL="101600" lvl="0" indent="0" algn="l" rtl="0">
-              <a:lnSpc>
-                <a:spcPct val="100000"/>
-              </a:lnSpc>
-              <a:spcBef>
-                <a:spcPts val="0"/>
-              </a:spcBef>
-              <a:spcAft>
-                <a:spcPts val="0"/>
-              </a:spcAft>
-              <a:buSzPts val="2000"/>
-              <a:buNone/>
-            </a:pPr>
-            <a:endParaRPr lang="en" u="sng" dirty="0">
-              <a:solidFill>
-                <a:schemeClr val="hlink"/>
-              </a:solidFill>
-            </a:endParaRPr>
-          </a:p>
-          <a:p>
-            <a:pPr marL="101600" lvl="0" indent="0" algn="l" rtl="0">
-              <a:lnSpc>
-                <a:spcPct val="100000"/>
-              </a:lnSpc>
-              <a:spcBef>
-                <a:spcPts val="0"/>
-              </a:spcBef>
-              <a:spcAft>
-                <a:spcPts val="0"/>
-              </a:spcAft>
-              <a:buSzPts val="2000"/>
-              <a:buNone/>
-            </a:pPr>
-            <a:r>
-              <a:rPr lang="en" dirty="0">
-                <a:solidFill>
-                  <a:schemeClr val="hlink"/>
-                </a:solidFill>
-              </a:rPr>
-              <a:t>Markdown</a:t>
-            </a:r>
-          </a:p>
-          <a:p>
-            <a:pPr>
-              <a:spcBef>
-                <a:spcPts val="0"/>
-              </a:spcBef>
-            </a:pPr>
-            <a:r>
-              <a:rPr lang="en-US" dirty="0">
-                <a:solidFill>
-                  <a:schemeClr val="hlink"/>
-                </a:solidFill>
-              </a:rPr>
-              <a:t>markdown – </a:t>
-            </a:r>
-            <a:r>
-              <a:rPr lang="en-US" dirty="0">
-                <a:solidFill>
-                  <a:schemeClr val="hlink"/>
-                </a:solidFill>
-                <a:hlinkClick r:id="rId9"/>
-              </a:rPr>
-              <a:t>guide</a:t>
-            </a:r>
-            <a:r>
-              <a:rPr lang="en-US" dirty="0">
-                <a:solidFill>
-                  <a:schemeClr val="hlink"/>
-                </a:solidFill>
-              </a:rPr>
-              <a:t> | </a:t>
-            </a:r>
-            <a:r>
-              <a:rPr lang="en-US" dirty="0">
-                <a:solidFill>
-                  <a:schemeClr val="hlink"/>
-                </a:solidFill>
-                <a:hlinkClick r:id="rId10"/>
-              </a:rPr>
-              <a:t>cheatsheet</a:t>
-            </a:r>
-            <a:r>
-              <a:rPr lang="en-US" dirty="0">
-                <a:solidFill>
-                  <a:schemeClr val="hlink"/>
-                </a:solidFill>
-              </a:rPr>
-              <a:t> </a:t>
-            </a:r>
-            <a:endParaRPr lang="en-US" dirty="0"/>
-          </a:p>
-          <a:p>
-            <a:pPr marL="101600" lvl="0" indent="0" algn="l" rtl="0">
-              <a:lnSpc>
-                <a:spcPct val="100000"/>
-              </a:lnSpc>
-              <a:spcBef>
-                <a:spcPts val="0"/>
-              </a:spcBef>
-              <a:spcAft>
-                <a:spcPts val="0"/>
-              </a:spcAft>
-              <a:buSzPts val="2000"/>
-              <a:buNone/>
-            </a:pPr>
-            <a:endParaRPr dirty="0"/>
-          </a:p>
-          <a:p>
-            <a:pPr marL="0" lvl="0" indent="0" algn="l" rtl="0">
-              <a:lnSpc>
-                <a:spcPct val="100000"/>
-              </a:lnSpc>
-              <a:spcBef>
-                <a:spcPts val="0"/>
-              </a:spcBef>
-              <a:spcAft>
-                <a:spcPts val="0"/>
-              </a:spcAft>
-              <a:buNone/>
-            </a:pPr>
-            <a:endParaRPr dirty="0"/>
-          </a:p>
-          <a:p>
-            <a:pPr marL="0" lvl="0" indent="0" algn="l" rtl="0">
-              <a:lnSpc>
-                <a:spcPct val="100000"/>
-              </a:lnSpc>
-              <a:spcBef>
-                <a:spcPts val="0"/>
-              </a:spcBef>
-              <a:spcAft>
-                <a:spcPts val="0"/>
-              </a:spcAft>
-              <a:buNone/>
-            </a:pPr>
-            <a:endParaRPr dirty="0"/>
-          </a:p>
-        </p:txBody>
-      </p:sp>
-    </p:spTree>
-  </p:cSld>
-  <p:clrMapOvr>
-    <a:masterClrMapping/>
-  </p:clrMapOvr>
-</p:sld>
-</file>
-
 <file path=ppt/slides/slide3.xml><?xml version="1.0" encoding="utf-8"?>
 <p:sld xmlns:a="http://schemas.openxmlformats.org/drawingml/2006/main" xmlns:r="http://schemas.openxmlformats.org/officeDocument/2006/relationships" xmlns:p="http://schemas.openxmlformats.org/presentationml/2006/main">
   <p:cSld>
@@ -16606,6 +16508,855 @@
           </a:prstGeom>
         </p:spPr>
       </p:pic>
+    </p:spTree>
+  </p:cSld>
+  <p:clrMapOvr>
+    <a:masterClrMapping/>
+  </p:clrMapOvr>
+</p:sld>
+</file>
+
+<file path=ppt/slides/slide30.xml><?xml version="1.0" encoding="utf-8"?>
+<p:sld xmlns:a="http://schemas.openxmlformats.org/drawingml/2006/main" xmlns:r="http://schemas.openxmlformats.org/officeDocument/2006/relationships" xmlns:p="http://schemas.openxmlformats.org/presentationml/2006/main">
+  <p:cSld>
+    <p:spTree>
+      <p:nvGrpSpPr>
+        <p:cNvPr id="1" name="Shape 281"/>
+        <p:cNvGrpSpPr/>
+        <p:nvPr/>
+      </p:nvGrpSpPr>
+      <p:grpSpPr>
+        <a:xfrm>
+          <a:off x="0" y="0"/>
+          <a:ext cx="0" cy="0"/>
+          <a:chOff x="0" y="0"/>
+          <a:chExt cx="0" cy="0"/>
+        </a:xfrm>
+      </p:grpSpPr>
+      <p:sp>
+        <p:nvSpPr>
+          <p:cNvPr id="282" name="Google Shape;282;p38"/>
+          <p:cNvSpPr txBox="1">
+            <a:spLocks noGrp="1"/>
+          </p:cNvSpPr>
+          <p:nvPr>
+            <p:ph type="title"/>
+          </p:nvPr>
+        </p:nvSpPr>
+        <p:spPr>
+          <a:xfrm>
+            <a:off x="691200" y="152400"/>
+            <a:ext cx="7761600" cy="969000"/>
+          </a:xfrm>
+          <a:prstGeom prst="rect">
+            <a:avLst/>
+          </a:prstGeom>
+        </p:spPr>
+        <p:txBody>
+          <a:bodyPr spcFirstLastPara="1" wrap="square" lIns="91425" tIns="91425" rIns="91425" bIns="91425" anchor="b" anchorCtr="0">
+            <a:noAutofit/>
+          </a:bodyPr>
+          <a:lstStyle/>
+          <a:p>
+            <a:pPr marL="0" lvl="0" indent="0" algn="l" rtl="0">
+              <a:spcBef>
+                <a:spcPts val="0"/>
+              </a:spcBef>
+              <a:spcAft>
+                <a:spcPts val="0"/>
+              </a:spcAft>
+              <a:buNone/>
+            </a:pPr>
+            <a:r>
+              <a:rPr lang="en"/>
+              <a:t>Acknowledgements</a:t>
+            </a:r>
+            <a:endParaRPr/>
+          </a:p>
+        </p:txBody>
+      </p:sp>
+      <p:sp>
+        <p:nvSpPr>
+          <p:cNvPr id="283" name="Google Shape;283;p38"/>
+          <p:cNvSpPr txBox="1">
+            <a:spLocks noGrp="1"/>
+          </p:cNvSpPr>
+          <p:nvPr>
+            <p:ph type="body" idx="1"/>
+          </p:nvPr>
+        </p:nvSpPr>
+        <p:spPr>
+          <a:xfrm>
+            <a:off x="691200" y="1343775"/>
+            <a:ext cx="7761600" cy="2868900"/>
+          </a:xfrm>
+          <a:prstGeom prst="rect">
+            <a:avLst/>
+          </a:prstGeom>
+        </p:spPr>
+        <p:txBody>
+          <a:bodyPr spcFirstLastPara="1" wrap="square" lIns="91425" tIns="91425" rIns="91425" bIns="91425" anchor="t" anchorCtr="0">
+            <a:noAutofit/>
+          </a:bodyPr>
+          <a:lstStyle/>
+          <a:p>
+            <a:pPr marL="0" lvl="0" indent="0" algn="l" rtl="0">
+              <a:spcBef>
+                <a:spcPts val="600"/>
+              </a:spcBef>
+              <a:spcAft>
+                <a:spcPts val="0"/>
+              </a:spcAft>
+              <a:buNone/>
+            </a:pPr>
+            <a:r>
+              <a:rPr lang="en" dirty="0"/>
+              <a:t>Some of this material, including the inflammation data, is adapted from the Carpentries, using a </a:t>
+            </a:r>
+            <a:r>
+              <a:rPr lang="en" u="sng" dirty="0">
+                <a:solidFill>
+                  <a:schemeClr val="hlink"/>
+                </a:solidFill>
+                <a:hlinkClick r:id="rId3"/>
+              </a:rPr>
+              <a:t>CC-BY-4.0 license</a:t>
+            </a:r>
+            <a:r>
+              <a:rPr lang="en" dirty="0"/>
+              <a:t>.</a:t>
+            </a:r>
+            <a:endParaRPr dirty="0"/>
+          </a:p>
+        </p:txBody>
+      </p:sp>
+    </p:spTree>
+  </p:cSld>
+  <p:clrMapOvr>
+    <a:masterClrMapping/>
+  </p:clrMapOvr>
+</p:sld>
+</file>
+
+<file path=ppt/slides/slide31.xml><?xml version="1.0" encoding="utf-8"?>
+<p:sld xmlns:a="http://schemas.openxmlformats.org/drawingml/2006/main" xmlns:r="http://schemas.openxmlformats.org/officeDocument/2006/relationships" xmlns:p="http://schemas.openxmlformats.org/presentationml/2006/main">
+  <p:cSld>
+    <p:spTree>
+      <p:nvGrpSpPr>
+        <p:cNvPr id="1" name="Shape 287"/>
+        <p:cNvGrpSpPr/>
+        <p:nvPr/>
+      </p:nvGrpSpPr>
+      <p:grpSpPr>
+        <a:xfrm>
+          <a:off x="0" y="0"/>
+          <a:ext cx="0" cy="0"/>
+          <a:chOff x="0" y="0"/>
+          <a:chExt cx="0" cy="0"/>
+        </a:xfrm>
+      </p:grpSpPr>
+      <p:sp>
+        <p:nvSpPr>
+          <p:cNvPr id="288" name="Google Shape;288;p39"/>
+          <p:cNvSpPr txBox="1">
+            <a:spLocks noGrp="1"/>
+          </p:cNvSpPr>
+          <p:nvPr>
+            <p:ph type="title"/>
+          </p:nvPr>
+        </p:nvSpPr>
+        <p:spPr>
+          <a:xfrm>
+            <a:off x="691200" y="152400"/>
+            <a:ext cx="7761600" cy="969000"/>
+          </a:xfrm>
+          <a:prstGeom prst="rect">
+            <a:avLst/>
+          </a:prstGeom>
+        </p:spPr>
+        <p:txBody>
+          <a:bodyPr spcFirstLastPara="1" wrap="square" lIns="91425" tIns="91425" rIns="91425" bIns="91425" anchor="b" anchorCtr="0">
+            <a:noAutofit/>
+          </a:bodyPr>
+          <a:lstStyle/>
+          <a:p>
+            <a:pPr marL="0" lvl="0" indent="0" algn="l" rtl="0">
+              <a:spcBef>
+                <a:spcPts val="0"/>
+              </a:spcBef>
+              <a:spcAft>
+                <a:spcPts val="0"/>
+              </a:spcAft>
+              <a:buNone/>
+            </a:pPr>
+            <a:r>
+              <a:rPr lang="en" dirty="0"/>
+              <a:t>General Python Documentation</a:t>
+            </a:r>
+            <a:endParaRPr dirty="0"/>
+          </a:p>
+        </p:txBody>
+      </p:sp>
+      <p:sp>
+        <p:nvSpPr>
+          <p:cNvPr id="289" name="Google Shape;289;p39"/>
+          <p:cNvSpPr txBox="1">
+            <a:spLocks noGrp="1"/>
+          </p:cNvSpPr>
+          <p:nvPr>
+            <p:ph type="body" idx="1"/>
+          </p:nvPr>
+        </p:nvSpPr>
+        <p:spPr>
+          <a:xfrm>
+            <a:off x="691200" y="1343775"/>
+            <a:ext cx="7761600" cy="2868900"/>
+          </a:xfrm>
+          <a:prstGeom prst="rect">
+            <a:avLst/>
+          </a:prstGeom>
+        </p:spPr>
+        <p:txBody>
+          <a:bodyPr spcFirstLastPara="1" wrap="square" lIns="91425" tIns="91425" rIns="91425" bIns="91425" anchor="t" anchorCtr="0">
+            <a:noAutofit/>
+          </a:bodyPr>
+          <a:lstStyle/>
+          <a:p>
+            <a:pPr marL="457200" lvl="0" indent="-342900" algn="l" rtl="0">
+              <a:spcBef>
+                <a:spcPts val="600"/>
+              </a:spcBef>
+              <a:spcAft>
+                <a:spcPts val="0"/>
+              </a:spcAft>
+              <a:buClr>
+                <a:srgbClr val="000000"/>
+              </a:buClr>
+              <a:buSzPts val="1800"/>
+              <a:buChar char="●"/>
+            </a:pPr>
+            <a:r>
+              <a:rPr lang="en" sz="1800" dirty="0">
+                <a:solidFill>
+                  <a:srgbClr val="000000"/>
+                </a:solidFill>
+              </a:rPr>
+              <a:t>Official Python docs: </a:t>
+            </a:r>
+            <a:r>
+              <a:rPr lang="en" sz="1800" u="sng" dirty="0">
+                <a:solidFill>
+                  <a:schemeClr val="hlink"/>
+                </a:solidFill>
+                <a:hlinkClick r:id="rId3"/>
+              </a:rPr>
+              <a:t>https://python.org</a:t>
+            </a:r>
+            <a:r>
+              <a:rPr lang="en" sz="1800" dirty="0">
+                <a:solidFill>
+                  <a:srgbClr val="000000"/>
+                </a:solidFill>
+              </a:rPr>
+              <a:t> </a:t>
+            </a:r>
+            <a:endParaRPr sz="1800" dirty="0">
+              <a:solidFill>
+                <a:srgbClr val="000000"/>
+              </a:solidFill>
+            </a:endParaRPr>
+          </a:p>
+          <a:p>
+            <a:pPr marL="914400" lvl="1" indent="-342900" algn="l" rtl="0">
+              <a:spcBef>
+                <a:spcPts val="0"/>
+              </a:spcBef>
+              <a:spcAft>
+                <a:spcPts val="0"/>
+              </a:spcAft>
+              <a:buClr>
+                <a:srgbClr val="000000"/>
+              </a:buClr>
+              <a:buSzPts val="1800"/>
+              <a:buChar char="○"/>
+            </a:pPr>
+            <a:r>
+              <a:rPr lang="en" sz="1800" dirty="0">
+                <a:solidFill>
+                  <a:srgbClr val="000000"/>
+                </a:solidFill>
+              </a:rPr>
+              <a:t>Beginner guide:</a:t>
+            </a:r>
+            <a:r>
+              <a:rPr lang="en" dirty="0">
+                <a:solidFill>
+                  <a:srgbClr val="000000"/>
+                </a:solidFill>
+              </a:rPr>
+              <a:t> </a:t>
+            </a:r>
+            <a:r>
+              <a:rPr lang="en" u="sng" dirty="0">
+                <a:solidFill>
+                  <a:schemeClr val="hlink"/>
+                </a:solidFill>
+                <a:hlinkClick r:id="rId4"/>
+              </a:rPr>
+              <a:t>https://wiki.python.org/moin/BeginnersGuide</a:t>
+            </a:r>
+            <a:r>
+              <a:rPr lang="en" dirty="0">
+                <a:solidFill>
+                  <a:srgbClr val="000000"/>
+                </a:solidFill>
+              </a:rPr>
+              <a:t> </a:t>
+            </a:r>
+            <a:endParaRPr dirty="0">
+              <a:solidFill>
+                <a:srgbClr val="000000"/>
+              </a:solidFill>
+            </a:endParaRPr>
+          </a:p>
+          <a:p>
+            <a:pPr marL="457200" lvl="0" indent="-342900" algn="l" rtl="0">
+              <a:spcBef>
+                <a:spcPts val="0"/>
+              </a:spcBef>
+              <a:spcAft>
+                <a:spcPts val="0"/>
+              </a:spcAft>
+              <a:buClr>
+                <a:srgbClr val="000000"/>
+              </a:buClr>
+              <a:buSzPts val="1800"/>
+              <a:buChar char="●"/>
+            </a:pPr>
+            <a:r>
+              <a:rPr lang="en" sz="1800" dirty="0" err="1">
+                <a:solidFill>
+                  <a:srgbClr val="000000"/>
+                </a:solidFill>
+              </a:rPr>
+              <a:t>Cheatsheets</a:t>
+            </a:r>
+            <a:r>
+              <a:rPr lang="en" sz="1800" dirty="0">
+                <a:solidFill>
+                  <a:srgbClr val="000000"/>
+                </a:solidFill>
+              </a:rPr>
+              <a:t>:</a:t>
+            </a:r>
+            <a:endParaRPr sz="1800" dirty="0">
+              <a:solidFill>
+                <a:srgbClr val="000000"/>
+              </a:solidFill>
+            </a:endParaRPr>
+          </a:p>
+          <a:p>
+            <a:pPr marL="914400" lvl="1" indent="-342900" algn="l" rtl="0">
+              <a:spcBef>
+                <a:spcPts val="0"/>
+              </a:spcBef>
+              <a:spcAft>
+                <a:spcPts val="0"/>
+              </a:spcAft>
+              <a:buClr>
+                <a:srgbClr val="000000"/>
+              </a:buClr>
+              <a:buSzPts val="1800"/>
+              <a:buChar char="○"/>
+            </a:pPr>
+            <a:r>
+              <a:rPr lang="en" dirty="0">
+                <a:solidFill>
+                  <a:srgbClr val="000000"/>
+                </a:solidFill>
+              </a:rPr>
+              <a:t>Python: </a:t>
+            </a:r>
+            <a:r>
+              <a:rPr lang="en" u="sng" dirty="0">
+                <a:solidFill>
+                  <a:schemeClr val="hlink"/>
+                </a:solidFill>
+                <a:hlinkClick r:id="rId5"/>
+              </a:rPr>
+              <a:t>https://www.pythoncheatsheet.org/</a:t>
+            </a:r>
+            <a:r>
+              <a:rPr lang="en" dirty="0">
+                <a:solidFill>
+                  <a:srgbClr val="000000"/>
+                </a:solidFill>
+              </a:rPr>
+              <a:t> + </a:t>
+            </a:r>
+            <a:r>
+              <a:rPr lang="en" u="sng" dirty="0">
+                <a:solidFill>
+                  <a:schemeClr val="hlink"/>
+                </a:solidFill>
+                <a:hlinkClick r:id="rId6"/>
+              </a:rPr>
+              <a:t>https://www.datacamp.com/cheat-sheet/getting-started-with-python-cheat-sheet</a:t>
+            </a:r>
+            <a:r>
+              <a:rPr lang="en" dirty="0">
+                <a:solidFill>
+                  <a:srgbClr val="000000"/>
+                </a:solidFill>
+              </a:rPr>
+              <a:t> </a:t>
+            </a:r>
+            <a:endParaRPr dirty="0">
+              <a:solidFill>
+                <a:srgbClr val="000000"/>
+              </a:solidFill>
+            </a:endParaRPr>
+          </a:p>
+          <a:p>
+            <a:pPr marL="457200" lvl="0" indent="-342900" algn="l" rtl="0">
+              <a:spcBef>
+                <a:spcPts val="0"/>
+              </a:spcBef>
+              <a:spcAft>
+                <a:spcPts val="0"/>
+              </a:spcAft>
+              <a:buClr>
+                <a:srgbClr val="000000"/>
+              </a:buClr>
+              <a:buSzPts val="1800"/>
+              <a:buChar char="●"/>
+            </a:pPr>
+            <a:r>
+              <a:rPr lang="en" sz="1800" dirty="0">
+                <a:solidFill>
+                  <a:srgbClr val="000000"/>
+                </a:solidFill>
+              </a:rPr>
+              <a:t>See more helpful learning resources (under Python)</a:t>
+            </a:r>
+            <a:r>
+              <a:rPr lang="en" dirty="0">
+                <a:solidFill>
+                  <a:srgbClr val="000000"/>
+                </a:solidFill>
+              </a:rPr>
+              <a:t>: </a:t>
+            </a:r>
+            <a:r>
+              <a:rPr lang="en" sz="1800" u="sng" dirty="0">
+                <a:solidFill>
+                  <a:schemeClr val="hlink"/>
+                </a:solidFill>
+                <a:hlinkClick r:id="rId7"/>
+              </a:rPr>
+              <a:t>https://library.medicine.yale.edu/research-data/learn-work-data</a:t>
+            </a:r>
+            <a:r>
+              <a:rPr lang="en" sz="1800" dirty="0">
+                <a:solidFill>
+                  <a:srgbClr val="000000"/>
+                </a:solidFill>
+              </a:rPr>
+              <a:t> </a:t>
+            </a:r>
+            <a:endParaRPr sz="1800" dirty="0">
+              <a:solidFill>
+                <a:srgbClr val="000000"/>
+              </a:solidFill>
+            </a:endParaRPr>
+          </a:p>
+        </p:txBody>
+      </p:sp>
+    </p:spTree>
+  </p:cSld>
+  <p:clrMapOvr>
+    <a:masterClrMapping/>
+  </p:clrMapOvr>
+</p:sld>
+</file>
+
+<file path=ppt/slides/slide32.xml><?xml version="1.0" encoding="utf-8"?>
+<p:sld xmlns:a="http://schemas.openxmlformats.org/drawingml/2006/main" xmlns:r="http://schemas.openxmlformats.org/officeDocument/2006/relationships" xmlns:p="http://schemas.openxmlformats.org/presentationml/2006/main">
+  <p:cSld>
+    <p:spTree>
+      <p:nvGrpSpPr>
+        <p:cNvPr id="1" name="Shape 299"/>
+        <p:cNvGrpSpPr/>
+        <p:nvPr/>
+      </p:nvGrpSpPr>
+      <p:grpSpPr>
+        <a:xfrm>
+          <a:off x="0" y="0"/>
+          <a:ext cx="0" cy="0"/>
+          <a:chOff x="0" y="0"/>
+          <a:chExt cx="0" cy="0"/>
+        </a:xfrm>
+      </p:grpSpPr>
+      <p:sp>
+        <p:nvSpPr>
+          <p:cNvPr id="300" name="Google Shape;300;p41"/>
+          <p:cNvSpPr txBox="1">
+            <a:spLocks noGrp="1"/>
+          </p:cNvSpPr>
+          <p:nvPr>
+            <p:ph type="title"/>
+          </p:nvPr>
+        </p:nvSpPr>
+        <p:spPr>
+          <a:xfrm>
+            <a:off x="691200" y="152400"/>
+            <a:ext cx="7761600" cy="969000"/>
+          </a:xfrm>
+          <a:prstGeom prst="rect">
+            <a:avLst/>
+          </a:prstGeom>
+        </p:spPr>
+        <p:txBody>
+          <a:bodyPr spcFirstLastPara="1" wrap="square" lIns="91425" tIns="91425" rIns="91425" bIns="91425" anchor="b" anchorCtr="0">
+            <a:noAutofit/>
+          </a:bodyPr>
+          <a:lstStyle/>
+          <a:p>
+            <a:pPr marL="0" lvl="0" indent="0" algn="l" rtl="0">
+              <a:spcBef>
+                <a:spcPts val="0"/>
+              </a:spcBef>
+              <a:spcAft>
+                <a:spcPts val="0"/>
+              </a:spcAft>
+              <a:buNone/>
+            </a:pPr>
+            <a:r>
+              <a:rPr lang="en" b="1" dirty="0"/>
+              <a:t>Python Library Documentation</a:t>
+            </a:r>
+            <a:endParaRPr b="1" dirty="0"/>
+          </a:p>
+        </p:txBody>
+      </p:sp>
+      <p:sp>
+        <p:nvSpPr>
+          <p:cNvPr id="301" name="Google Shape;301;p41"/>
+          <p:cNvSpPr txBox="1">
+            <a:spLocks noGrp="1"/>
+          </p:cNvSpPr>
+          <p:nvPr>
+            <p:ph type="body" idx="1"/>
+          </p:nvPr>
+        </p:nvSpPr>
+        <p:spPr>
+          <a:xfrm>
+            <a:off x="691200" y="1343775"/>
+            <a:ext cx="7761600" cy="2868900"/>
+          </a:xfrm>
+          <a:prstGeom prst="rect">
+            <a:avLst/>
+          </a:prstGeom>
+        </p:spPr>
+        <p:txBody>
+          <a:bodyPr spcFirstLastPara="1" wrap="square" lIns="91425" tIns="91425" rIns="91425" bIns="91425" anchor="t" anchorCtr="0">
+            <a:noAutofit/>
+          </a:bodyPr>
+          <a:lstStyle/>
+          <a:p>
+            <a:pPr marL="0" lvl="0" indent="0" algn="l" rtl="0">
+              <a:lnSpc>
+                <a:spcPct val="100000"/>
+              </a:lnSpc>
+              <a:spcBef>
+                <a:spcPts val="0"/>
+              </a:spcBef>
+              <a:spcAft>
+                <a:spcPts val="0"/>
+              </a:spcAft>
+              <a:buNone/>
+            </a:pPr>
+            <a:r>
+              <a:rPr lang="en" dirty="0"/>
+              <a:t>Each library we used today has its own documentation, for further reading. </a:t>
+            </a:r>
+            <a:endParaRPr dirty="0"/>
+          </a:p>
+          <a:p>
+            <a:pPr marL="457200" lvl="0" indent="-355600" algn="l" rtl="0">
+              <a:lnSpc>
+                <a:spcPct val="100000"/>
+              </a:lnSpc>
+              <a:spcBef>
+                <a:spcPts val="0"/>
+              </a:spcBef>
+              <a:spcAft>
+                <a:spcPts val="0"/>
+              </a:spcAft>
+              <a:buSzPts val="2000"/>
+              <a:buChar char="●"/>
+            </a:pPr>
+            <a:r>
+              <a:rPr lang="en" dirty="0" err="1"/>
+              <a:t>numpy</a:t>
+            </a:r>
+            <a:r>
+              <a:rPr lang="en" dirty="0"/>
+              <a:t> — </a:t>
+            </a:r>
+            <a:r>
+              <a:rPr lang="en" u="sng" dirty="0">
+                <a:solidFill>
+                  <a:schemeClr val="hlink"/>
+                </a:solidFill>
+                <a:hlinkClick r:id="rId3"/>
+              </a:rPr>
+              <a:t>docs</a:t>
+            </a:r>
+            <a:r>
+              <a:rPr lang="en" dirty="0"/>
+              <a:t> | </a:t>
+            </a:r>
+            <a:r>
+              <a:rPr lang="en" u="sng" dirty="0">
+                <a:solidFill>
+                  <a:schemeClr val="hlink"/>
+                </a:solidFill>
+                <a:hlinkClick r:id="rId4"/>
+              </a:rPr>
+              <a:t>user guide</a:t>
+            </a:r>
+            <a:endParaRPr dirty="0"/>
+          </a:p>
+          <a:p>
+            <a:pPr marL="457200" lvl="0" indent="-355600" algn="l" rtl="0">
+              <a:lnSpc>
+                <a:spcPct val="100000"/>
+              </a:lnSpc>
+              <a:spcBef>
+                <a:spcPts val="0"/>
+              </a:spcBef>
+              <a:spcAft>
+                <a:spcPts val="0"/>
+              </a:spcAft>
+              <a:buSzPts val="2000"/>
+              <a:buChar char="●"/>
+            </a:pPr>
+            <a:r>
+              <a:rPr lang="en" dirty="0"/>
+              <a:t>matplotlib — </a:t>
+            </a:r>
+            <a:r>
+              <a:rPr lang="en" u="sng" dirty="0">
+                <a:solidFill>
+                  <a:schemeClr val="hlink"/>
+                </a:solidFill>
+                <a:hlinkClick r:id="rId5"/>
+              </a:rPr>
+              <a:t>docs</a:t>
+            </a:r>
+            <a:r>
+              <a:rPr lang="en" dirty="0"/>
+              <a:t> | </a:t>
+            </a:r>
+            <a:r>
+              <a:rPr lang="en" u="sng" dirty="0">
+                <a:solidFill>
+                  <a:schemeClr val="hlink"/>
+                </a:solidFill>
+                <a:hlinkClick r:id="rId6"/>
+              </a:rPr>
+              <a:t>user guide</a:t>
+            </a:r>
+            <a:r>
+              <a:rPr lang="en" dirty="0"/>
+              <a:t> | </a:t>
+            </a:r>
+            <a:r>
+              <a:rPr lang="en" u="sng" dirty="0">
+                <a:solidFill>
+                  <a:schemeClr val="hlink"/>
+                </a:solidFill>
+                <a:hlinkClick r:id="rId7"/>
+              </a:rPr>
+              <a:t>cheatsheets</a:t>
+            </a:r>
+            <a:endParaRPr dirty="0"/>
+          </a:p>
+          <a:p>
+            <a:pPr marL="457200" lvl="0" indent="-355600" algn="l" rtl="0">
+              <a:lnSpc>
+                <a:spcPct val="100000"/>
+              </a:lnSpc>
+              <a:spcBef>
+                <a:spcPts val="0"/>
+              </a:spcBef>
+              <a:spcAft>
+                <a:spcPts val="0"/>
+              </a:spcAft>
+              <a:buSzPts val="2000"/>
+              <a:buChar char="●"/>
+            </a:pPr>
+            <a:r>
+              <a:rPr lang="en" dirty="0"/>
+              <a:t>glob — </a:t>
+            </a:r>
+            <a:r>
+              <a:rPr lang="en" u="sng" dirty="0">
+                <a:solidFill>
+                  <a:schemeClr val="hlink"/>
+                </a:solidFill>
+                <a:hlinkClick r:id="rId8"/>
+              </a:rPr>
+              <a:t>docs</a:t>
+            </a:r>
+            <a:endParaRPr lang="en" u="sng" dirty="0">
+              <a:solidFill>
+                <a:schemeClr val="hlink"/>
+              </a:solidFill>
+            </a:endParaRPr>
+          </a:p>
+          <a:p>
+            <a:pPr marL="101600" lvl="0" indent="0" algn="l" rtl="0">
+              <a:lnSpc>
+                <a:spcPct val="100000"/>
+              </a:lnSpc>
+              <a:spcBef>
+                <a:spcPts val="0"/>
+              </a:spcBef>
+              <a:spcAft>
+                <a:spcPts val="0"/>
+              </a:spcAft>
+              <a:buSzPts val="2000"/>
+              <a:buNone/>
+            </a:pPr>
+            <a:endParaRPr lang="en" u="sng" dirty="0">
+              <a:solidFill>
+                <a:schemeClr val="hlink"/>
+              </a:solidFill>
+            </a:endParaRPr>
+          </a:p>
+          <a:p>
+            <a:pPr marL="101600" lvl="0" indent="0" algn="l" rtl="0">
+              <a:lnSpc>
+                <a:spcPct val="100000"/>
+              </a:lnSpc>
+              <a:spcBef>
+                <a:spcPts val="0"/>
+              </a:spcBef>
+              <a:spcAft>
+                <a:spcPts val="0"/>
+              </a:spcAft>
+              <a:buSzPts val="2000"/>
+              <a:buNone/>
+            </a:pPr>
+            <a:r>
+              <a:rPr lang="en" dirty="0">
+                <a:solidFill>
+                  <a:schemeClr val="hlink"/>
+                </a:solidFill>
+              </a:rPr>
+              <a:t>Markdown</a:t>
+            </a:r>
+          </a:p>
+          <a:p>
+            <a:pPr>
+              <a:spcBef>
+                <a:spcPts val="0"/>
+              </a:spcBef>
+            </a:pPr>
+            <a:r>
+              <a:rPr lang="en-US" dirty="0">
+                <a:solidFill>
+                  <a:schemeClr val="hlink"/>
+                </a:solidFill>
+              </a:rPr>
+              <a:t>markdown – </a:t>
+            </a:r>
+            <a:r>
+              <a:rPr lang="en-US" dirty="0">
+                <a:solidFill>
+                  <a:schemeClr val="hlink"/>
+                </a:solidFill>
+                <a:hlinkClick r:id="rId9"/>
+              </a:rPr>
+              <a:t>guide</a:t>
+            </a:r>
+            <a:r>
+              <a:rPr lang="en-US" dirty="0">
+                <a:solidFill>
+                  <a:schemeClr val="hlink"/>
+                </a:solidFill>
+              </a:rPr>
+              <a:t> | </a:t>
+            </a:r>
+            <a:r>
+              <a:rPr lang="en-US" dirty="0">
+                <a:solidFill>
+                  <a:schemeClr val="hlink"/>
+                </a:solidFill>
+                <a:hlinkClick r:id="rId10"/>
+              </a:rPr>
+              <a:t>cheatsheet</a:t>
+            </a:r>
+            <a:r>
+              <a:rPr lang="en-US" dirty="0">
+                <a:solidFill>
+                  <a:schemeClr val="hlink"/>
+                </a:solidFill>
+              </a:rPr>
+              <a:t> </a:t>
+            </a:r>
+            <a:endParaRPr lang="en-US" dirty="0"/>
+          </a:p>
+          <a:p>
+            <a:pPr marL="101600" lvl="0" indent="0" algn="l" rtl="0">
+              <a:lnSpc>
+                <a:spcPct val="100000"/>
+              </a:lnSpc>
+              <a:spcBef>
+                <a:spcPts val="0"/>
+              </a:spcBef>
+              <a:spcAft>
+                <a:spcPts val="0"/>
+              </a:spcAft>
+              <a:buSzPts val="2000"/>
+              <a:buNone/>
+            </a:pPr>
+            <a:endParaRPr dirty="0"/>
+          </a:p>
+          <a:p>
+            <a:pPr marL="0" lvl="0" indent="0" algn="l" rtl="0">
+              <a:lnSpc>
+                <a:spcPct val="100000"/>
+              </a:lnSpc>
+              <a:spcBef>
+                <a:spcPts val="0"/>
+              </a:spcBef>
+              <a:spcAft>
+                <a:spcPts val="0"/>
+              </a:spcAft>
+              <a:buNone/>
+            </a:pPr>
+            <a:endParaRPr dirty="0"/>
+          </a:p>
+          <a:p>
+            <a:pPr marL="0" lvl="0" indent="0" algn="l" rtl="0">
+              <a:lnSpc>
+                <a:spcPct val="100000"/>
+              </a:lnSpc>
+              <a:spcBef>
+                <a:spcPts val="0"/>
+              </a:spcBef>
+              <a:spcAft>
+                <a:spcPts val="0"/>
+              </a:spcAft>
+              <a:buNone/>
+            </a:pPr>
+            <a:endParaRPr dirty="0"/>
+          </a:p>
+        </p:txBody>
+      </p:sp>
     </p:spTree>
   </p:cSld>
   <p:clrMapOvr>
@@ -17025,7 +17776,7 @@
               <a:buChar char="●"/>
             </a:pPr>
             <a:r>
-              <a:rPr lang="en" b="1">
+              <a:rPr lang="en" b="1" dirty="0">
                 <a:highlight>
                   <a:srgbClr val="B8DF72"/>
                 </a:highlight>
@@ -17033,14 +17784,26 @@
               <a:t>Coding</a:t>
             </a:r>
             <a:r>
-              <a:rPr lang="en" b="1"/>
+              <a:rPr lang="en" b="1" dirty="0"/>
               <a:t> — </a:t>
             </a:r>
             <a:r>
-              <a:rPr lang="en"/>
+              <a:rPr lang="en" dirty="0"/>
               <a:t>solving problems with a computer programming language</a:t>
             </a:r>
-            <a:endParaRPr/>
+          </a:p>
+          <a:p>
+            <a:pPr marL="101600" lvl="0" indent="0" algn="l" rtl="0">
+              <a:spcBef>
+                <a:spcPts val="600"/>
+              </a:spcBef>
+              <a:spcAft>
+                <a:spcPts val="0"/>
+              </a:spcAft>
+              <a:buSzPts val="2000"/>
+              <a:buNone/>
+            </a:pPr>
+            <a:endParaRPr dirty="0"/>
           </a:p>
           <a:p>
             <a:pPr marL="457200" lvl="0" indent="-355600" algn="l" rtl="0">
@@ -17054,7 +17817,7 @@
               <a:buChar char="●"/>
             </a:pPr>
             <a:r>
-              <a:rPr lang="en" b="1">
+              <a:rPr lang="en" b="1" dirty="0">
                 <a:highlight>
                   <a:srgbClr val="B8DF72"/>
                 </a:highlight>
@@ -17062,43 +17825,13 @@
               <a:t>Programming</a:t>
             </a:r>
             <a:r>
-              <a:rPr lang="en" b="1"/>
+              <a:rPr lang="en" b="1" dirty="0"/>
               <a:t> — </a:t>
             </a:r>
             <a:r>
-              <a:rPr lang="en"/>
+              <a:rPr lang="en" dirty="0"/>
               <a:t>the entire range of activities that happen before, during, and after large-scale coding such as planning, research, design, writing and running code, testing, troubleshooting, improving, maintaining </a:t>
             </a:r>
-            <a:endParaRPr/>
-          </a:p>
-          <a:p>
-            <a:pPr marL="457200" lvl="0" indent="-355600" algn="l" rtl="0">
-              <a:spcBef>
-                <a:spcPts val="0"/>
-              </a:spcBef>
-              <a:spcAft>
-                <a:spcPts val="0"/>
-              </a:spcAft>
-              <a:buSzPts val="2000"/>
-              <a:buChar char="●"/>
-            </a:pPr>
-            <a:r>
-              <a:rPr lang="en" b="1">
-                <a:highlight>
-                  <a:srgbClr val="B8DF72"/>
-                </a:highlight>
-              </a:rPr>
-              <a:t>Integrated development environment (IDE) </a:t>
-            </a:r>
-            <a:r>
-              <a:rPr lang="en" b="1"/>
-              <a:t>— </a:t>
-            </a:r>
-            <a:r>
-              <a:rPr lang="en"/>
-              <a:t>software designed specifically for coding, often in a particular language, which has features meant to improve your coding experience</a:t>
-            </a:r>
-            <a:endParaRPr/>
           </a:p>
         </p:txBody>
       </p:sp>
@@ -17115,7 +17848,7 @@
   <p:cSld>
     <p:spTree>
       <p:nvGrpSpPr>
-        <p:cNvPr id="1" name="Shape 163"/>
+        <p:cNvPr id="1" name=""/>
         <p:cNvGrpSpPr/>
         <p:nvPr/>
       </p:nvGrpSpPr>
@@ -17129,50 +17862,42 @@
       </p:grpSpPr>
       <p:sp>
         <p:nvSpPr>
-          <p:cNvPr id="164" name="Google Shape;164;p23"/>
-          <p:cNvSpPr txBox="1">
+          <p:cNvPr id="2" name="Title 1">
+            <a:extLst>
+              <a:ext uri="{FF2B5EF4-FFF2-40B4-BE49-F238E27FC236}">
+                <a16:creationId xmlns:a16="http://schemas.microsoft.com/office/drawing/2014/main" id="{7CE58A60-103D-CE7C-628F-CB1576BDDAA8}"/>
+              </a:ext>
+            </a:extLst>
+          </p:cNvPr>
+          <p:cNvSpPr>
             <a:spLocks noGrp="1"/>
           </p:cNvSpPr>
           <p:nvPr>
             <p:ph type="title"/>
           </p:nvPr>
         </p:nvSpPr>
-        <p:spPr>
-          <a:xfrm>
-            <a:off x="691200" y="152400"/>
-            <a:ext cx="7761600" cy="969000"/>
-          </a:xfrm>
-          <a:prstGeom prst="rect">
-            <a:avLst/>
-          </a:prstGeom>
-        </p:spPr>
+        <p:spPr/>
         <p:txBody>
-          <a:bodyPr spcFirstLastPara="1" wrap="square" lIns="91425" tIns="91425" rIns="91425" bIns="91425" anchor="b" anchorCtr="0">
-            <a:noAutofit/>
-          </a:bodyPr>
+          <a:bodyPr/>
           <a:lstStyle/>
           <a:p>
-            <a:pPr marL="0" lvl="0" indent="0" algn="l" rtl="0">
-              <a:spcBef>
-                <a:spcPts val="0"/>
-              </a:spcBef>
-              <a:spcAft>
-                <a:spcPts val="0"/>
-              </a:spcAft>
-              <a:buNone/>
-            </a:pPr>
-            <a:r>
-              <a:rPr lang="en" dirty="0"/>
-              <a:t>One more thing…</a:t>
-            </a:r>
-            <a:endParaRPr dirty="0"/>
+            <a:r>
+              <a:rPr lang="en-US" dirty="0"/>
+              <a:t>Where Can You Use Python?</a:t>
+            </a:r>
           </a:p>
         </p:txBody>
       </p:sp>
       <p:sp>
         <p:nvSpPr>
-          <p:cNvPr id="165" name="Google Shape;165;p23"/>
-          <p:cNvSpPr txBox="1">
+          <p:cNvPr id="3" name="Text Placeholder 2">
+            <a:extLst>
+              <a:ext uri="{FF2B5EF4-FFF2-40B4-BE49-F238E27FC236}">
+                <a16:creationId xmlns:a16="http://schemas.microsoft.com/office/drawing/2014/main" id="{5650D179-6221-D9DA-FCF6-1D4FC88C731D}"/>
+              </a:ext>
+            </a:extLst>
+          </p:cNvPr>
+          <p:cNvSpPr>
             <a:spLocks noGrp="1"/>
           </p:cNvSpPr>
           <p:nvPr>
@@ -17182,162 +17907,233 @@
         <p:spPr>
           <a:xfrm>
             <a:off x="691200" y="1343775"/>
-            <a:ext cx="4329374" cy="2868900"/>
-          </a:xfrm>
-          <a:prstGeom prst="rect">
-            <a:avLst/>
-          </a:prstGeom>
+            <a:ext cx="7761600" cy="3236692"/>
+          </a:xfrm>
         </p:spPr>
         <p:txBody>
-          <a:bodyPr spcFirstLastPara="1" wrap="square" lIns="91425" tIns="91425" rIns="91425" bIns="91425" anchor="t" anchorCtr="0">
-            <a:noAutofit/>
-          </a:bodyPr>
+          <a:bodyPr/>
           <a:lstStyle/>
           <a:p>
-            <a:pPr marL="457200" lvl="0" indent="-355600" algn="l" rtl="0">
-              <a:spcBef>
-                <a:spcPts val="600"/>
-              </a:spcBef>
-              <a:spcAft>
-                <a:spcPts val="0"/>
-              </a:spcAft>
-              <a:buSzPts val="2000"/>
-              <a:buChar char="●"/>
-            </a:pPr>
-            <a:r>
-              <a:rPr lang="en-US" dirty="0"/>
-              <a:t>It’s okay to make mistakes!</a:t>
-            </a:r>
-          </a:p>
-          <a:p>
-            <a:pPr marL="457200" lvl="0" indent="-355600" algn="l" rtl="0">
-              <a:spcBef>
-                <a:spcPts val="600"/>
-              </a:spcBef>
-              <a:spcAft>
-                <a:spcPts val="0"/>
-              </a:spcAft>
-              <a:buSzPts val="2000"/>
-              <a:buChar char="●"/>
-            </a:pPr>
-            <a:endParaRPr lang="en-US" dirty="0"/>
-          </a:p>
-          <a:p>
-            <a:pPr marL="457200" lvl="0" indent="-355600" algn="l" rtl="0">
-              <a:spcBef>
-                <a:spcPts val="600"/>
-              </a:spcBef>
-              <a:spcAft>
-                <a:spcPts val="0"/>
-              </a:spcAft>
-              <a:buSzPts val="2000"/>
-              <a:buChar char="●"/>
-            </a:pPr>
-            <a:r>
-              <a:rPr lang="en-US" dirty="0"/>
-              <a:t>Troubleshooting (i.e., debugging) is part of everyone’s day-to-day experience with coding, even for experts.</a:t>
-            </a:r>
-            <a:endParaRPr dirty="0"/>
-          </a:p>
-        </p:txBody>
-      </p:sp>
-      <p:pic>
-        <p:nvPicPr>
-          <p:cNvPr id="1026" name="Picture 2" descr="He doesn't. : r/ProgrammerHumor">
-            <a:extLst>
-              <a:ext uri="{FF2B5EF4-FFF2-40B4-BE49-F238E27FC236}">
-                <a16:creationId xmlns:a16="http://schemas.microsoft.com/office/drawing/2014/main" id="{7DBB0833-FD75-1CF3-D1A5-C03ECFED2311}"/>
-              </a:ext>
-            </a:extLst>
-          </p:cNvPr>
-          <p:cNvPicPr>
-            <a:picLocks noChangeAspect="1" noChangeArrowheads="1"/>
-          </p:cNvPicPr>
-          <p:nvPr/>
-        </p:nvPicPr>
-        <p:blipFill>
-          <a:blip r:embed="rId3">
-            <a:extLst>
-              <a:ext uri="{28A0092B-C50C-407E-A947-70E740481C1C}">
-                <a14:useLocalDpi xmlns:a14="http://schemas.microsoft.com/office/drawing/2010/main" val="0"/>
-              </a:ext>
-            </a:extLst>
-          </a:blip>
-          <a:srcRect/>
-          <a:stretch>
-            <a:fillRect/>
-          </a:stretch>
-        </p:blipFill>
-        <p:spPr bwMode="auto">
-          <a:xfrm>
-            <a:off x="5109893" y="1065209"/>
-            <a:ext cx="3067949" cy="3013081"/>
-          </a:xfrm>
-          <a:prstGeom prst="rect">
-            <a:avLst/>
-          </a:prstGeom>
-          <a:noFill/>
-          <a:extLst>
-            <a:ext uri="{909E8E84-426E-40DD-AFC4-6F175D3DCCD1}">
-              <a14:hiddenFill xmlns:a14="http://schemas.microsoft.com/office/drawing/2010/main">
+            <a:r>
+              <a:rPr lang="en-US" dirty="0">
                 <a:solidFill>
-                  <a:srgbClr val="FFFFFF"/>
+                  <a:schemeClr val="tx1"/>
                 </a:solidFill>
-              </a14:hiddenFill>
-            </a:ext>
-          </a:extLst>
-        </p:spPr>
-      </p:pic>
-      <p:sp>
-        <p:nvSpPr>
-          <p:cNvPr id="3" name="TextBox 2">
-            <a:extLst>
-              <a:ext uri="{FF2B5EF4-FFF2-40B4-BE49-F238E27FC236}">
-                <a16:creationId xmlns:a16="http://schemas.microsoft.com/office/drawing/2014/main" id="{EAE415AE-3F93-E0BD-95AF-AB930891F661}"/>
-              </a:ext>
-            </a:extLst>
-          </p:cNvPr>
-          <p:cNvSpPr txBox="1"/>
-          <p:nvPr/>
-        </p:nvSpPr>
-        <p:spPr>
-          <a:xfrm>
-            <a:off x="5526746" y="4212675"/>
-            <a:ext cx="2234242" cy="523220"/>
-          </a:xfrm>
-          <a:prstGeom prst="rect">
-            <a:avLst/>
-          </a:prstGeom>
-          <a:noFill/>
-        </p:spPr>
-        <p:txBody>
-          <a:bodyPr wrap="square" rtlCol="0">
-            <a:spAutoFit/>
-          </a:bodyPr>
-          <a:lstStyle/>
-          <a:p>
-            <a:r>
-              <a:rPr lang="en-US" dirty="0">
                 <a:latin typeface="Avenir Book" panose="02000503020000020003" pitchFamily="2" charset="0"/>
               </a:rPr>
-              <a:t>Via the Reddit community r/</a:t>
-            </a:r>
-            <a:r>
-              <a:rPr lang="en-US" dirty="0" err="1">
+              <a:t>In your Browser</a:t>
+            </a:r>
+          </a:p>
+          <a:p>
+            <a:pPr lvl="1"/>
+            <a:r>
+              <a:rPr lang="en-US" b="1" i="0" dirty="0" err="1">
+                <a:solidFill>
+                  <a:schemeClr val="tx1"/>
+                </a:solidFill>
+                <a:effectLst/>
                 <a:latin typeface="Avenir Book" panose="02000503020000020003" pitchFamily="2" charset="0"/>
               </a:rPr>
-              <a:t>ProgrammerHumor</a:t>
+              <a:t>Jupyter</a:t>
+            </a:r>
+            <a:r>
+              <a:rPr lang="en-US" b="1" i="0" dirty="0">
+                <a:solidFill>
+                  <a:schemeClr val="tx1"/>
+                </a:solidFill>
+                <a:effectLst/>
+                <a:latin typeface="Avenir Book" panose="02000503020000020003" pitchFamily="2" charset="0"/>
+              </a:rPr>
+              <a:t> Notebooks</a:t>
+            </a:r>
+            <a:r>
+              <a:rPr lang="en-US" b="0" i="0" dirty="0">
+                <a:solidFill>
+                  <a:schemeClr val="tx1"/>
+                </a:solidFill>
+                <a:effectLst/>
+                <a:latin typeface="Avenir Book" panose="02000503020000020003" pitchFamily="2" charset="0"/>
+              </a:rPr>
+              <a:t>: Interactive browser-based environments like </a:t>
+            </a:r>
+            <a:r>
+              <a:rPr lang="en-US" b="0" i="0" dirty="0" err="1">
+                <a:solidFill>
+                  <a:schemeClr val="tx1"/>
+                </a:solidFill>
+                <a:effectLst/>
+                <a:latin typeface="Avenir Book" panose="02000503020000020003" pitchFamily="2" charset="0"/>
+              </a:rPr>
+              <a:t>Jupyter</a:t>
+            </a:r>
+            <a:r>
+              <a:rPr lang="en-US" b="0" i="0" dirty="0">
+                <a:solidFill>
+                  <a:schemeClr val="tx1"/>
+                </a:solidFill>
+                <a:effectLst/>
+                <a:latin typeface="Avenir Book" panose="02000503020000020003" pitchFamily="2" charset="0"/>
+              </a:rPr>
+              <a:t> Lab or Google </a:t>
+            </a:r>
+            <a:r>
+              <a:rPr lang="en-US" b="0" i="0" dirty="0" err="1">
+                <a:solidFill>
+                  <a:schemeClr val="tx1"/>
+                </a:solidFill>
+                <a:effectLst/>
+                <a:latin typeface="Avenir Book" panose="02000503020000020003" pitchFamily="2" charset="0"/>
+              </a:rPr>
+              <a:t>Colab</a:t>
             </a:r>
             <a:endParaRPr lang="en-US" dirty="0">
+              <a:solidFill>
+                <a:schemeClr val="tx1"/>
+              </a:solidFill>
               <a:latin typeface="Avenir Book" panose="02000503020000020003" pitchFamily="2" charset="0"/>
             </a:endParaRPr>
+          </a:p>
+          <a:p>
+            <a:pPr lvl="1"/>
+            <a:r>
+              <a:rPr lang="en-US" b="1" i="0" dirty="0">
+                <a:solidFill>
+                  <a:schemeClr val="tx1"/>
+                </a:solidFill>
+                <a:effectLst/>
+                <a:latin typeface="Avenir Book" panose="02000503020000020003" pitchFamily="2" charset="0"/>
+              </a:rPr>
+              <a:t>Online Python interpreters</a:t>
+            </a:r>
+            <a:r>
+              <a:rPr lang="en-US" b="0" i="0" dirty="0">
+                <a:solidFill>
+                  <a:schemeClr val="tx1"/>
+                </a:solidFill>
+                <a:effectLst/>
+                <a:latin typeface="Avenir Book" panose="02000503020000020003" pitchFamily="2" charset="0"/>
+              </a:rPr>
+              <a:t>: Websites like </a:t>
+            </a:r>
+            <a:r>
+              <a:rPr lang="en-US" b="0" i="0" dirty="0" err="1">
+                <a:solidFill>
+                  <a:schemeClr val="tx1"/>
+                </a:solidFill>
+                <a:effectLst/>
+                <a:latin typeface="Avenir Book" panose="02000503020000020003" pitchFamily="2" charset="0"/>
+              </a:rPr>
+              <a:t>Replit</a:t>
+            </a:r>
+            <a:r>
+              <a:rPr lang="en-US" b="0" i="0" dirty="0">
+                <a:solidFill>
+                  <a:schemeClr val="tx1"/>
+                </a:solidFill>
+                <a:effectLst/>
+                <a:latin typeface="Avenir Book" panose="02000503020000020003" pitchFamily="2" charset="0"/>
+              </a:rPr>
+              <a:t>, Python Tutor, or Trinket</a:t>
+            </a:r>
+            <a:endParaRPr lang="en-US" dirty="0">
+              <a:solidFill>
+                <a:schemeClr val="tx1"/>
+              </a:solidFill>
+              <a:latin typeface="Avenir Book" panose="02000503020000020003" pitchFamily="2" charset="0"/>
+            </a:endParaRPr>
+          </a:p>
+          <a:p>
+            <a:r>
+              <a:rPr lang="en-US" dirty="0">
+                <a:solidFill>
+                  <a:schemeClr val="tx1"/>
+                </a:solidFill>
+                <a:latin typeface="Avenir Book" panose="02000503020000020003" pitchFamily="2" charset="0"/>
+              </a:rPr>
+              <a:t>On your computer</a:t>
+            </a:r>
+          </a:p>
+          <a:p>
+            <a:pPr lvl="1"/>
+            <a:r>
+              <a:rPr lang="en-US" b="1" i="0" dirty="0">
+                <a:solidFill>
+                  <a:schemeClr val="tx1"/>
+                </a:solidFill>
+                <a:effectLst/>
+                <a:latin typeface="Avenir Book" panose="02000503020000020003" pitchFamily="2" charset="0"/>
+              </a:rPr>
+              <a:t>Command line interface</a:t>
+            </a:r>
+            <a:r>
+              <a:rPr lang="en-US" b="0" i="0" dirty="0">
+                <a:solidFill>
+                  <a:schemeClr val="tx1"/>
+                </a:solidFill>
+                <a:effectLst/>
+                <a:latin typeface="Avenir Book" panose="02000503020000020003" pitchFamily="2" charset="0"/>
+              </a:rPr>
+              <a:t>: Running Python scripts through terminals or command prompts</a:t>
+            </a:r>
+          </a:p>
+          <a:p>
+            <a:pPr lvl="1"/>
+            <a:r>
+              <a:rPr lang="en-US" b="1" i="0" dirty="0">
+                <a:solidFill>
+                  <a:schemeClr val="tx1"/>
+                </a:solidFill>
+                <a:effectLst/>
+                <a:latin typeface="Avenir Book" panose="02000503020000020003" pitchFamily="2" charset="0"/>
+              </a:rPr>
+              <a:t>Integrated Development Environments (IDEs)</a:t>
+            </a:r>
+            <a:r>
+              <a:rPr lang="en-US" b="0" i="0" dirty="0">
+                <a:solidFill>
+                  <a:schemeClr val="tx1"/>
+                </a:solidFill>
+                <a:effectLst/>
+                <a:latin typeface="Avenir Book" panose="02000503020000020003" pitchFamily="2" charset="0"/>
+              </a:rPr>
+              <a:t>: Full-featured tools like PyCharm, VS Code, or Spyder</a:t>
+            </a:r>
+            <a:endParaRPr lang="en-US" dirty="0">
+              <a:solidFill>
+                <a:schemeClr val="tx1"/>
+              </a:solidFill>
+              <a:latin typeface="Avenir Book" panose="02000503020000020003" pitchFamily="2" charset="0"/>
+            </a:endParaRPr>
+          </a:p>
+          <a:p>
+            <a:r>
+              <a:rPr lang="en-US" dirty="0">
+                <a:solidFill>
+                  <a:schemeClr val="tx1"/>
+                </a:solidFill>
+                <a:latin typeface="Avenir Book" panose="02000503020000020003" pitchFamily="2" charset="0"/>
+              </a:rPr>
+              <a:t>In the cloud</a:t>
+            </a:r>
+          </a:p>
+          <a:p>
+            <a:pPr lvl="1"/>
+            <a:r>
+              <a:rPr lang="en-US" dirty="0">
+                <a:solidFill>
+                  <a:schemeClr val="tx1"/>
+                </a:solidFill>
+                <a:latin typeface="Avenir Book" panose="02000503020000020003" pitchFamily="2" charset="0"/>
+              </a:rPr>
+              <a:t>AWS, GCP, MS Azure</a:t>
+            </a:r>
           </a:p>
         </p:txBody>
       </p:sp>
     </p:spTree>
     <p:extLst>
       <p:ext uri="{BB962C8B-B14F-4D97-AF65-F5344CB8AC3E}">
-        <p14:creationId xmlns:p14="http://schemas.microsoft.com/office/powerpoint/2010/main" val="3848548198"/>
+        <p14:creationId xmlns:p14="http://schemas.microsoft.com/office/powerpoint/2010/main" val="2562183461"/>
       </p:ext>
     </p:extLst>
   </p:cSld>
@@ -17352,7 +18148,7 @@
   <p:cSld>
     <p:spTree>
       <p:nvGrpSpPr>
-        <p:cNvPr id="1" name="Shape 175"/>
+        <p:cNvPr id="1" name=""/>
         <p:cNvGrpSpPr/>
         <p:nvPr/>
       </p:nvGrpSpPr>
@@ -17366,56 +18162,142 @@
       </p:grpSpPr>
       <p:sp>
         <p:nvSpPr>
-          <p:cNvPr id="176" name="Google Shape;176;p25"/>
-          <p:cNvSpPr txBox="1">
+          <p:cNvPr id="2" name="Title 1">
+            <a:extLst>
+              <a:ext uri="{FF2B5EF4-FFF2-40B4-BE49-F238E27FC236}">
+                <a16:creationId xmlns:a16="http://schemas.microsoft.com/office/drawing/2014/main" id="{3C521D97-C9FB-2714-63D9-B30BB2B1EFEC}"/>
+              </a:ext>
+            </a:extLst>
+          </p:cNvPr>
+          <p:cNvSpPr>
             <a:spLocks noGrp="1"/>
           </p:cNvSpPr>
           <p:nvPr>
-            <p:ph type="ctrTitle"/>
+            <p:ph type="title"/>
           </p:nvPr>
         </p:nvSpPr>
-        <p:spPr>
-          <a:xfrm>
-            <a:off x="685800" y="2897794"/>
-            <a:ext cx="4505400" cy="1432800"/>
-          </a:xfrm>
-          <a:prstGeom prst="rect">
-            <a:avLst/>
-          </a:prstGeom>
-        </p:spPr>
+        <p:spPr/>
         <p:txBody>
-          <a:bodyPr spcFirstLastPara="1" wrap="square" lIns="91425" tIns="91425" rIns="91425" bIns="91425" anchor="b" anchorCtr="0">
-            <a:noAutofit/>
-          </a:bodyPr>
+          <a:bodyPr/>
           <a:lstStyle/>
           <a:p>
-            <a:pPr marL="0" lvl="0" indent="0" algn="r" rtl="0">
-              <a:spcBef>
-                <a:spcPts val="0"/>
-              </a:spcBef>
-              <a:spcAft>
-                <a:spcPts val="0"/>
-              </a:spcAft>
-              <a:buNone/>
-            </a:pPr>
-            <a:r>
-              <a:rPr lang="en" dirty="0"/>
-              <a:t>Python basics</a:t>
-            </a:r>
-            <a:endParaRPr dirty="0"/>
+            <a:r>
+              <a:rPr lang="en-US" dirty="0">
+                <a:solidFill>
+                  <a:schemeClr val="tx1"/>
+                </a:solidFill>
+              </a:rPr>
+              <a:t>Two Ways to Write Python</a:t>
+            </a:r>
           </a:p>
         </p:txBody>
       </p:sp>
       <p:sp>
         <p:nvSpPr>
-          <p:cNvPr id="177" name="Google Shape;177;p25"/>
-          <p:cNvSpPr txBox="1"/>
+          <p:cNvPr id="3" name="Text Placeholder 2">
+            <a:extLst>
+              <a:ext uri="{FF2B5EF4-FFF2-40B4-BE49-F238E27FC236}">
+                <a16:creationId xmlns:a16="http://schemas.microsoft.com/office/drawing/2014/main" id="{5FBD8FB4-744B-9B0A-EDE0-A281245ECD8D}"/>
+              </a:ext>
+            </a:extLst>
+          </p:cNvPr>
+          <p:cNvSpPr>
+            <a:spLocks noGrp="1"/>
+          </p:cNvSpPr>
+          <p:nvPr>
+            <p:ph type="body" idx="1"/>
+          </p:nvPr>
+        </p:nvSpPr>
+        <p:spPr>
+          <a:xfrm>
+            <a:off x="691200" y="1343775"/>
+            <a:ext cx="3369171" cy="2868900"/>
+          </a:xfrm>
+        </p:spPr>
+        <p:txBody>
+          <a:bodyPr/>
+          <a:lstStyle/>
+          <a:p>
+            <a:r>
+              <a:rPr lang="en-US" dirty="0"/>
+              <a:t>Scripts (.</a:t>
+            </a:r>
+            <a:r>
+              <a:rPr lang="en-US" dirty="0" err="1"/>
+              <a:t>py</a:t>
+            </a:r>
+            <a:r>
+              <a:rPr lang="en-US" dirty="0"/>
+              <a:t>)</a:t>
+            </a:r>
+          </a:p>
+          <a:p>
+            <a:endParaRPr lang="en-US" dirty="0"/>
+          </a:p>
+          <a:p>
+            <a:pPr lvl="1"/>
+            <a:r>
+              <a:rPr lang="en-US" dirty="0"/>
+              <a:t>Plain Text Files</a:t>
+            </a:r>
+          </a:p>
+          <a:p>
+            <a:pPr lvl="1"/>
+            <a:endParaRPr lang="en-US" dirty="0"/>
+          </a:p>
+          <a:p>
+            <a:pPr lvl="1"/>
+            <a:r>
+              <a:rPr lang="en-US" dirty="0"/>
+              <a:t>Run all at once</a:t>
+            </a:r>
+          </a:p>
+          <a:p>
+            <a:pPr lvl="1"/>
+            <a:endParaRPr lang="en-US" dirty="0"/>
+          </a:p>
+          <a:p>
+            <a:pPr lvl="1"/>
+            <a:r>
+              <a:rPr lang="en-US" dirty="0"/>
+              <a:t>Used for applications</a:t>
+            </a:r>
+          </a:p>
+          <a:p>
+            <a:pPr lvl="1"/>
+            <a:endParaRPr lang="en-US" dirty="0"/>
+          </a:p>
+          <a:p>
+            <a:pPr lvl="1"/>
+            <a:r>
+              <a:rPr lang="en-US" dirty="0"/>
+              <a:t>Used for batch programming jobs</a:t>
+            </a:r>
+          </a:p>
+          <a:p>
+            <a:pPr lvl="1"/>
+            <a:endParaRPr lang="en-US" dirty="0"/>
+          </a:p>
+        </p:txBody>
+      </p:sp>
+      <p:sp>
+        <p:nvSpPr>
+          <p:cNvPr id="5" name="Text Placeholder 2">
+            <a:extLst>
+              <a:ext uri="{FF2B5EF4-FFF2-40B4-BE49-F238E27FC236}">
+                <a16:creationId xmlns:a16="http://schemas.microsoft.com/office/drawing/2014/main" id="{0EBEC805-C076-9B62-182A-253A04D7DE45}"/>
+              </a:ext>
+            </a:extLst>
+          </p:cNvPr>
+          <p:cNvSpPr txBox="1">
+            <a:spLocks/>
+          </p:cNvSpPr>
           <p:nvPr/>
         </p:nvSpPr>
         <p:spPr>
           <a:xfrm>
-            <a:off x="6671163" y="3188100"/>
-            <a:ext cx="1257900" cy="284400"/>
+            <a:off x="4572000" y="1343775"/>
+            <a:ext cx="3788229" cy="2868900"/>
           </a:xfrm>
           <a:prstGeom prst="rect">
             <a:avLst/>
@@ -17429,81 +18311,330 @@
           <a:bodyPr spcFirstLastPara="1" wrap="square" lIns="91425" tIns="91425" rIns="91425" bIns="91425" anchor="t" anchorCtr="0">
             <a:noAutofit/>
           </a:bodyPr>
-          <a:lstStyle/>
-          <a:p>
-            <a:pPr marL="0" lvl="0" indent="0" algn="ctr" rtl="0">
-              <a:spcBef>
-                <a:spcPts val="0"/>
-              </a:spcBef>
-              <a:spcAft>
-                <a:spcPts val="0"/>
-              </a:spcAft>
-              <a:buNone/>
-            </a:pPr>
-            <a:r>
-              <a:rPr lang="en" sz="2000">
+          <a:lstStyle>
+            <a:defPPr marR="0" lvl="0" algn="l" rtl="0">
+              <a:lnSpc>
+                <a:spcPct val="100000"/>
+              </a:lnSpc>
+              <a:spcBef>
+                <a:spcPts val="0"/>
+              </a:spcBef>
+              <a:spcAft>
+                <a:spcPts val="0"/>
+              </a:spcAft>
+            </a:defPPr>
+            <a:lvl1pPr marL="457200" marR="0" lvl="0" indent="-355600" algn="l" rtl="0">
+              <a:lnSpc>
+                <a:spcPct val="100000"/>
+              </a:lnSpc>
+              <a:spcBef>
+                <a:spcPts val="600"/>
+              </a:spcBef>
+              <a:spcAft>
+                <a:spcPts val="0"/>
+              </a:spcAft>
+              <a:buClr>
+                <a:srgbClr val="00A0AB"/>
+              </a:buClr>
+              <a:buSzPts val="2000"/>
+              <a:buFont typeface="Avenir"/>
+              <a:buChar char="●"/>
+              <a:defRPr sz="2000" b="0" i="0" u="none" strike="noStrike" cap="none">
                 <a:solidFill>
-                  <a:schemeClr val="lt1"/>
+                  <a:schemeClr val="dk1"/>
                 </a:solidFill>
                 <a:latin typeface="Avenir"/>
                 <a:ea typeface="Avenir"/>
                 <a:cs typeface="Avenir"/>
                 <a:sym typeface="Avenir"/>
-              </a:rPr>
-              <a:t>x = 75</a:t>
-            </a:r>
-            <a:endParaRPr sz="2000">
-              <a:solidFill>
-                <a:schemeClr val="lt1"/>
-              </a:solidFill>
-              <a:latin typeface="Avenir"/>
-              <a:ea typeface="Avenir"/>
-              <a:cs typeface="Avenir"/>
-              <a:sym typeface="Avenir"/>
-            </a:endParaRPr>
+              </a:defRPr>
+            </a:lvl1pPr>
+            <a:lvl2pPr marL="914400" marR="0" lvl="1" indent="-342900" algn="l" rtl="0">
+              <a:lnSpc>
+                <a:spcPct val="100000"/>
+              </a:lnSpc>
+              <a:spcBef>
+                <a:spcPts val="0"/>
+              </a:spcBef>
+              <a:spcAft>
+                <a:spcPts val="0"/>
+              </a:spcAft>
+              <a:buClr>
+                <a:srgbClr val="00A0AB"/>
+              </a:buClr>
+              <a:buSzPts val="1800"/>
+              <a:buFont typeface="Avenir"/>
+              <a:buChar char="○"/>
+              <a:defRPr sz="1800" b="0" i="0" u="none" strike="noStrike" cap="none">
+                <a:solidFill>
+                  <a:schemeClr val="dk1"/>
+                </a:solidFill>
+                <a:latin typeface="Avenir"/>
+                <a:ea typeface="Avenir"/>
+                <a:cs typeface="Avenir"/>
+                <a:sym typeface="Avenir"/>
+              </a:defRPr>
+            </a:lvl2pPr>
+            <a:lvl3pPr marL="1371600" marR="0" lvl="2" indent="-342900" algn="l" rtl="0">
+              <a:lnSpc>
+                <a:spcPct val="100000"/>
+              </a:lnSpc>
+              <a:spcBef>
+                <a:spcPts val="0"/>
+              </a:spcBef>
+              <a:spcAft>
+                <a:spcPts val="0"/>
+              </a:spcAft>
+              <a:buClr>
+                <a:schemeClr val="accent2"/>
+              </a:buClr>
+              <a:buSzPts val="1800"/>
+              <a:buFont typeface="Avenir"/>
+              <a:buChar char="■"/>
+              <a:defRPr sz="1800" b="0" i="0" u="none" strike="noStrike" cap="none">
+                <a:solidFill>
+                  <a:schemeClr val="dk1"/>
+                </a:solidFill>
+                <a:latin typeface="Avenir"/>
+                <a:ea typeface="Avenir"/>
+                <a:cs typeface="Avenir"/>
+                <a:sym typeface="Avenir"/>
+              </a:defRPr>
+            </a:lvl3pPr>
+            <a:lvl4pPr marL="1828800" marR="0" lvl="3" indent="-342900" algn="l" rtl="0">
+              <a:lnSpc>
+                <a:spcPct val="100000"/>
+              </a:lnSpc>
+              <a:spcBef>
+                <a:spcPts val="0"/>
+              </a:spcBef>
+              <a:spcAft>
+                <a:spcPts val="0"/>
+              </a:spcAft>
+              <a:buClr>
+                <a:schemeClr val="dk1"/>
+              </a:buClr>
+              <a:buSzPts val="1800"/>
+              <a:buFont typeface="Avenir"/>
+              <a:buChar char="●"/>
+              <a:defRPr sz="1800" b="0" i="0" u="none" strike="noStrike" cap="none">
+                <a:solidFill>
+                  <a:schemeClr val="dk1"/>
+                </a:solidFill>
+                <a:latin typeface="Avenir"/>
+                <a:ea typeface="Avenir"/>
+                <a:cs typeface="Avenir"/>
+                <a:sym typeface="Avenir"/>
+              </a:defRPr>
+            </a:lvl4pPr>
+            <a:lvl5pPr marL="2286000" marR="0" lvl="4" indent="-342900" algn="l" rtl="0">
+              <a:lnSpc>
+                <a:spcPct val="100000"/>
+              </a:lnSpc>
+              <a:spcBef>
+                <a:spcPts val="0"/>
+              </a:spcBef>
+              <a:spcAft>
+                <a:spcPts val="0"/>
+              </a:spcAft>
+              <a:buClr>
+                <a:schemeClr val="dk1"/>
+              </a:buClr>
+              <a:buSzPts val="1800"/>
+              <a:buFont typeface="Avenir"/>
+              <a:buChar char="○"/>
+              <a:defRPr sz="1800" b="0" i="0" u="none" strike="noStrike" cap="none">
+                <a:solidFill>
+                  <a:schemeClr val="dk1"/>
+                </a:solidFill>
+                <a:latin typeface="Avenir"/>
+                <a:ea typeface="Avenir"/>
+                <a:cs typeface="Avenir"/>
+                <a:sym typeface="Avenir"/>
+              </a:defRPr>
+            </a:lvl5pPr>
+            <a:lvl6pPr marL="2743200" marR="0" lvl="5" indent="-342900" algn="l" rtl="0">
+              <a:lnSpc>
+                <a:spcPct val="100000"/>
+              </a:lnSpc>
+              <a:spcBef>
+                <a:spcPts val="0"/>
+              </a:spcBef>
+              <a:spcAft>
+                <a:spcPts val="0"/>
+              </a:spcAft>
+              <a:buClr>
+                <a:schemeClr val="dk1"/>
+              </a:buClr>
+              <a:buSzPts val="1800"/>
+              <a:buFont typeface="Avenir"/>
+              <a:buChar char="■"/>
+              <a:defRPr sz="1800" b="0" i="0" u="none" strike="noStrike" cap="none">
+                <a:solidFill>
+                  <a:schemeClr val="dk1"/>
+                </a:solidFill>
+                <a:latin typeface="Avenir"/>
+                <a:ea typeface="Avenir"/>
+                <a:cs typeface="Avenir"/>
+                <a:sym typeface="Avenir"/>
+              </a:defRPr>
+            </a:lvl6pPr>
+            <a:lvl7pPr marL="3200400" marR="0" lvl="6" indent="-342900" algn="l" rtl="0">
+              <a:lnSpc>
+                <a:spcPct val="100000"/>
+              </a:lnSpc>
+              <a:spcBef>
+                <a:spcPts val="0"/>
+              </a:spcBef>
+              <a:spcAft>
+                <a:spcPts val="0"/>
+              </a:spcAft>
+              <a:buClr>
+                <a:schemeClr val="dk1"/>
+              </a:buClr>
+              <a:buSzPts val="1800"/>
+              <a:buFont typeface="Avenir"/>
+              <a:buChar char="●"/>
+              <a:defRPr sz="1800" b="0" i="0" u="none" strike="noStrike" cap="none">
+                <a:solidFill>
+                  <a:schemeClr val="dk1"/>
+                </a:solidFill>
+                <a:latin typeface="Avenir"/>
+                <a:ea typeface="Avenir"/>
+                <a:cs typeface="Avenir"/>
+                <a:sym typeface="Avenir"/>
+              </a:defRPr>
+            </a:lvl7pPr>
+            <a:lvl8pPr marL="3657600" marR="0" lvl="7" indent="-342900" algn="l" rtl="0">
+              <a:lnSpc>
+                <a:spcPct val="100000"/>
+              </a:lnSpc>
+              <a:spcBef>
+                <a:spcPts val="0"/>
+              </a:spcBef>
+              <a:spcAft>
+                <a:spcPts val="0"/>
+              </a:spcAft>
+              <a:buClr>
+                <a:schemeClr val="dk1"/>
+              </a:buClr>
+              <a:buSzPts val="1800"/>
+              <a:buFont typeface="Avenir"/>
+              <a:buChar char="○"/>
+              <a:defRPr sz="1800" b="0" i="0" u="none" strike="noStrike" cap="none">
+                <a:solidFill>
+                  <a:schemeClr val="dk1"/>
+                </a:solidFill>
+                <a:latin typeface="Avenir"/>
+                <a:ea typeface="Avenir"/>
+                <a:cs typeface="Avenir"/>
+                <a:sym typeface="Avenir"/>
+              </a:defRPr>
+            </a:lvl8pPr>
+            <a:lvl9pPr marL="4114800" marR="0" lvl="8" indent="-342900" algn="l" rtl="0">
+              <a:lnSpc>
+                <a:spcPct val="100000"/>
+              </a:lnSpc>
+              <a:spcBef>
+                <a:spcPts val="0"/>
+              </a:spcBef>
+              <a:spcAft>
+                <a:spcPts val="0"/>
+              </a:spcAft>
+              <a:buClr>
+                <a:schemeClr val="dk1"/>
+              </a:buClr>
+              <a:buSzPts val="1800"/>
+              <a:buFont typeface="Avenir"/>
+              <a:buChar char="■"/>
+              <a:defRPr sz="1800" b="0" i="0" u="none" strike="noStrike" cap="none">
+                <a:solidFill>
+                  <a:schemeClr val="dk1"/>
+                </a:solidFill>
+                <a:latin typeface="Avenir"/>
+                <a:ea typeface="Avenir"/>
+                <a:cs typeface="Avenir"/>
+                <a:sym typeface="Avenir"/>
+              </a:defRPr>
+            </a:lvl9pPr>
+          </a:lstStyle>
+          <a:p>
+            <a:r>
+              <a:rPr lang="en-US" dirty="0"/>
+              <a:t>Notebooks (.</a:t>
+            </a:r>
+            <a:r>
+              <a:rPr lang="en-US" dirty="0" err="1"/>
+              <a:t>ipynb</a:t>
+            </a:r>
+            <a:r>
+              <a:rPr lang="en-US" dirty="0"/>
+              <a:t>)</a:t>
+            </a:r>
+          </a:p>
+          <a:p>
+            <a:endParaRPr lang="en-US" dirty="0"/>
+          </a:p>
+          <a:p>
+            <a:pPr lvl="1"/>
+            <a:r>
+              <a:rPr lang="en-US" dirty="0"/>
+              <a:t>Interactive Documents</a:t>
+            </a:r>
+          </a:p>
+          <a:p>
+            <a:pPr lvl="1"/>
+            <a:endParaRPr lang="en-US" dirty="0"/>
+          </a:p>
+          <a:p>
+            <a:pPr lvl="1"/>
+            <a:r>
+              <a:rPr lang="en-US" dirty="0"/>
+              <a:t>Run cell by cell</a:t>
+            </a:r>
+          </a:p>
+          <a:p>
+            <a:pPr lvl="1"/>
+            <a:endParaRPr lang="en-US" dirty="0"/>
+          </a:p>
+          <a:p>
+            <a:pPr lvl="1"/>
+            <a:r>
+              <a:rPr lang="en-US" dirty="0"/>
+              <a:t>Used for exploration</a:t>
+            </a:r>
+          </a:p>
+          <a:p>
+            <a:pPr lvl="2"/>
+            <a:r>
+              <a:rPr lang="en-US" dirty="0"/>
+              <a:t>Data</a:t>
+            </a:r>
+          </a:p>
+          <a:p>
+            <a:pPr lvl="2"/>
+            <a:r>
+              <a:rPr lang="en-US" dirty="0"/>
+              <a:t>Analysis</a:t>
+            </a:r>
+          </a:p>
+          <a:p>
+            <a:pPr lvl="2"/>
+            <a:r>
+              <a:rPr lang="en-US" dirty="0"/>
+              <a:t>Visualization</a:t>
+            </a:r>
+          </a:p>
+          <a:p>
+            <a:pPr lvl="2"/>
+            <a:endParaRPr lang="en-US" dirty="0"/>
           </a:p>
         </p:txBody>
       </p:sp>
-      <p:pic>
-        <p:nvPicPr>
-          <p:cNvPr id="3" name="Graphic 2" descr="Basic Shapes outline">
-            <a:extLst>
-              <a:ext uri="{FF2B5EF4-FFF2-40B4-BE49-F238E27FC236}">
-                <a16:creationId xmlns:a16="http://schemas.microsoft.com/office/drawing/2014/main" id="{9CD8A54C-7104-ED7D-92FE-23E3DE7C6164}"/>
-              </a:ext>
-            </a:extLst>
-          </p:cNvPr>
-          <p:cNvPicPr>
-            <a:picLocks noChangeAspect="1"/>
-          </p:cNvPicPr>
-          <p:nvPr/>
-        </p:nvPicPr>
-        <p:blipFill>
-          <a:blip r:embed="rId3">
-            <a:extLst>
-              <a:ext uri="{96DAC541-7B7A-43D3-8B79-37D633B846F1}">
-                <asvg:svgBlip xmlns:asvg="http://schemas.microsoft.com/office/drawing/2016/SVG/main" r:embed="rId4"/>
-              </a:ext>
-            </a:extLst>
-          </a:blip>
-          <a:stretch>
-            <a:fillRect/>
-          </a:stretch>
-        </p:blipFill>
-        <p:spPr>
-          <a:xfrm>
-            <a:off x="6671163" y="2897794"/>
-            <a:ext cx="1504223" cy="1504223"/>
-          </a:xfrm>
-          <a:prstGeom prst="rect">
-            <a:avLst/>
-          </a:prstGeom>
-        </p:spPr>
-      </p:pic>
     </p:spTree>
     <p:extLst>
       <p:ext uri="{BB962C8B-B14F-4D97-AF65-F5344CB8AC3E}">
-        <p14:creationId xmlns:p14="http://schemas.microsoft.com/office/powerpoint/2010/main" val="2637503310"/>
+        <p14:creationId xmlns:p14="http://schemas.microsoft.com/office/powerpoint/2010/main" val="1226038342"/>
       </p:ext>
     </p:extLst>
   </p:cSld>
@@ -17518,7 +18649,7 @@
   <p:cSld>
     <p:spTree>
       <p:nvGrpSpPr>
-        <p:cNvPr id="1" name="Shape 156"/>
+        <p:cNvPr id="1" name=""/>
         <p:cNvGrpSpPr/>
         <p:nvPr/>
       </p:nvGrpSpPr>
@@ -17532,204 +18663,149 @@
       </p:grpSpPr>
       <p:sp>
         <p:nvSpPr>
-          <p:cNvPr id="157" name="Google Shape;157;p22"/>
-          <p:cNvSpPr txBox="1">
+          <p:cNvPr id="2" name="Title 1">
+            <a:extLst>
+              <a:ext uri="{FF2B5EF4-FFF2-40B4-BE49-F238E27FC236}">
+                <a16:creationId xmlns:a16="http://schemas.microsoft.com/office/drawing/2014/main" id="{747E100B-F742-93CC-E304-A28A70C96DF3}"/>
+              </a:ext>
+            </a:extLst>
+          </p:cNvPr>
+          <p:cNvSpPr>
             <a:spLocks noGrp="1"/>
           </p:cNvSpPr>
           <p:nvPr>
             <p:ph type="title"/>
           </p:nvPr>
         </p:nvSpPr>
-        <p:spPr>
-          <a:xfrm>
-            <a:off x="691200" y="152400"/>
-            <a:ext cx="7761600" cy="969000"/>
-          </a:xfrm>
-          <a:prstGeom prst="rect">
-            <a:avLst/>
-          </a:prstGeom>
-        </p:spPr>
+        <p:spPr/>
         <p:txBody>
-          <a:bodyPr spcFirstLastPara="1" wrap="square" lIns="91425" tIns="91425" rIns="91425" bIns="91425" anchor="b" anchorCtr="0">
-            <a:noAutofit/>
-          </a:bodyPr>
+          <a:bodyPr/>
           <a:lstStyle/>
           <a:p>
-            <a:pPr marL="0" lvl="0" indent="0" algn="l" rtl="0">
-              <a:spcBef>
-                <a:spcPts val="0"/>
-              </a:spcBef>
-              <a:spcAft>
-                <a:spcPts val="0"/>
-              </a:spcAft>
-              <a:buNone/>
-            </a:pPr>
-            <a:r>
-              <a:rPr lang="en"/>
-              <a:t>General terms and concepts</a:t>
-            </a:r>
-            <a:endParaRPr/>
+            <a:r>
+              <a:rPr lang="en-US" i="0" dirty="0">
+                <a:solidFill>
+                  <a:schemeClr val="tx1"/>
+                </a:solidFill>
+                <a:effectLst/>
+                <a:latin typeface="Avenir Book" panose="02000503020000020003" pitchFamily="2" charset="0"/>
+              </a:rPr>
+              <a:t>Today's Environment: Google </a:t>
+            </a:r>
+            <a:r>
+              <a:rPr lang="en-US" i="0" dirty="0" err="1">
+                <a:solidFill>
+                  <a:schemeClr val="tx1"/>
+                </a:solidFill>
+                <a:effectLst/>
+                <a:latin typeface="Avenir Book" panose="02000503020000020003" pitchFamily="2" charset="0"/>
+              </a:rPr>
+              <a:t>Colab</a:t>
+            </a:r>
+            <a:endParaRPr lang="en-US" dirty="0">
+              <a:solidFill>
+                <a:schemeClr val="tx1"/>
+              </a:solidFill>
+              <a:latin typeface="Avenir Book" panose="02000503020000020003" pitchFamily="2" charset="0"/>
+            </a:endParaRPr>
           </a:p>
         </p:txBody>
       </p:sp>
       <p:sp>
         <p:nvSpPr>
-          <p:cNvPr id="158" name="Google Shape;158;p22"/>
-          <p:cNvSpPr txBox="1">
+          <p:cNvPr id="3" name="Text Placeholder 2">
+            <a:extLst>
+              <a:ext uri="{FF2B5EF4-FFF2-40B4-BE49-F238E27FC236}">
+                <a16:creationId xmlns:a16="http://schemas.microsoft.com/office/drawing/2014/main" id="{832EA62A-3ECD-41AB-9579-67C1E992D503}"/>
+              </a:ext>
+            </a:extLst>
+          </p:cNvPr>
+          <p:cNvSpPr>
             <a:spLocks noGrp="1"/>
           </p:cNvSpPr>
           <p:nvPr>
             <p:ph type="body" idx="1"/>
           </p:nvPr>
         </p:nvSpPr>
-        <p:spPr>
-          <a:xfrm>
-            <a:off x="691200" y="1343775"/>
-            <a:ext cx="7761600" cy="2868900"/>
-          </a:xfrm>
-          <a:prstGeom prst="rect">
-            <a:avLst/>
-          </a:prstGeom>
-        </p:spPr>
+        <p:spPr/>
         <p:txBody>
-          <a:bodyPr spcFirstLastPara="1" wrap="square" lIns="91425" tIns="91425" rIns="91425" bIns="91425" anchor="t" anchorCtr="0">
-            <a:noAutofit/>
-          </a:bodyPr>
+          <a:bodyPr/>
           <a:lstStyle/>
           <a:p>
-            <a:pPr marL="457200" lvl="0" indent="-355600" algn="l" rtl="0">
-              <a:spcBef>
-                <a:spcPts val="600"/>
-              </a:spcBef>
-              <a:spcAft>
-                <a:spcPts val="0"/>
-              </a:spcAft>
-              <a:buSzPts val="2000"/>
-              <a:buChar char="●"/>
-            </a:pPr>
-            <a:r>
-              <a:rPr lang="en" b="1" dirty="0">
-                <a:highlight>
-                  <a:srgbClr val="B8DF72"/>
-                </a:highlight>
+            <a:pPr algn="l">
+              <a:buFont typeface="Arial" panose="020B0604020202020204" pitchFamily="34" charset="0"/>
+              <a:buChar char="•"/>
+            </a:pPr>
+            <a:r>
+              <a:rPr lang="en-US" sz="2400" b="0" i="0" dirty="0">
+                <a:solidFill>
+                  <a:schemeClr val="tx1"/>
+                </a:solidFill>
+                <a:effectLst/>
+                <a:latin typeface="Avenir Book" panose="02000503020000020003" pitchFamily="2" charset="0"/>
               </a:rPr>
-              <a:t>Syntax</a:t>
-            </a:r>
-            <a:r>
-              <a:rPr lang="en" b="1" dirty="0"/>
-              <a:t> </a:t>
-            </a:r>
-            <a:r>
-              <a:rPr lang="en" dirty="0"/>
-              <a:t>— set of rules in a programming language; works similarly to syntax in spoken languages</a:t>
-            </a:r>
-            <a:endParaRPr dirty="0"/>
-          </a:p>
-          <a:p>
-            <a:pPr marL="457200" lvl="0" indent="-355600" algn="l" rtl="0">
-              <a:spcBef>
-                <a:spcPts val="0"/>
-              </a:spcBef>
-              <a:spcAft>
-                <a:spcPts val="0"/>
-              </a:spcAft>
-              <a:buSzPts val="2000"/>
-              <a:buChar char="●"/>
-            </a:pPr>
-            <a:r>
-              <a:rPr lang="en" b="1" dirty="0">
-                <a:highlight>
-                  <a:srgbClr val="B8DF72"/>
-                </a:highlight>
+              <a:t>Browser-based Python notebook</a:t>
+            </a:r>
+          </a:p>
+          <a:p>
+            <a:pPr algn="l">
+              <a:buFont typeface="Arial" panose="020B0604020202020204" pitchFamily="34" charset="0"/>
+              <a:buChar char="•"/>
+            </a:pPr>
+            <a:r>
+              <a:rPr lang="en-US" sz="2400" b="0" i="0" dirty="0">
+                <a:solidFill>
+                  <a:schemeClr val="tx1"/>
+                </a:solidFill>
+                <a:effectLst/>
+                <a:latin typeface="Avenir Book" panose="02000503020000020003" pitchFamily="2" charset="0"/>
               </a:rPr>
-              <a:t>Program</a:t>
-            </a:r>
-            <a:r>
-              <a:rPr lang="en" dirty="0"/>
-              <a:t>, or </a:t>
-            </a:r>
-            <a:r>
-              <a:rPr lang="en" b="1" dirty="0">
-                <a:highlight>
-                  <a:srgbClr val="B8DF72"/>
-                </a:highlight>
+              <a:t>No installation needed</a:t>
+            </a:r>
+          </a:p>
+          <a:p>
+            <a:pPr algn="l">
+              <a:buFont typeface="Arial" panose="020B0604020202020204" pitchFamily="34" charset="0"/>
+              <a:buChar char="•"/>
+            </a:pPr>
+            <a:r>
+              <a:rPr lang="en-US" sz="2400" b="0" i="0" dirty="0">
+                <a:solidFill>
+                  <a:schemeClr val="tx1"/>
+                </a:solidFill>
+                <a:effectLst/>
+                <a:latin typeface="Avenir Book" panose="02000503020000020003" pitchFamily="2" charset="0"/>
               </a:rPr>
-              <a:t>script</a:t>
-            </a:r>
-            <a:r>
-              <a:rPr lang="en" b="1" dirty="0"/>
-              <a:t> — </a:t>
-            </a:r>
-            <a:r>
-              <a:rPr lang="en" dirty="0"/>
-              <a:t>one or more lines of code, usually meant to do something, such as a task, transformation, visualization</a:t>
-            </a:r>
-            <a:endParaRPr dirty="0"/>
-          </a:p>
-          <a:p>
-            <a:pPr marL="457200" lvl="0" indent="-355600" algn="l" rtl="0">
-              <a:spcBef>
-                <a:spcPts val="0"/>
-              </a:spcBef>
-              <a:spcAft>
-                <a:spcPts val="0"/>
-              </a:spcAft>
-              <a:buSzPts val="2000"/>
-              <a:buChar char="●"/>
-            </a:pPr>
-            <a:r>
-              <a:rPr lang="en" b="1" dirty="0">
-                <a:highlight>
-                  <a:srgbClr val="B8DF72"/>
-                </a:highlight>
+              <a:t>Code + results in one place</a:t>
+            </a:r>
+          </a:p>
+          <a:p>
+            <a:pPr algn="l">
+              <a:buFont typeface="Arial" panose="020B0604020202020204" pitchFamily="34" charset="0"/>
+              <a:buChar char="•"/>
+            </a:pPr>
+            <a:r>
+              <a:rPr lang="en-US" sz="2400" b="0" i="0" dirty="0">
+                <a:solidFill>
+                  <a:schemeClr val="tx1"/>
+                </a:solidFill>
+                <a:effectLst/>
+                <a:latin typeface="Avenir Book" panose="02000503020000020003" pitchFamily="2" charset="0"/>
               </a:rPr>
-              <a:t>Function</a:t>
-            </a:r>
-            <a:r>
-              <a:rPr lang="en" b="1" dirty="0"/>
-              <a:t> — </a:t>
-            </a:r>
-            <a:r>
-              <a:rPr lang="en" dirty="0"/>
-              <a:t>a block of reusable code that performs a specific task; these can come standard in a language, be custom-written, or utilized via add-on modules</a:t>
-            </a:r>
-          </a:p>
-          <a:p>
-            <a:pPr marL="457200" lvl="0" indent="-355600" algn="l" rtl="0">
-              <a:spcBef>
-                <a:spcPts val="0"/>
-              </a:spcBef>
-              <a:spcAft>
-                <a:spcPts val="0"/>
-              </a:spcAft>
-              <a:buSzPts val="2000"/>
-              <a:buChar char="●"/>
-            </a:pPr>
-            <a:r>
-              <a:rPr lang="en" b="1" dirty="0">
-                <a:highlight>
-                  <a:srgbClr val="B8DF72"/>
-                </a:highlight>
-              </a:rPr>
-              <a:t>Method</a:t>
-            </a:r>
-            <a:r>
-              <a:rPr lang="en" b="1" dirty="0"/>
-              <a:t> —</a:t>
-            </a:r>
-            <a:r>
-              <a:rPr lang="en" dirty="0"/>
-              <a:t> </a:t>
-            </a:r>
-            <a:r>
-              <a:rPr lang="en-US" dirty="0"/>
-              <a:t>is a function that is associated with an object and is called on that object. Methods are defined within a class and can access or modify the attributes of the object they belong to. </a:t>
-            </a:r>
-            <a:endParaRPr dirty="0"/>
+              <a:t>Perfect for learning and data analysis</a:t>
+            </a:r>
+          </a:p>
+          <a:p>
+            <a:endParaRPr lang="en-US" dirty="0"/>
           </a:p>
         </p:txBody>
       </p:sp>
     </p:spTree>
+    <p:extLst>
+      <p:ext uri="{BB962C8B-B14F-4D97-AF65-F5344CB8AC3E}">
+        <p14:creationId xmlns:p14="http://schemas.microsoft.com/office/powerpoint/2010/main" val="461292081"/>
+      </p:ext>
+    </p:extLst>
   </p:cSld>
   <p:clrMapOvr>
     <a:masterClrMapping/>
